--- a/notes/welcome.pptx
+++ b/notes/welcome.pptx
@@ -5,15 +5,19 @@
     <p:sldMasterId id="2147483672" r:id="rId1"/>
   </p:sldMasterIdLst>
   <p:notesMasterIdLst>
-    <p:notesMasterId r:id="rId5"/>
+    <p:notesMasterId r:id="rId9"/>
   </p:notesMasterIdLst>
   <p:handoutMasterIdLst>
-    <p:handoutMasterId r:id="rId6"/>
+    <p:handoutMasterId r:id="rId10"/>
   </p:handoutMasterIdLst>
   <p:sldIdLst>
     <p:sldId id="256" r:id="rId2"/>
     <p:sldId id="289" r:id="rId3"/>
-    <p:sldId id="288" r:id="rId4"/>
+    <p:sldId id="290" r:id="rId4"/>
+    <p:sldId id="294" r:id="rId5"/>
+    <p:sldId id="291" r:id="rId6"/>
+    <p:sldId id="292" r:id="rId7"/>
+    <p:sldId id="293" r:id="rId8"/>
   </p:sldIdLst>
   <p:sldSz cx="12192000" cy="6858000"/>
   <p:notesSz cx="9144000" cy="6858000"/>
@@ -3941,7 +3945,15 @@
             </a:br>
             <a:r>
               <a:rPr lang="en-US" b="1" dirty="0" smtClean="0"/>
-              <a:t>data structures &amp;</a:t>
+              <a:t>Data </a:t>
+            </a:r>
+            <a:r>
+              <a:rPr lang="en-US" b="1" dirty="0"/>
+              <a:t>S</a:t>
+            </a:r>
+            <a:r>
+              <a:rPr lang="en-US" b="1" dirty="0" smtClean="0"/>
+              <a:t>tructures &amp;</a:t>
             </a:r>
             <a:br>
               <a:rPr lang="en-US" b="1" dirty="0" smtClean="0"/>
@@ -4109,7 +4121,13 @@
           <a:p>
             <a:r>
               <a:rPr lang="en-US" dirty="0" smtClean="0"/>
-              <a:t>Problem-solving</a:t>
+              <a:t>A formula for problem-solving simple algorithm problems</a:t>
+            </a:r>
+          </a:p>
+          <a:p>
+            <a:r>
+              <a:rPr lang="en-US" dirty="0" smtClean="0"/>
+              <a:t>How to read code</a:t>
             </a:r>
           </a:p>
           <a:p>
@@ -4127,7 +4145,15 @@
           <a:p>
             <a:r>
               <a:rPr lang="en-US" dirty="0" smtClean="0"/>
-              <a:t>“So much recursion!” </a:t>
+              <a:t>“</a:t>
+            </a:r>
+            <a:r>
+              <a:rPr lang="en-US" i="1" dirty="0" smtClean="0"/>
+              <a:t>So much recursion!</a:t>
+            </a:r>
+            <a:r>
+              <a:rPr lang="en-US" dirty="0" smtClean="0"/>
+              <a:t>” </a:t>
             </a:r>
             <a:r>
               <a:rPr lang="mr-IN" dirty="0" smtClean="0"/>
@@ -4152,13 +4178,49 @@
           </a:p>
           <a:p>
             <a:r>
-              <a:rPr lang="en-US" smtClean="0"/>
+              <a:rPr lang="en-US" dirty="0" smtClean="0"/>
               <a:t>Graphs and graph algorithms</a:t>
             </a:r>
-            <a:endParaRPr lang="en-US" dirty="0" smtClean="0"/>
           </a:p>
           <a:p>
             <a:endParaRPr lang="en-US" dirty="0"/>
+          </a:p>
+        </p:txBody>
+      </p:sp>
+      <p:sp>
+        <p:nvSpPr>
+          <p:cNvPr id="4" name="Rectangle 3"/>
+          <p:cNvSpPr/>
+          <p:nvPr/>
+        </p:nvSpPr>
+        <p:spPr>
+          <a:xfrm>
+            <a:off x="6096000" y="797073"/>
+            <a:ext cx="4666662" cy="461665"/>
+          </a:xfrm>
+          <a:prstGeom prst="rect">
+            <a:avLst/>
+          </a:prstGeom>
+        </p:spPr>
+        <p:txBody>
+          <a:bodyPr wrap="none">
+            <a:spAutoFit/>
+          </a:bodyPr>
+          <a:lstStyle/>
+          <a:p>
+            <a:r>
+              <a:rPr lang="en-US" sz="2400" smtClean="0">
+                <a:hlinkClick r:id="rId2"/>
+              </a:rPr>
+              <a:t>https</a:t>
+            </a:r>
+            <a:r>
+              <a:rPr lang="en-US" sz="2400" dirty="0">
+                <a:hlinkClick r:id="rId2"/>
+              </a:rPr>
+              <a:t>://github.com/parrt/msds689</a:t>
+            </a:r>
+            <a:endParaRPr lang="en-US" sz="2400" dirty="0"/>
           </a:p>
         </p:txBody>
       </p:sp>
@@ -4194,13 +4256,7 @@
       </p:grpSpPr>
       <p:sp>
         <p:nvSpPr>
-          <p:cNvPr id="2" name="Title 1">
-            <a:extLst>
-              <a:ext uri="{FF2B5EF4-FFF2-40B4-BE49-F238E27FC236}">
-                <a16:creationId xmlns="" xmlns:a16="http://schemas.microsoft.com/office/drawing/2014/main" id="{28E269BC-FCD0-3641-BD6D-5B96C2417018}"/>
-              </a:ext>
-            </a:extLst>
-          </p:cNvPr>
+          <p:cNvPr id="2" name="Title 1"/>
           <p:cNvSpPr>
             <a:spLocks noGrp="1"/>
           </p:cNvSpPr>
@@ -4208,214 +4264,967 @@
             <p:ph type="title"/>
           </p:nvPr>
         </p:nvSpPr>
-        <p:spPr/>
+        <p:spPr>
+          <a:xfrm>
+            <a:off x="838200" y="365125"/>
+            <a:ext cx="10515600" cy="832627"/>
+          </a:xfrm>
+        </p:spPr>
         <p:txBody>
           <a:bodyPr/>
           <a:lstStyle/>
           <a:p>
             <a:r>
               <a:rPr lang="en-US" dirty="0" smtClean="0"/>
-              <a:t>Most</a:t>
-            </a:r>
+              <a:t>Course projects</a:t>
+            </a:r>
+            <a:endParaRPr lang="en-US" dirty="0"/>
+          </a:p>
+        </p:txBody>
+      </p:sp>
+      <p:sp>
+        <p:nvSpPr>
+          <p:cNvPr id="3" name="Content Placeholder 2"/>
+          <p:cNvSpPr>
+            <a:spLocks noGrp="1"/>
+          </p:cNvSpPr>
+          <p:nvPr>
+            <p:ph idx="1"/>
+          </p:nvPr>
+        </p:nvSpPr>
+        <p:spPr>
+          <a:xfrm>
+            <a:off x="838200" y="1303506"/>
+            <a:ext cx="10515600" cy="4873457"/>
+          </a:xfrm>
+        </p:spPr>
+        <p:txBody>
+          <a:bodyPr>
+            <a:normAutofit lnSpcReduction="10000"/>
+          </a:bodyPr>
+          <a:lstStyle/>
+          <a:p>
+            <a:r>
+              <a:rPr lang="en-US" dirty="0" smtClean="0"/>
+              <a:t>Convert </a:t>
+            </a:r>
+            <a:r>
+              <a:rPr lang="en-US" dirty="0" err="1" smtClean="0"/>
+              <a:t>htable</a:t>
+            </a:r>
+            <a:r>
+              <a:rPr lang="en-US" dirty="0" smtClean="0"/>
+              <a:t> project to object-oriented version (8%)</a:t>
+            </a:r>
+          </a:p>
+          <a:p>
+            <a:pPr lvl="1"/>
+            <a:r>
+              <a:rPr lang="en-US" dirty="0" smtClean="0"/>
+              <a:t>With some extensions</a:t>
+            </a:r>
+          </a:p>
+          <a:p>
+            <a:pPr lvl="1"/>
             <a:r>
               <a:rPr lang="mr-IN" dirty="0" smtClean="0"/>
               <a:t>…</a:t>
             </a:r>
+            <a:r>
+              <a:rPr lang="en-US" dirty="0" smtClean="0"/>
+              <a:t>and using somebody else’s code from two years ago!</a:t>
+            </a:r>
+          </a:p>
+          <a:p>
+            <a:pPr lvl="1"/>
+            <a:r>
+              <a:rPr lang="en-US" dirty="0" smtClean="0"/>
+              <a:t>hint: it’s </a:t>
+            </a:r>
+            <a:r>
+              <a:rPr lang="en-US" dirty="0" err="1" smtClean="0"/>
+              <a:t>kinda</a:t>
+            </a:r>
+            <a:r>
+              <a:rPr lang="en-US" dirty="0" smtClean="0"/>
+              <a:t> stinky code. ha!</a:t>
+            </a:r>
+          </a:p>
+          <a:p>
+            <a:r>
+              <a:rPr lang="en-US" dirty="0" err="1" smtClean="0"/>
+              <a:t>kmeans</a:t>
+            </a:r>
+            <a:r>
+              <a:rPr lang="en-US" dirty="0" smtClean="0"/>
+              <a:t> clustering, </a:t>
+            </a:r>
+            <a:r>
+              <a:rPr lang="en-US" dirty="0" err="1" smtClean="0"/>
+              <a:t>kmeans</a:t>
+            </a:r>
+            <a:r>
+              <a:rPr lang="en-US" dirty="0" smtClean="0"/>
+              <a:t>++ initial point selection (20%)</a:t>
+            </a:r>
+          </a:p>
+          <a:p>
+            <a:pPr lvl="1"/>
+            <a:r>
+              <a:rPr lang="en-US" dirty="0" smtClean="0"/>
+              <a:t>Spectral clustering using </a:t>
+            </a:r>
+            <a:r>
+              <a:rPr lang="en-US" dirty="0" err="1" smtClean="0"/>
+              <a:t>Breiman’s</a:t>
+            </a:r>
+            <a:r>
+              <a:rPr lang="en-US" dirty="0" smtClean="0"/>
+              <a:t> unsupervised learning trick for RFs</a:t>
+            </a:r>
+          </a:p>
+          <a:p>
+            <a:pPr lvl="1"/>
+            <a:r>
+              <a:rPr lang="en-US" dirty="0" smtClean="0"/>
+              <a:t>Image compression applications</a:t>
+            </a:r>
+          </a:p>
+          <a:p>
+            <a:r>
+              <a:rPr lang="en-US" dirty="0"/>
+              <a:t>Feature importance and </a:t>
+            </a:r>
+            <a:r>
+              <a:rPr lang="en-US" dirty="0" smtClean="0"/>
+              <a:t>selection (22%)</a:t>
+            </a:r>
+          </a:p>
+          <a:p>
+            <a:pPr lvl="1"/>
+            <a:r>
+              <a:rPr lang="en-US" dirty="0"/>
+              <a:t>P</a:t>
+            </a:r>
+            <a:r>
+              <a:rPr lang="en-US" dirty="0" smtClean="0"/>
+              <a:t>ermutation and drop column</a:t>
+            </a:r>
+          </a:p>
+          <a:p>
+            <a:pPr lvl="1"/>
+            <a:r>
+              <a:rPr lang="en-US" dirty="0"/>
+              <a:t>A</a:t>
+            </a:r>
+            <a:r>
+              <a:rPr lang="en-US" dirty="0" smtClean="0"/>
+              <a:t>utomatic feature selection</a:t>
+            </a:r>
+          </a:p>
+          <a:p>
+            <a:r>
+              <a:rPr lang="en-US" dirty="0" smtClean="0"/>
+              <a:t>Work as hard or as little as you want (I give no unit tests)</a:t>
+            </a:r>
+          </a:p>
+          <a:p>
+            <a:pPr lvl="1"/>
+            <a:r>
+              <a:rPr lang="en-US" dirty="0" smtClean="0"/>
+              <a:t>grader will assign check -, check, check+ based upon your reports</a:t>
+            </a:r>
+          </a:p>
+          <a:p>
+            <a:pPr lvl="1"/>
             <a:endParaRPr lang="en-US" dirty="0"/>
           </a:p>
         </p:txBody>
       </p:sp>
       <p:sp>
         <p:nvSpPr>
-          <p:cNvPr id="3" name="Content Placeholder 2">
-            <a:extLst>
-              <a:ext uri="{FF2B5EF4-FFF2-40B4-BE49-F238E27FC236}">
-                <a16:creationId xmlns="" xmlns:a16="http://schemas.microsoft.com/office/drawing/2014/main" id="{011453FF-9B1C-204B-BAC3-7506D02A781A}"/>
-              </a:ext>
-            </a:extLst>
-          </p:cNvPr>
-          <p:cNvSpPr>
-            <a:spLocks noGrp="1"/>
-          </p:cNvSpPr>
-          <p:nvPr>
-            <p:ph idx="1"/>
-          </p:nvPr>
-        </p:nvSpPr>
-        <p:spPr/>
-        <p:txBody>
-          <a:bodyPr/>
-          <a:lstStyle/>
-          <a:p>
-            <a:r>
-              <a:rPr lang="en-US" dirty="0"/>
-              <a:t>That means we need to </a:t>
-            </a:r>
-            <a:r>
-              <a:rPr lang="en-US" dirty="0" smtClean="0"/>
-              <a:t>know</a:t>
-            </a:r>
-            <a:endParaRPr lang="en-US" dirty="0"/>
-          </a:p>
-        </p:txBody>
-      </p:sp>
-      <p:sp>
-        <p:nvSpPr>
-          <p:cNvPr id="4" name="TextBox 3">
-            <a:extLst>
-              <a:ext uri="{FF2B5EF4-FFF2-40B4-BE49-F238E27FC236}">
-                <a16:creationId xmlns="" xmlns:a16="http://schemas.microsoft.com/office/drawing/2014/main" id="{7EA51DEE-4B36-8844-9444-48364D4297AC}"/>
-              </a:ext>
-            </a:extLst>
-          </p:cNvPr>
+          <p:cNvPr id="4" name="TextBox 3"/>
           <p:cNvSpPr txBox="1"/>
           <p:nvPr/>
         </p:nvSpPr>
         <p:spPr>
           <a:xfrm>
-            <a:off x="966141" y="2438888"/>
-            <a:ext cx="5804310" cy="1569660"/>
+            <a:off x="838200" y="6119336"/>
+            <a:ext cx="6219972" cy="738664"/>
           </a:xfrm>
           <a:prstGeom prst="rect">
             <a:avLst/>
           </a:prstGeom>
           <a:noFill/>
-          <a:ln>
-            <a:solidFill>
-              <a:schemeClr val="accent1"/>
-            </a:solidFill>
-          </a:ln>
         </p:spPr>
         <p:txBody>
-          <a:bodyPr wrap="square" rtlCol="0">
+          <a:bodyPr wrap="none" rtlCol="0">
             <a:spAutoFit/>
           </a:bodyPr>
           <a:lstStyle/>
           <a:p>
             <a:r>
-              <a:rPr lang="en-US" sz="2400" dirty="0">
-                <a:latin typeface="Monaco" charset="0"/>
-                <a:ea typeface="Monaco" charset="0"/>
-                <a:cs typeface="Monaco" charset="0"/>
+              <a:rPr lang="en-US" sz="1400" dirty="0">
+                <a:hlinkClick r:id="rId2"/>
               </a:rPr>
-              <a:t>def walk(</a:t>
-            </a:r>
-            <a:r>
-              <a:rPr lang="en-US" sz="2400" dirty="0" err="1">
-                <a:latin typeface="Monaco" charset="0"/>
-                <a:ea typeface="Monaco" charset="0"/>
-                <a:cs typeface="Monaco" charset="0"/>
+              <a:t>https://github.com/parrt/msds689/blob/master/projects/oohtable/oohtable.md</a:t>
+            </a:r>
+          </a:p>
+          <a:p>
+            <a:r>
+              <a:rPr lang="en-US" sz="1400" dirty="0" smtClean="0">
+                <a:hlinkClick r:id="rId2"/>
               </a:rPr>
-              <a:t>A,nrows,ncols</a:t>
-            </a:r>
-            <a:r>
-              <a:rPr lang="en-US" sz="2400" dirty="0">
-                <a:latin typeface="Monaco" charset="0"/>
-                <a:ea typeface="Monaco" charset="0"/>
-                <a:cs typeface="Monaco" charset="0"/>
+              <a:t>https</a:t>
+            </a:r>
+            <a:r>
+              <a:rPr lang="en-US" sz="1400" dirty="0">
+                <a:hlinkClick r:id="rId2"/>
               </a:rPr>
-              <a:t>):</a:t>
-            </a:r>
-          </a:p>
-          <a:p>
-            <a:r>
-              <a:rPr lang="en-US" sz="2400" dirty="0">
-                <a:latin typeface="Monaco" charset="0"/>
-                <a:ea typeface="Monaco" charset="0"/>
-                <a:cs typeface="Monaco" charset="0"/>
+              <a:t>://</a:t>
+            </a:r>
+            <a:r>
+              <a:rPr lang="en-US" sz="1400" dirty="0" smtClean="0">
+                <a:hlinkClick r:id="rId2"/>
               </a:rPr>
-              <a:t>    for </a:t>
-            </a:r>
-            <a:r>
-              <a:rPr lang="en-US" sz="2400" dirty="0" err="1">
-                <a:latin typeface="Monaco" charset="0"/>
-                <a:ea typeface="Monaco" charset="0"/>
-                <a:cs typeface="Monaco" charset="0"/>
+              <a:t>github.com/parrt/msds689/blob/master/projects/kmeans/kmeans.md</a:t>
+            </a:r>
+            <a:endParaRPr lang="en-US" sz="1400" dirty="0">
+              <a:hlinkClick r:id="rId3"/>
+            </a:endParaRPr>
+          </a:p>
+          <a:p>
+            <a:r>
+              <a:rPr lang="en-US" sz="1400" dirty="0" smtClean="0">
+                <a:hlinkClick r:id="rId3"/>
               </a:rPr>
-              <a:t>i</a:t>
-            </a:r>
-            <a:r>
-              <a:rPr lang="en-US" sz="2400" dirty="0">
-                <a:latin typeface="Monaco" charset="0"/>
-                <a:ea typeface="Monaco" charset="0"/>
-                <a:cs typeface="Monaco" charset="0"/>
+              <a:t>https</a:t>
+            </a:r>
+            <a:r>
+              <a:rPr lang="en-US" sz="1400" dirty="0">
+                <a:hlinkClick r:id="rId3"/>
               </a:rPr>
-              <a:t> in range(</a:t>
-            </a:r>
-            <a:r>
-              <a:rPr lang="en-US" sz="2400" dirty="0" err="1">
-                <a:latin typeface="Monaco" charset="0"/>
-                <a:ea typeface="Monaco" charset="0"/>
-                <a:cs typeface="Monaco" charset="0"/>
-              </a:rPr>
-              <a:t>nrows</a:t>
-            </a:r>
-            <a:r>
-              <a:rPr lang="en-US" sz="2400" dirty="0">
-                <a:latin typeface="Monaco" charset="0"/>
-                <a:ea typeface="Monaco" charset="0"/>
-                <a:cs typeface="Monaco" charset="0"/>
-              </a:rPr>
-              <a:t>):</a:t>
-            </a:r>
-          </a:p>
-          <a:p>
-            <a:r>
-              <a:rPr lang="en-US" sz="2400" dirty="0">
-                <a:latin typeface="Monaco" charset="0"/>
-                <a:ea typeface="Monaco" charset="0"/>
-                <a:cs typeface="Monaco" charset="0"/>
-              </a:rPr>
-              <a:t>        for j in range(</a:t>
-            </a:r>
-            <a:r>
-              <a:rPr lang="en-US" sz="2400" dirty="0" err="1">
-                <a:latin typeface="Monaco" charset="0"/>
-                <a:ea typeface="Monaco" charset="0"/>
-                <a:cs typeface="Monaco" charset="0"/>
-              </a:rPr>
-              <a:t>ncols</a:t>
-            </a:r>
-            <a:r>
-              <a:rPr lang="en-US" sz="2400" dirty="0">
-                <a:latin typeface="Monaco" charset="0"/>
-                <a:ea typeface="Monaco" charset="0"/>
-                <a:cs typeface="Monaco" charset="0"/>
-              </a:rPr>
-              <a:t>):</a:t>
-            </a:r>
-          </a:p>
-          <a:p>
-            <a:r>
-              <a:rPr lang="en-US" sz="2400" dirty="0">
-                <a:latin typeface="Monaco" charset="0"/>
-                <a:ea typeface="Monaco" charset="0"/>
-                <a:cs typeface="Monaco" charset="0"/>
-              </a:rPr>
-              <a:t>            # process A[</a:t>
-            </a:r>
-            <a:r>
-              <a:rPr lang="en-US" sz="2400" dirty="0" err="1">
-                <a:latin typeface="Monaco" charset="0"/>
-                <a:ea typeface="Monaco" charset="0"/>
-                <a:cs typeface="Monaco" charset="0"/>
-              </a:rPr>
-              <a:t>i</a:t>
-            </a:r>
-            <a:r>
-              <a:rPr lang="en-US" sz="2400" dirty="0">
-                <a:latin typeface="Monaco" charset="0"/>
-                <a:ea typeface="Monaco" charset="0"/>
-                <a:cs typeface="Monaco" charset="0"/>
-              </a:rPr>
-              <a:t>][j]</a:t>
-            </a:r>
+              <a:t>://github.com/parrt/msds689/blob/master/projects/featimp/featimp.md</a:t>
+            </a:r>
+            <a:endParaRPr lang="en-US" sz="1400" dirty="0"/>
           </a:p>
         </p:txBody>
       </p:sp>
     </p:spTree>
     <p:extLst>
       <p:ext uri="{BB962C8B-B14F-4D97-AF65-F5344CB8AC3E}">
-        <p14:creationId xmlns:p14="http://schemas.microsoft.com/office/powerpoint/2010/main" val="3002228280"/>
+        <p14:creationId xmlns:p14="http://schemas.microsoft.com/office/powerpoint/2010/main" val="1369372679"/>
+      </p:ext>
+    </p:extLst>
+  </p:cSld>
+  <p:clrMapOvr>
+    <a:masterClrMapping/>
+  </p:clrMapOvr>
+</p:sld>
+</file>
+
+<file path=ppt/slides/slide4.xml><?xml version="1.0" encoding="utf-8"?>
+<p:sld xmlns:a="http://schemas.openxmlformats.org/drawingml/2006/main" xmlns:r="http://schemas.openxmlformats.org/officeDocument/2006/relationships" xmlns:p="http://schemas.openxmlformats.org/presentationml/2006/main">
+  <p:cSld>
+    <p:spTree>
+      <p:nvGrpSpPr>
+        <p:cNvPr id="1" name=""/>
+        <p:cNvGrpSpPr/>
+        <p:nvPr/>
+      </p:nvGrpSpPr>
+      <p:grpSpPr>
+        <a:xfrm>
+          <a:off x="0" y="0"/>
+          <a:ext cx="0" cy="0"/>
+          <a:chOff x="0" y="0"/>
+          <a:chExt cx="0" cy="0"/>
+        </a:xfrm>
+      </p:grpSpPr>
+      <p:sp>
+        <p:nvSpPr>
+          <p:cNvPr id="2" name="Title 1"/>
+          <p:cNvSpPr>
+            <a:spLocks noGrp="1"/>
+          </p:cNvSpPr>
+          <p:nvPr>
+            <p:ph type="title"/>
+          </p:nvPr>
+        </p:nvSpPr>
+        <p:spPr/>
+        <p:txBody>
+          <a:bodyPr/>
+          <a:lstStyle/>
+          <a:p>
+            <a:r>
+              <a:rPr lang="en-US" dirty="0" smtClean="0"/>
+              <a:t>Student evaluation</a:t>
+            </a:r>
+            <a:endParaRPr lang="en-US" dirty="0"/>
+          </a:p>
+        </p:txBody>
+      </p:sp>
+      <p:pic>
+        <p:nvPicPr>
+          <p:cNvPr id="5" name="Picture 4"/>
+          <p:cNvPicPr>
+            <a:picLocks noChangeAspect="1"/>
+          </p:cNvPicPr>
+          <p:nvPr/>
+        </p:nvPicPr>
+        <p:blipFill>
+          <a:blip r:embed="rId2">
+            <a:extLst>
+              <a:ext uri="{28A0092B-C50C-407E-A947-70E740481C1C}">
+                <a14:useLocalDpi xmlns:a14="http://schemas.microsoft.com/office/drawing/2010/main" val="0"/>
+              </a:ext>
+            </a:extLst>
+          </a:blip>
+          <a:stretch>
+            <a:fillRect/>
+          </a:stretch>
+        </p:blipFill>
+        <p:spPr>
+          <a:xfrm>
+            <a:off x="909129" y="1833022"/>
+            <a:ext cx="10678009" cy="3847931"/>
+          </a:xfrm>
+          <a:prstGeom prst="rect">
+            <a:avLst/>
+          </a:prstGeom>
+        </p:spPr>
+      </p:pic>
+      <p:sp>
+        <p:nvSpPr>
+          <p:cNvPr id="6" name="TextBox 5"/>
+          <p:cNvSpPr txBox="1"/>
+          <p:nvPr/>
+        </p:nvSpPr>
+        <p:spPr>
+          <a:xfrm>
+            <a:off x="5068111" y="5943600"/>
+            <a:ext cx="1826141" cy="369332"/>
+          </a:xfrm>
+          <a:prstGeom prst="rect">
+            <a:avLst/>
+          </a:prstGeom>
+          <a:noFill/>
+        </p:spPr>
+        <p:txBody>
+          <a:bodyPr wrap="none" rtlCol="0">
+            <a:spAutoFit/>
+          </a:bodyPr>
+          <a:lstStyle/>
+          <a:p>
+            <a:r>
+              <a:rPr lang="en-US" dirty="0" smtClean="0"/>
+              <a:t>last day </a:t>
+            </a:r>
+            <a:r>
+              <a:rPr lang="en-US" smtClean="0"/>
+              <a:t>of class</a:t>
+            </a:r>
+            <a:endParaRPr lang="en-US"/>
+          </a:p>
+        </p:txBody>
+      </p:sp>
+      <p:cxnSp>
+        <p:nvCxnSpPr>
+          <p:cNvPr id="8" name="Straight Arrow Connector 7"/>
+          <p:cNvCxnSpPr>
+            <a:stCxn id="6" idx="3"/>
+          </p:cNvCxnSpPr>
+          <p:nvPr/>
+        </p:nvCxnSpPr>
+        <p:spPr>
+          <a:xfrm flipV="1">
+            <a:off x="6894252" y="5437762"/>
+            <a:ext cx="926786" cy="690504"/>
+          </a:xfrm>
+          <a:prstGeom prst="straightConnector1">
+            <a:avLst/>
+          </a:prstGeom>
+          <a:ln>
+            <a:tailEnd type="triangle"/>
+          </a:ln>
+        </p:spPr>
+        <p:style>
+          <a:lnRef idx="1">
+            <a:schemeClr val="accent1"/>
+          </a:lnRef>
+          <a:fillRef idx="0">
+            <a:schemeClr val="accent1"/>
+          </a:fillRef>
+          <a:effectRef idx="0">
+            <a:schemeClr val="accent1"/>
+          </a:effectRef>
+          <a:fontRef idx="minor">
+            <a:schemeClr val="tx1"/>
+          </a:fontRef>
+        </p:style>
+      </p:cxnSp>
+      <p:sp>
+        <p:nvSpPr>
+          <p:cNvPr id="10" name="TextBox 9"/>
+          <p:cNvSpPr txBox="1"/>
+          <p:nvPr/>
+        </p:nvSpPr>
+        <p:spPr>
+          <a:xfrm>
+            <a:off x="6894252" y="732202"/>
+            <a:ext cx="4801314" cy="646331"/>
+          </a:xfrm>
+          <a:prstGeom prst="rect">
+            <a:avLst/>
+          </a:prstGeom>
+          <a:noFill/>
+        </p:spPr>
+        <p:txBody>
+          <a:bodyPr wrap="none" rtlCol="0">
+            <a:spAutoFit/>
+          </a:bodyPr>
+          <a:lstStyle/>
+          <a:p>
+            <a:r>
+              <a:rPr lang="en-US" i="1" dirty="0"/>
+              <a:t>P</a:t>
+            </a:r>
+            <a:r>
+              <a:rPr lang="en-US" i="1" smtClean="0"/>
+              <a:t>lease </a:t>
+            </a:r>
+            <a:r>
+              <a:rPr lang="en-US" i="1" dirty="0" smtClean="0"/>
+              <a:t>note grader will take at least a week</a:t>
+            </a:r>
+          </a:p>
+          <a:p>
+            <a:r>
+              <a:rPr lang="en-US" i="1" dirty="0" smtClean="0"/>
+              <a:t>to grade projects, but I’ll grade exams quickly</a:t>
+            </a:r>
+            <a:endParaRPr lang="en-US" i="1" dirty="0"/>
+          </a:p>
+        </p:txBody>
+      </p:sp>
+    </p:spTree>
+    <p:extLst>
+      <p:ext uri="{BB962C8B-B14F-4D97-AF65-F5344CB8AC3E}">
+        <p14:creationId xmlns:p14="http://schemas.microsoft.com/office/powerpoint/2010/main" val="2087868064"/>
+      </p:ext>
+    </p:extLst>
+  </p:cSld>
+  <p:clrMapOvr>
+    <a:masterClrMapping/>
+  </p:clrMapOvr>
+</p:sld>
+</file>
+
+<file path=ppt/slides/slide5.xml><?xml version="1.0" encoding="utf-8"?>
+<p:sld xmlns:a="http://schemas.openxmlformats.org/drawingml/2006/main" xmlns:r="http://schemas.openxmlformats.org/officeDocument/2006/relationships" xmlns:p="http://schemas.openxmlformats.org/presentationml/2006/main">
+  <p:cSld>
+    <p:spTree>
+      <p:nvGrpSpPr>
+        <p:cNvPr id="1" name=""/>
+        <p:cNvGrpSpPr/>
+        <p:nvPr/>
+      </p:nvGrpSpPr>
+      <p:grpSpPr>
+        <a:xfrm>
+          <a:off x="0" y="0"/>
+          <a:ext cx="0" cy="0"/>
+          <a:chOff x="0" y="0"/>
+          <a:chExt cx="0" cy="0"/>
+        </a:xfrm>
+      </p:grpSpPr>
+      <p:sp>
+        <p:nvSpPr>
+          <p:cNvPr id="2" name="Title 1"/>
+          <p:cNvSpPr>
+            <a:spLocks noGrp="1"/>
+          </p:cNvSpPr>
+          <p:nvPr>
+            <p:ph type="title"/>
+          </p:nvPr>
+        </p:nvSpPr>
+        <p:spPr/>
+        <p:txBody>
+          <a:bodyPr/>
+          <a:lstStyle/>
+          <a:p>
+            <a:r>
+              <a:rPr lang="en-US" dirty="0" smtClean="0"/>
+              <a:t>Extra things you can do</a:t>
+            </a:r>
+            <a:endParaRPr lang="en-US" dirty="0"/>
+          </a:p>
+        </p:txBody>
+      </p:sp>
+      <p:sp>
+        <p:nvSpPr>
+          <p:cNvPr id="3" name="Content Placeholder 2"/>
+          <p:cNvSpPr>
+            <a:spLocks noGrp="1"/>
+          </p:cNvSpPr>
+          <p:nvPr>
+            <p:ph idx="1"/>
+          </p:nvPr>
+        </p:nvSpPr>
+        <p:spPr>
+          <a:xfrm>
+            <a:off x="838200" y="1410511"/>
+            <a:ext cx="10515600" cy="4766452"/>
+          </a:xfrm>
+        </p:spPr>
+        <p:txBody>
+          <a:bodyPr/>
+          <a:lstStyle/>
+          <a:p>
+            <a:r>
+              <a:rPr lang="en-US" dirty="0"/>
+              <a:t>Lots of little practice quizzes; e.g., </a:t>
+            </a:r>
+            <a:r>
+              <a:rPr lang="en-US" sz="2000" dirty="0">
+                <a:hlinkClick r:id="rId2"/>
+              </a:rPr>
+              <a:t>https://</a:t>
+            </a:r>
+            <a:r>
+              <a:rPr lang="en-US" sz="2000" dirty="0" smtClean="0">
+                <a:hlinkClick r:id="rId2"/>
+              </a:rPr>
+              <a:t>github.com/parrt/msds689/blob/master/labs/quiz-oo.ipynb</a:t>
+            </a:r>
+            <a:r>
+              <a:rPr lang="en-US" sz="2000" dirty="0" smtClean="0"/>
+              <a:t> </a:t>
+            </a:r>
+          </a:p>
+          <a:p>
+            <a:r>
+              <a:rPr lang="en-US" dirty="0" err="1" smtClean="0"/>
+              <a:t>LeetCode</a:t>
+            </a:r>
+            <a:r>
+              <a:rPr lang="en-US" dirty="0" smtClean="0"/>
+              <a:t> algorithm and data structures challenges. e.g., </a:t>
+            </a:r>
+            <a:r>
+              <a:rPr lang="en-US" sz="2000" dirty="0">
+                <a:hlinkClick r:id="rId3"/>
+              </a:rPr>
+              <a:t>https://leetcode.com/problems/valid-palindrome/</a:t>
+            </a:r>
+            <a:endParaRPr lang="en-US" sz="2000" dirty="0"/>
+          </a:p>
+        </p:txBody>
+      </p:sp>
+      <p:pic>
+        <p:nvPicPr>
+          <p:cNvPr id="4" name="Picture 3"/>
+          <p:cNvPicPr>
+            <a:picLocks noChangeAspect="1"/>
+          </p:cNvPicPr>
+          <p:nvPr/>
+        </p:nvPicPr>
+        <p:blipFill>
+          <a:blip r:embed="rId4">
+            <a:extLst>
+              <a:ext uri="{28A0092B-C50C-407E-A947-70E740481C1C}">
+                <a14:useLocalDpi xmlns:a14="http://schemas.microsoft.com/office/drawing/2010/main" val="0"/>
+              </a:ext>
+            </a:extLst>
+          </a:blip>
+          <a:stretch>
+            <a:fillRect/>
+          </a:stretch>
+        </p:blipFill>
+        <p:spPr>
+          <a:xfrm>
+            <a:off x="1137326" y="3140388"/>
+            <a:ext cx="7374376" cy="3277501"/>
+          </a:xfrm>
+          <a:prstGeom prst="rect">
+            <a:avLst/>
+          </a:prstGeom>
+        </p:spPr>
+      </p:pic>
+    </p:spTree>
+    <p:extLst>
+      <p:ext uri="{BB962C8B-B14F-4D97-AF65-F5344CB8AC3E}">
+        <p14:creationId xmlns:p14="http://schemas.microsoft.com/office/powerpoint/2010/main" val="580295271"/>
+      </p:ext>
+    </p:extLst>
+  </p:cSld>
+  <p:clrMapOvr>
+    <a:masterClrMapping/>
+  </p:clrMapOvr>
+</p:sld>
+</file>
+
+<file path=ppt/slides/slide6.xml><?xml version="1.0" encoding="utf-8"?>
+<p:sld xmlns:a="http://schemas.openxmlformats.org/drawingml/2006/main" xmlns:r="http://schemas.openxmlformats.org/officeDocument/2006/relationships" xmlns:p="http://schemas.openxmlformats.org/presentationml/2006/main">
+  <p:cSld>
+    <p:spTree>
+      <p:nvGrpSpPr>
+        <p:cNvPr id="1" name=""/>
+        <p:cNvGrpSpPr/>
+        <p:nvPr/>
+      </p:nvGrpSpPr>
+      <p:grpSpPr>
+        <a:xfrm>
+          <a:off x="0" y="0"/>
+          <a:ext cx="0" cy="0"/>
+          <a:chOff x="0" y="0"/>
+          <a:chExt cx="0" cy="0"/>
+        </a:xfrm>
+      </p:grpSpPr>
+      <p:sp>
+        <p:nvSpPr>
+          <p:cNvPr id="2" name="Title 1"/>
+          <p:cNvSpPr>
+            <a:spLocks noGrp="1"/>
+          </p:cNvSpPr>
+          <p:nvPr>
+            <p:ph type="title"/>
+          </p:nvPr>
+        </p:nvSpPr>
+        <p:spPr/>
+        <p:txBody>
+          <a:bodyPr/>
+          <a:lstStyle/>
+          <a:p>
+            <a:r>
+              <a:rPr lang="en-US" dirty="0" smtClean="0"/>
+              <a:t>Resources</a:t>
+            </a:r>
+            <a:endParaRPr lang="en-US" dirty="0"/>
+          </a:p>
+        </p:txBody>
+      </p:sp>
+      <p:sp>
+        <p:nvSpPr>
+          <p:cNvPr id="3" name="Content Placeholder 2"/>
+          <p:cNvSpPr>
+            <a:spLocks noGrp="1"/>
+          </p:cNvSpPr>
+          <p:nvPr>
+            <p:ph idx="1"/>
+          </p:nvPr>
+        </p:nvSpPr>
+        <p:spPr/>
+        <p:txBody>
+          <a:bodyPr/>
+          <a:lstStyle/>
+          <a:p>
+            <a:r>
+              <a:rPr lang="en-US" dirty="0" smtClean="0"/>
+              <a:t>A </a:t>
+            </a:r>
+            <a:r>
+              <a:rPr lang="en-US" dirty="0"/>
+              <a:t>great free book on </a:t>
+            </a:r>
+            <a:r>
+              <a:rPr lang="en-US" dirty="0">
+                <a:hlinkClick r:id="rId2"/>
+              </a:rPr>
+              <a:t>algorithms by Jeff </a:t>
+            </a:r>
+            <a:r>
+              <a:rPr lang="en-US" dirty="0" smtClean="0">
+                <a:hlinkClick r:id="rId2"/>
+              </a:rPr>
+              <a:t>Erickson</a:t>
+            </a:r>
+            <a:endParaRPr lang="en-US" dirty="0"/>
+          </a:p>
+          <a:p>
+            <a:r>
+              <a:rPr lang="en-US" dirty="0"/>
+              <a:t>Kleinberg and </a:t>
+            </a:r>
+            <a:r>
+              <a:rPr lang="en-US" dirty="0" err="1"/>
+              <a:t>Tardos</a:t>
+            </a:r>
+            <a:r>
+              <a:rPr lang="en-US" dirty="0"/>
+              <a:t>, </a:t>
+            </a:r>
+            <a:r>
+              <a:rPr lang="en-US" i="1" dirty="0"/>
+              <a:t>Algorithm </a:t>
+            </a:r>
+            <a:r>
+              <a:rPr lang="en-US" i="1" dirty="0" smtClean="0"/>
+              <a:t>Design</a:t>
+            </a:r>
+            <a:endParaRPr lang="en-US" dirty="0"/>
+          </a:p>
+          <a:p>
+            <a:pPr lvl="1"/>
+            <a:r>
+              <a:rPr lang="en-US" dirty="0"/>
+              <a:t>P</a:t>
+            </a:r>
+            <a:r>
+              <a:rPr lang="en-US" dirty="0" smtClean="0"/>
+              <a:t>lease </a:t>
+            </a:r>
+            <a:r>
+              <a:rPr lang="en-US" dirty="0"/>
+              <a:t>see compressed pdf </a:t>
+            </a:r>
+            <a:r>
+              <a:rPr lang="en-US" dirty="0"/>
+              <a:t>kleinberg-common-running-times.7z</a:t>
+            </a:r>
+            <a:r>
+              <a:rPr lang="en-US" dirty="0"/>
+              <a:t> in Canvas course files </a:t>
+            </a:r>
+            <a:r>
+              <a:rPr lang="en-US" dirty="0" smtClean="0"/>
+              <a:t>area (do not post material publicly please)</a:t>
+            </a:r>
+          </a:p>
+          <a:p>
+            <a:r>
+              <a:rPr lang="en-US" dirty="0"/>
+              <a:t>A very useful set of </a:t>
+            </a:r>
+            <a:r>
+              <a:rPr lang="en-US" dirty="0">
+                <a:hlinkClick r:id="rId3" invalidUrl="https://github.com/shik3519/programming-concepts-for-data-science/blob/master/notebooks/03-common datastructures and algorithms.ipynb"/>
+              </a:rPr>
+              <a:t>programming-concepts-for-data-science</a:t>
+            </a:r>
+            <a:r>
+              <a:rPr lang="en-US" dirty="0"/>
+              <a:t> and </a:t>
+            </a:r>
+            <a:r>
+              <a:rPr lang="en-US" dirty="0">
+                <a:hlinkClick r:id="rId4" invalidUrl="https://github.com/shik3519/programming-concepts-for-data-science/blob/master/notebooks/04-coding questions for DS interview.ipynb"/>
+              </a:rPr>
+              <a:t>data science coding questions</a:t>
+            </a:r>
+            <a:r>
+              <a:rPr lang="en-US" dirty="0"/>
+              <a:t> by former USF MSDS student </a:t>
+            </a:r>
+            <a:r>
+              <a:rPr lang="en-US" dirty="0">
+                <a:hlinkClick r:id="rId5"/>
+              </a:rPr>
+              <a:t>Shikhar </a:t>
+            </a:r>
+            <a:r>
+              <a:rPr lang="en-US" dirty="0" smtClean="0">
+                <a:hlinkClick r:id="rId5"/>
+              </a:rPr>
+              <a:t>Gupta</a:t>
+            </a:r>
+            <a:endParaRPr lang="en-US" dirty="0"/>
+          </a:p>
+          <a:p>
+            <a:r>
+              <a:rPr lang="en-US" dirty="0" smtClean="0">
+                <a:hlinkClick r:id="rId6"/>
+              </a:rPr>
+              <a:t>10 steps to solving a programming problem</a:t>
+            </a:r>
+            <a:endParaRPr lang="en-US" dirty="0" smtClean="0"/>
+          </a:p>
+          <a:p>
+            <a:r>
+              <a:rPr lang="en-US" dirty="0" smtClean="0"/>
+              <a:t>A review</a:t>
+            </a:r>
+            <a:r>
+              <a:rPr lang="en-US" dirty="0"/>
+              <a:t> </a:t>
+            </a:r>
+            <a:r>
+              <a:rPr lang="en-US" dirty="0">
+                <a:hlinkClick r:id="rId7"/>
+              </a:rPr>
+              <a:t>OO notebook</a:t>
+            </a:r>
+            <a:r>
+              <a:rPr lang="en-US" dirty="0"/>
+              <a:t> and </a:t>
+            </a:r>
+            <a:r>
+              <a:rPr lang="en-US" dirty="0">
+                <a:hlinkClick r:id="rId8"/>
+              </a:rPr>
+              <a:t>Operator overloading notebook</a:t>
+            </a:r>
+            <a:endParaRPr lang="en-US" dirty="0"/>
+          </a:p>
+        </p:txBody>
+      </p:sp>
+    </p:spTree>
+    <p:extLst>
+      <p:ext uri="{BB962C8B-B14F-4D97-AF65-F5344CB8AC3E}">
+        <p14:creationId xmlns:p14="http://schemas.microsoft.com/office/powerpoint/2010/main" val="2001692772"/>
+      </p:ext>
+    </p:extLst>
+  </p:cSld>
+  <p:clrMapOvr>
+    <a:masterClrMapping/>
+  </p:clrMapOvr>
+</p:sld>
+</file>
+
+<file path=ppt/slides/slide7.xml><?xml version="1.0" encoding="utf-8"?>
+<p:sld xmlns:a="http://schemas.openxmlformats.org/drawingml/2006/main" xmlns:r="http://schemas.openxmlformats.org/officeDocument/2006/relationships" xmlns:p="http://schemas.openxmlformats.org/presentationml/2006/main">
+  <p:cSld>
+    <p:spTree>
+      <p:nvGrpSpPr>
+        <p:cNvPr id="1" name=""/>
+        <p:cNvGrpSpPr/>
+        <p:nvPr/>
+      </p:nvGrpSpPr>
+      <p:grpSpPr>
+        <a:xfrm>
+          <a:off x="0" y="0"/>
+          <a:ext cx="0" cy="0"/>
+          <a:chOff x="0" y="0"/>
+          <a:chExt cx="0" cy="0"/>
+        </a:xfrm>
+      </p:grpSpPr>
+      <p:sp>
+        <p:nvSpPr>
+          <p:cNvPr id="2" name="Title 1"/>
+          <p:cNvSpPr>
+            <a:spLocks noGrp="1"/>
+          </p:cNvSpPr>
+          <p:nvPr>
+            <p:ph type="title"/>
+          </p:nvPr>
+        </p:nvSpPr>
+        <p:spPr/>
+        <p:txBody>
+          <a:bodyPr/>
+          <a:lstStyle/>
+          <a:p>
+            <a:r>
+              <a:rPr lang="en-US" dirty="0" err="1" smtClean="0"/>
+              <a:t>Administrivia</a:t>
+            </a:r>
+            <a:endParaRPr lang="en-US" dirty="0"/>
+          </a:p>
+        </p:txBody>
+      </p:sp>
+      <p:sp>
+        <p:nvSpPr>
+          <p:cNvPr id="3" name="Content Placeholder 2"/>
+          <p:cNvSpPr>
+            <a:spLocks noGrp="1"/>
+          </p:cNvSpPr>
+          <p:nvPr>
+            <p:ph idx="1"/>
+          </p:nvPr>
+        </p:nvSpPr>
+        <p:spPr/>
+        <p:txBody>
+          <a:bodyPr/>
+          <a:lstStyle/>
+          <a:p>
+            <a:r>
+              <a:rPr lang="en-US" dirty="0" smtClean="0"/>
+              <a:t>The usual academic honesty rules will be enforced; in projects, reports, exams or any other artifact; </a:t>
+            </a:r>
+            <a:r>
+              <a:rPr lang="en-US" dirty="0">
+                <a:hlinkClick r:id="rId2"/>
+              </a:rPr>
+              <a:t>Honor </a:t>
+            </a:r>
+            <a:r>
+              <a:rPr lang="en-US" dirty="0" smtClean="0">
+                <a:hlinkClick r:id="rId2"/>
+              </a:rPr>
+              <a:t>Code</a:t>
+            </a:r>
+            <a:endParaRPr lang="en-US" dirty="0" smtClean="0"/>
+          </a:p>
+          <a:p>
+            <a:pPr lvl="1"/>
+            <a:r>
+              <a:rPr lang="en-US" dirty="0" smtClean="0"/>
+              <a:t>Do not represent another person’s work as your own</a:t>
+            </a:r>
+          </a:p>
+          <a:p>
+            <a:pPr lvl="1"/>
+            <a:r>
+              <a:rPr lang="en-US" dirty="0" smtClean="0"/>
+              <a:t>Don’t leave your laptop unattended/unlocked; others can take a picture of your code or simply use a USB key quickly</a:t>
+            </a:r>
+          </a:p>
+          <a:p>
+            <a:r>
+              <a:rPr lang="en-US" dirty="0" smtClean="0"/>
+              <a:t>Students </a:t>
+            </a:r>
+            <a:r>
+              <a:rPr lang="en-US" dirty="0"/>
+              <a:t>with </a:t>
+            </a:r>
+            <a:r>
+              <a:rPr lang="en-US" dirty="0" smtClean="0"/>
+              <a:t>Disabilities</a:t>
+            </a:r>
+          </a:p>
+          <a:p>
+            <a:pPr lvl="1"/>
+            <a:r>
+              <a:rPr lang="en-US" dirty="0" smtClean="0"/>
+              <a:t>If </a:t>
+            </a:r>
+            <a:r>
+              <a:rPr lang="en-US" dirty="0"/>
+              <a:t>you are a student with a disability or disabling condition, or if you think you may have a disability, please contact USF </a:t>
+            </a:r>
+            <a:r>
+              <a:rPr lang="en-US" dirty="0">
+                <a:hlinkClick r:id="rId3"/>
+              </a:rPr>
+              <a:t>Student Disability Services</a:t>
+            </a:r>
+            <a:r>
+              <a:rPr lang="en-US" dirty="0"/>
+              <a:t> (SDS) for information about accommodations</a:t>
+            </a:r>
+            <a:r>
+              <a:rPr lang="en-US" dirty="0" smtClean="0"/>
+              <a:t>.</a:t>
+            </a:r>
+          </a:p>
+          <a:p>
+            <a:pPr lvl="1"/>
+            <a:r>
+              <a:rPr lang="en-US" dirty="0" smtClean="0"/>
+              <a:t>More details on the course syllabus: </a:t>
+            </a:r>
+            <a:r>
+              <a:rPr lang="en-US" dirty="0">
+                <a:hlinkClick r:id="rId4"/>
+              </a:rPr>
+              <a:t>https://github.com/parrt/msds689</a:t>
+            </a:r>
+            <a:endParaRPr lang="en-US" dirty="0"/>
+          </a:p>
+        </p:txBody>
+      </p:sp>
+    </p:spTree>
+    <p:extLst>
+      <p:ext uri="{BB962C8B-B14F-4D97-AF65-F5344CB8AC3E}">
+        <p14:creationId xmlns:p14="http://schemas.microsoft.com/office/powerpoint/2010/main" val="421582279"/>
       </p:ext>
     </p:extLst>
   </p:cSld>

--- a/notes/welcome.pptx
+++ b/notes/welcome.pptx
@@ -5,10 +5,10 @@
     <p:sldMasterId id="2147483672" r:id="rId1"/>
   </p:sldMasterIdLst>
   <p:notesMasterIdLst>
-    <p:notesMasterId r:id="rId9"/>
+    <p:notesMasterId r:id="rId10"/>
   </p:notesMasterIdLst>
   <p:handoutMasterIdLst>
-    <p:handoutMasterId r:id="rId10"/>
+    <p:handoutMasterId r:id="rId11"/>
   </p:handoutMasterIdLst>
   <p:sldIdLst>
     <p:sldId id="256" r:id="rId2"/>
@@ -18,6 +18,7 @@
     <p:sldId id="291" r:id="rId6"/>
     <p:sldId id="292" r:id="rId7"/>
     <p:sldId id="293" r:id="rId8"/>
+    <p:sldId id="295" r:id="rId9"/>
   </p:sldIdLst>
   <p:sldSz cx="12192000" cy="6858000"/>
   <p:notesSz cx="9144000" cy="6858000"/>
@@ -212,7 +213,7 @@
           <a:p>
             <a:fld id="{8A1B613A-EFF1-404F-BEE8-EFAE84A4E5E2}" type="datetimeFigureOut">
               <a:rPr lang="en-US" smtClean="0"/>
-              <a:t>1/20/20</a:t>
+              <a:t>1/22/20</a:t>
             </a:fld>
             <a:endParaRPr lang="en-US"/>
           </a:p>
@@ -377,7 +378,7 @@
           <a:p>
             <a:fld id="{690847EA-AC25-3D4E-89E1-FD3F6A9702B6}" type="datetimeFigureOut">
               <a:rPr lang="en-US" smtClean="0"/>
-              <a:t>1/20/20</a:t>
+              <a:t>1/22/20</a:t>
             </a:fld>
             <a:endParaRPr lang="en-US"/>
           </a:p>
@@ -666,7 +667,7 @@
           <p:cNvPr id="2" name="Title 1">
             <a:extLst>
               <a:ext uri="{FF2B5EF4-FFF2-40B4-BE49-F238E27FC236}">
-                <a16:creationId xmlns="" xmlns:a16="http://schemas.microsoft.com/office/drawing/2014/main" id="{FCECE00E-B2E2-4D43-8A21-E17BBDC017E1}"/>
+                <a16:creationId xmlns:a16="http://schemas.microsoft.com/office/drawing/2014/main" xmlns="" id="{FCECE00E-B2E2-4D43-8A21-E17BBDC017E1}"/>
               </a:ext>
             </a:extLst>
           </p:cNvPr>
@@ -704,7 +705,7 @@
           <p:cNvPr id="3" name="Subtitle 2">
             <a:extLst>
               <a:ext uri="{FF2B5EF4-FFF2-40B4-BE49-F238E27FC236}">
-                <a16:creationId xmlns="" xmlns:a16="http://schemas.microsoft.com/office/drawing/2014/main" id="{0C4C7E7C-3478-264C-BF00-D75996D63509}"/>
+                <a16:creationId xmlns:a16="http://schemas.microsoft.com/office/drawing/2014/main" xmlns="" id="{0C4C7E7C-3478-264C-BF00-D75996D63509}"/>
               </a:ext>
             </a:extLst>
           </p:cNvPr>
@@ -775,7 +776,7 @@
           <p:cNvPr id="4" name="Date Placeholder 3">
             <a:extLst>
               <a:ext uri="{FF2B5EF4-FFF2-40B4-BE49-F238E27FC236}">
-                <a16:creationId xmlns="" xmlns:a16="http://schemas.microsoft.com/office/drawing/2014/main" id="{64E1EB94-602A-4843-8753-4DB51430704B}"/>
+                <a16:creationId xmlns:a16="http://schemas.microsoft.com/office/drawing/2014/main" xmlns="" id="{64E1EB94-602A-4843-8753-4DB51430704B}"/>
               </a:ext>
             </a:extLst>
           </p:cNvPr>
@@ -793,7 +794,7 @@
           <a:p>
             <a:fld id="{BE5295ED-3BAF-1140-8495-3D368771D6B1}" type="datetimeFigureOut">
               <a:rPr lang="en-US" smtClean="0"/>
-              <a:t>1/20/20</a:t>
+              <a:t>1/22/20</a:t>
             </a:fld>
             <a:endParaRPr lang="en-US"/>
           </a:p>
@@ -804,7 +805,7 @@
           <p:cNvPr id="5" name="Footer Placeholder 4">
             <a:extLst>
               <a:ext uri="{FF2B5EF4-FFF2-40B4-BE49-F238E27FC236}">
-                <a16:creationId xmlns="" xmlns:a16="http://schemas.microsoft.com/office/drawing/2014/main" id="{FF136E26-0E46-B848-BBFC-A0D2BFA17F33}"/>
+                <a16:creationId xmlns:a16="http://schemas.microsoft.com/office/drawing/2014/main" xmlns="" id="{FF136E26-0E46-B848-BBFC-A0D2BFA17F33}"/>
               </a:ext>
             </a:extLst>
           </p:cNvPr>
@@ -829,7 +830,7 @@
           <p:cNvPr id="6" name="Slide Number Placeholder 5">
             <a:extLst>
               <a:ext uri="{FF2B5EF4-FFF2-40B4-BE49-F238E27FC236}">
-                <a16:creationId xmlns="" xmlns:a16="http://schemas.microsoft.com/office/drawing/2014/main" id="{CEAD4217-442E-6C4A-8D0F-CADFE9EACB6D}"/>
+                <a16:creationId xmlns:a16="http://schemas.microsoft.com/office/drawing/2014/main" xmlns="" id="{CEAD4217-442E-6C4A-8D0F-CADFE9EACB6D}"/>
               </a:ext>
             </a:extLst>
           </p:cNvPr>
@@ -888,7 +889,7 @@
           <p:cNvPr id="2" name="Title 1">
             <a:extLst>
               <a:ext uri="{FF2B5EF4-FFF2-40B4-BE49-F238E27FC236}">
-                <a16:creationId xmlns="" xmlns:a16="http://schemas.microsoft.com/office/drawing/2014/main" id="{F416C72F-B1B5-6442-B3EF-170DEDF83067}"/>
+                <a16:creationId xmlns:a16="http://schemas.microsoft.com/office/drawing/2014/main" xmlns="" id="{F416C72F-B1B5-6442-B3EF-170DEDF83067}"/>
               </a:ext>
             </a:extLst>
           </p:cNvPr>
@@ -917,7 +918,7 @@
           <p:cNvPr id="3" name="Vertical Text Placeholder 2">
             <a:extLst>
               <a:ext uri="{FF2B5EF4-FFF2-40B4-BE49-F238E27FC236}">
-                <a16:creationId xmlns="" xmlns:a16="http://schemas.microsoft.com/office/drawing/2014/main" id="{19182C6A-7EA1-C840-86BB-65DF578F4F4B}"/>
+                <a16:creationId xmlns:a16="http://schemas.microsoft.com/office/drawing/2014/main" xmlns="" id="{19182C6A-7EA1-C840-86BB-65DF578F4F4B}"/>
               </a:ext>
             </a:extLst>
           </p:cNvPr>
@@ -975,7 +976,7 @@
           <p:cNvPr id="4" name="Date Placeholder 3">
             <a:extLst>
               <a:ext uri="{FF2B5EF4-FFF2-40B4-BE49-F238E27FC236}">
-                <a16:creationId xmlns="" xmlns:a16="http://schemas.microsoft.com/office/drawing/2014/main" id="{DBCD3C4B-E6D4-B140-8126-90FD013DE38A}"/>
+                <a16:creationId xmlns:a16="http://schemas.microsoft.com/office/drawing/2014/main" xmlns="" id="{DBCD3C4B-E6D4-B140-8126-90FD013DE38A}"/>
               </a:ext>
             </a:extLst>
           </p:cNvPr>
@@ -993,7 +994,7 @@
           <a:p>
             <a:fld id="{BE5295ED-3BAF-1140-8495-3D368771D6B1}" type="datetimeFigureOut">
               <a:rPr lang="en-US" smtClean="0"/>
-              <a:t>1/20/20</a:t>
+              <a:t>1/22/20</a:t>
             </a:fld>
             <a:endParaRPr lang="en-US"/>
           </a:p>
@@ -1004,7 +1005,7 @@
           <p:cNvPr id="5" name="Footer Placeholder 4">
             <a:extLst>
               <a:ext uri="{FF2B5EF4-FFF2-40B4-BE49-F238E27FC236}">
-                <a16:creationId xmlns="" xmlns:a16="http://schemas.microsoft.com/office/drawing/2014/main" id="{E26FD8A5-25AB-2742-9333-F1864AA98C6D}"/>
+                <a16:creationId xmlns:a16="http://schemas.microsoft.com/office/drawing/2014/main" xmlns="" id="{E26FD8A5-25AB-2742-9333-F1864AA98C6D}"/>
               </a:ext>
             </a:extLst>
           </p:cNvPr>
@@ -1029,7 +1030,7 @@
           <p:cNvPr id="6" name="Slide Number Placeholder 5">
             <a:extLst>
               <a:ext uri="{FF2B5EF4-FFF2-40B4-BE49-F238E27FC236}">
-                <a16:creationId xmlns="" xmlns:a16="http://schemas.microsoft.com/office/drawing/2014/main" id="{B4FFBFCA-F2F7-544E-BB46-A887273990B8}"/>
+                <a16:creationId xmlns:a16="http://schemas.microsoft.com/office/drawing/2014/main" xmlns="" id="{B4FFBFCA-F2F7-544E-BB46-A887273990B8}"/>
               </a:ext>
             </a:extLst>
           </p:cNvPr>
@@ -1088,7 +1089,7 @@
           <p:cNvPr id="2" name="Vertical Title 1">
             <a:extLst>
               <a:ext uri="{FF2B5EF4-FFF2-40B4-BE49-F238E27FC236}">
-                <a16:creationId xmlns="" xmlns:a16="http://schemas.microsoft.com/office/drawing/2014/main" id="{A54E5286-71CD-184D-922F-2C587370C871}"/>
+                <a16:creationId xmlns:a16="http://schemas.microsoft.com/office/drawing/2014/main" xmlns="" id="{A54E5286-71CD-184D-922F-2C587370C871}"/>
               </a:ext>
             </a:extLst>
           </p:cNvPr>
@@ -1122,7 +1123,7 @@
           <p:cNvPr id="3" name="Vertical Text Placeholder 2">
             <a:extLst>
               <a:ext uri="{FF2B5EF4-FFF2-40B4-BE49-F238E27FC236}">
-                <a16:creationId xmlns="" xmlns:a16="http://schemas.microsoft.com/office/drawing/2014/main" id="{8E6C93D7-83D1-8740-A256-2B405524A089}"/>
+                <a16:creationId xmlns:a16="http://schemas.microsoft.com/office/drawing/2014/main" xmlns="" id="{8E6C93D7-83D1-8740-A256-2B405524A089}"/>
               </a:ext>
             </a:extLst>
           </p:cNvPr>
@@ -1185,7 +1186,7 @@
           <p:cNvPr id="4" name="Date Placeholder 3">
             <a:extLst>
               <a:ext uri="{FF2B5EF4-FFF2-40B4-BE49-F238E27FC236}">
-                <a16:creationId xmlns="" xmlns:a16="http://schemas.microsoft.com/office/drawing/2014/main" id="{C7CCB8DC-90E9-1D49-B70B-5103FBBD3972}"/>
+                <a16:creationId xmlns:a16="http://schemas.microsoft.com/office/drawing/2014/main" xmlns="" id="{C7CCB8DC-90E9-1D49-B70B-5103FBBD3972}"/>
               </a:ext>
             </a:extLst>
           </p:cNvPr>
@@ -1203,7 +1204,7 @@
           <a:p>
             <a:fld id="{BE5295ED-3BAF-1140-8495-3D368771D6B1}" type="datetimeFigureOut">
               <a:rPr lang="en-US" smtClean="0"/>
-              <a:t>1/20/20</a:t>
+              <a:t>1/22/20</a:t>
             </a:fld>
             <a:endParaRPr lang="en-US"/>
           </a:p>
@@ -1214,7 +1215,7 @@
           <p:cNvPr id="5" name="Footer Placeholder 4">
             <a:extLst>
               <a:ext uri="{FF2B5EF4-FFF2-40B4-BE49-F238E27FC236}">
-                <a16:creationId xmlns="" xmlns:a16="http://schemas.microsoft.com/office/drawing/2014/main" id="{0997D847-8768-9843-9B66-E6B3989BA3D2}"/>
+                <a16:creationId xmlns:a16="http://schemas.microsoft.com/office/drawing/2014/main" xmlns="" id="{0997D847-8768-9843-9B66-E6B3989BA3D2}"/>
               </a:ext>
             </a:extLst>
           </p:cNvPr>
@@ -1239,7 +1240,7 @@
           <p:cNvPr id="6" name="Slide Number Placeholder 5">
             <a:extLst>
               <a:ext uri="{FF2B5EF4-FFF2-40B4-BE49-F238E27FC236}">
-                <a16:creationId xmlns="" xmlns:a16="http://schemas.microsoft.com/office/drawing/2014/main" id="{8E82CB94-E0A6-3E47-9F30-8DEB64C2027C}"/>
+                <a16:creationId xmlns:a16="http://schemas.microsoft.com/office/drawing/2014/main" xmlns="" id="{8E82CB94-E0A6-3E47-9F30-8DEB64C2027C}"/>
               </a:ext>
             </a:extLst>
           </p:cNvPr>
@@ -1298,7 +1299,7 @@
           <p:cNvPr id="2" name="Title 1">
             <a:extLst>
               <a:ext uri="{FF2B5EF4-FFF2-40B4-BE49-F238E27FC236}">
-                <a16:creationId xmlns="" xmlns:a16="http://schemas.microsoft.com/office/drawing/2014/main" id="{B8842375-E5EF-4D4E-AFD0-A94090E7DB29}"/>
+                <a16:creationId xmlns:a16="http://schemas.microsoft.com/office/drawing/2014/main" xmlns="" id="{B8842375-E5EF-4D4E-AFD0-A94090E7DB29}"/>
               </a:ext>
             </a:extLst>
           </p:cNvPr>
@@ -1327,7 +1328,7 @@
           <p:cNvPr id="3" name="Content Placeholder 2">
             <a:extLst>
               <a:ext uri="{FF2B5EF4-FFF2-40B4-BE49-F238E27FC236}">
-                <a16:creationId xmlns="" xmlns:a16="http://schemas.microsoft.com/office/drawing/2014/main" id="{F366F610-FF9B-2A4B-8E35-314B0D78D9D8}"/>
+                <a16:creationId xmlns:a16="http://schemas.microsoft.com/office/drawing/2014/main" xmlns="" id="{F366F610-FF9B-2A4B-8E35-314B0D78D9D8}"/>
               </a:ext>
             </a:extLst>
           </p:cNvPr>
@@ -1385,7 +1386,7 @@
           <p:cNvPr id="4" name="Date Placeholder 3">
             <a:extLst>
               <a:ext uri="{FF2B5EF4-FFF2-40B4-BE49-F238E27FC236}">
-                <a16:creationId xmlns="" xmlns:a16="http://schemas.microsoft.com/office/drawing/2014/main" id="{1561E808-F7D2-E84B-8CD4-83F18272EA72}"/>
+                <a16:creationId xmlns:a16="http://schemas.microsoft.com/office/drawing/2014/main" xmlns="" id="{1561E808-F7D2-E84B-8CD4-83F18272EA72}"/>
               </a:ext>
             </a:extLst>
           </p:cNvPr>
@@ -1403,7 +1404,7 @@
           <a:p>
             <a:fld id="{BE5295ED-3BAF-1140-8495-3D368771D6B1}" type="datetimeFigureOut">
               <a:rPr lang="en-US" smtClean="0"/>
-              <a:t>1/20/20</a:t>
+              <a:t>1/22/20</a:t>
             </a:fld>
             <a:endParaRPr lang="en-US"/>
           </a:p>
@@ -1414,7 +1415,7 @@
           <p:cNvPr id="5" name="Footer Placeholder 4">
             <a:extLst>
               <a:ext uri="{FF2B5EF4-FFF2-40B4-BE49-F238E27FC236}">
-                <a16:creationId xmlns="" xmlns:a16="http://schemas.microsoft.com/office/drawing/2014/main" id="{7B3AD9A1-B1EC-984E-A23E-0ECF6F652482}"/>
+                <a16:creationId xmlns:a16="http://schemas.microsoft.com/office/drawing/2014/main" xmlns="" id="{7B3AD9A1-B1EC-984E-A23E-0ECF6F652482}"/>
               </a:ext>
             </a:extLst>
           </p:cNvPr>
@@ -1439,7 +1440,7 @@
           <p:cNvPr id="6" name="Slide Number Placeholder 5">
             <a:extLst>
               <a:ext uri="{FF2B5EF4-FFF2-40B4-BE49-F238E27FC236}">
-                <a16:creationId xmlns="" xmlns:a16="http://schemas.microsoft.com/office/drawing/2014/main" id="{01BFD94D-9604-2A43-AADF-14B0876B6EBB}"/>
+                <a16:creationId xmlns:a16="http://schemas.microsoft.com/office/drawing/2014/main" xmlns="" id="{01BFD94D-9604-2A43-AADF-14B0876B6EBB}"/>
               </a:ext>
             </a:extLst>
           </p:cNvPr>
@@ -1498,7 +1499,7 @@
           <p:cNvPr id="2" name="Title 1">
             <a:extLst>
               <a:ext uri="{FF2B5EF4-FFF2-40B4-BE49-F238E27FC236}">
-                <a16:creationId xmlns="" xmlns:a16="http://schemas.microsoft.com/office/drawing/2014/main" id="{771589AC-2242-B445-BBEA-95D500596EE6}"/>
+                <a16:creationId xmlns:a16="http://schemas.microsoft.com/office/drawing/2014/main" xmlns="" id="{771589AC-2242-B445-BBEA-95D500596EE6}"/>
               </a:ext>
             </a:extLst>
           </p:cNvPr>
@@ -1536,7 +1537,7 @@
           <p:cNvPr id="3" name="Text Placeholder 2">
             <a:extLst>
               <a:ext uri="{FF2B5EF4-FFF2-40B4-BE49-F238E27FC236}">
-                <a16:creationId xmlns="" xmlns:a16="http://schemas.microsoft.com/office/drawing/2014/main" id="{255D194C-D171-4B45-BA38-8D16CD1C3449}"/>
+                <a16:creationId xmlns:a16="http://schemas.microsoft.com/office/drawing/2014/main" xmlns="" id="{255D194C-D171-4B45-BA38-8D16CD1C3449}"/>
               </a:ext>
             </a:extLst>
           </p:cNvPr>
@@ -1661,7 +1662,7 @@
           <p:cNvPr id="4" name="Date Placeholder 3">
             <a:extLst>
               <a:ext uri="{FF2B5EF4-FFF2-40B4-BE49-F238E27FC236}">
-                <a16:creationId xmlns="" xmlns:a16="http://schemas.microsoft.com/office/drawing/2014/main" id="{68A38244-2F9E-AB4A-B300-488462389FF9}"/>
+                <a16:creationId xmlns:a16="http://schemas.microsoft.com/office/drawing/2014/main" xmlns="" id="{68A38244-2F9E-AB4A-B300-488462389FF9}"/>
               </a:ext>
             </a:extLst>
           </p:cNvPr>
@@ -1679,7 +1680,7 @@
           <a:p>
             <a:fld id="{BE5295ED-3BAF-1140-8495-3D368771D6B1}" type="datetimeFigureOut">
               <a:rPr lang="en-US" smtClean="0"/>
-              <a:t>1/20/20</a:t>
+              <a:t>1/22/20</a:t>
             </a:fld>
             <a:endParaRPr lang="en-US"/>
           </a:p>
@@ -1690,7 +1691,7 @@
           <p:cNvPr id="5" name="Footer Placeholder 4">
             <a:extLst>
               <a:ext uri="{FF2B5EF4-FFF2-40B4-BE49-F238E27FC236}">
-                <a16:creationId xmlns="" xmlns:a16="http://schemas.microsoft.com/office/drawing/2014/main" id="{B33A7B5A-1475-C94F-AD18-1726D2BA89C2}"/>
+                <a16:creationId xmlns:a16="http://schemas.microsoft.com/office/drawing/2014/main" xmlns="" id="{B33A7B5A-1475-C94F-AD18-1726D2BA89C2}"/>
               </a:ext>
             </a:extLst>
           </p:cNvPr>
@@ -1715,7 +1716,7 @@
           <p:cNvPr id="6" name="Slide Number Placeholder 5">
             <a:extLst>
               <a:ext uri="{FF2B5EF4-FFF2-40B4-BE49-F238E27FC236}">
-                <a16:creationId xmlns="" xmlns:a16="http://schemas.microsoft.com/office/drawing/2014/main" id="{8069DDF6-CCE5-3946-8A72-14D318AB4D22}"/>
+                <a16:creationId xmlns:a16="http://schemas.microsoft.com/office/drawing/2014/main" xmlns="" id="{8069DDF6-CCE5-3946-8A72-14D318AB4D22}"/>
               </a:ext>
             </a:extLst>
           </p:cNvPr>
@@ -1774,7 +1775,7 @@
           <p:cNvPr id="2" name="Title 1">
             <a:extLst>
               <a:ext uri="{FF2B5EF4-FFF2-40B4-BE49-F238E27FC236}">
-                <a16:creationId xmlns="" xmlns:a16="http://schemas.microsoft.com/office/drawing/2014/main" id="{AC1D2791-2196-8F4F-AD62-59B19A8810A3}"/>
+                <a16:creationId xmlns:a16="http://schemas.microsoft.com/office/drawing/2014/main" xmlns="" id="{AC1D2791-2196-8F4F-AD62-59B19A8810A3}"/>
               </a:ext>
             </a:extLst>
           </p:cNvPr>
@@ -1803,7 +1804,7 @@
           <p:cNvPr id="3" name="Content Placeholder 2">
             <a:extLst>
               <a:ext uri="{FF2B5EF4-FFF2-40B4-BE49-F238E27FC236}">
-                <a16:creationId xmlns="" xmlns:a16="http://schemas.microsoft.com/office/drawing/2014/main" id="{3962F23A-0A28-6141-B0BF-D7B92C213877}"/>
+                <a16:creationId xmlns:a16="http://schemas.microsoft.com/office/drawing/2014/main" xmlns="" id="{3962F23A-0A28-6141-B0BF-D7B92C213877}"/>
               </a:ext>
             </a:extLst>
           </p:cNvPr>
@@ -1866,7 +1867,7 @@
           <p:cNvPr id="4" name="Content Placeholder 3">
             <a:extLst>
               <a:ext uri="{FF2B5EF4-FFF2-40B4-BE49-F238E27FC236}">
-                <a16:creationId xmlns="" xmlns:a16="http://schemas.microsoft.com/office/drawing/2014/main" id="{C36DF3E7-529D-1C40-B815-3C505F4D107E}"/>
+                <a16:creationId xmlns:a16="http://schemas.microsoft.com/office/drawing/2014/main" xmlns="" id="{C36DF3E7-529D-1C40-B815-3C505F4D107E}"/>
               </a:ext>
             </a:extLst>
           </p:cNvPr>
@@ -1929,7 +1930,7 @@
           <p:cNvPr id="5" name="Date Placeholder 4">
             <a:extLst>
               <a:ext uri="{FF2B5EF4-FFF2-40B4-BE49-F238E27FC236}">
-                <a16:creationId xmlns="" xmlns:a16="http://schemas.microsoft.com/office/drawing/2014/main" id="{ECFEE966-F172-8C42-A9F6-013C2A368C90}"/>
+                <a16:creationId xmlns:a16="http://schemas.microsoft.com/office/drawing/2014/main" xmlns="" id="{ECFEE966-F172-8C42-A9F6-013C2A368C90}"/>
               </a:ext>
             </a:extLst>
           </p:cNvPr>
@@ -1947,7 +1948,7 @@
           <a:p>
             <a:fld id="{BE5295ED-3BAF-1140-8495-3D368771D6B1}" type="datetimeFigureOut">
               <a:rPr lang="en-US" smtClean="0"/>
-              <a:t>1/20/20</a:t>
+              <a:t>1/22/20</a:t>
             </a:fld>
             <a:endParaRPr lang="en-US"/>
           </a:p>
@@ -1958,7 +1959,7 @@
           <p:cNvPr id="6" name="Footer Placeholder 5">
             <a:extLst>
               <a:ext uri="{FF2B5EF4-FFF2-40B4-BE49-F238E27FC236}">
-                <a16:creationId xmlns="" xmlns:a16="http://schemas.microsoft.com/office/drawing/2014/main" id="{54FDED73-DCFA-6648-B65F-CBEDB1D3556B}"/>
+                <a16:creationId xmlns:a16="http://schemas.microsoft.com/office/drawing/2014/main" xmlns="" id="{54FDED73-DCFA-6648-B65F-CBEDB1D3556B}"/>
               </a:ext>
             </a:extLst>
           </p:cNvPr>
@@ -1983,7 +1984,7 @@
           <p:cNvPr id="7" name="Slide Number Placeholder 6">
             <a:extLst>
               <a:ext uri="{FF2B5EF4-FFF2-40B4-BE49-F238E27FC236}">
-                <a16:creationId xmlns="" xmlns:a16="http://schemas.microsoft.com/office/drawing/2014/main" id="{F3D072AD-ADC5-2943-B36C-F14AE6555C55}"/>
+                <a16:creationId xmlns:a16="http://schemas.microsoft.com/office/drawing/2014/main" xmlns="" id="{F3D072AD-ADC5-2943-B36C-F14AE6555C55}"/>
               </a:ext>
             </a:extLst>
           </p:cNvPr>
@@ -2042,7 +2043,7 @@
           <p:cNvPr id="2" name="Title 1">
             <a:extLst>
               <a:ext uri="{FF2B5EF4-FFF2-40B4-BE49-F238E27FC236}">
-                <a16:creationId xmlns="" xmlns:a16="http://schemas.microsoft.com/office/drawing/2014/main" id="{478E3FB4-66D6-9040-98CF-3DE68ABAAB18}"/>
+                <a16:creationId xmlns:a16="http://schemas.microsoft.com/office/drawing/2014/main" xmlns="" id="{478E3FB4-66D6-9040-98CF-3DE68ABAAB18}"/>
               </a:ext>
             </a:extLst>
           </p:cNvPr>
@@ -2076,7 +2077,7 @@
           <p:cNvPr id="3" name="Text Placeholder 2">
             <a:extLst>
               <a:ext uri="{FF2B5EF4-FFF2-40B4-BE49-F238E27FC236}">
-                <a16:creationId xmlns="" xmlns:a16="http://schemas.microsoft.com/office/drawing/2014/main" id="{C3B9CBA2-D589-E342-B02C-AFD0528E353B}"/>
+                <a16:creationId xmlns:a16="http://schemas.microsoft.com/office/drawing/2014/main" xmlns="" id="{C3B9CBA2-D589-E342-B02C-AFD0528E353B}"/>
               </a:ext>
             </a:extLst>
           </p:cNvPr>
@@ -2147,7 +2148,7 @@
           <p:cNvPr id="4" name="Content Placeholder 3">
             <a:extLst>
               <a:ext uri="{FF2B5EF4-FFF2-40B4-BE49-F238E27FC236}">
-                <a16:creationId xmlns="" xmlns:a16="http://schemas.microsoft.com/office/drawing/2014/main" id="{F570E95A-9A57-7F42-A0D4-A9C36B16D13C}"/>
+                <a16:creationId xmlns:a16="http://schemas.microsoft.com/office/drawing/2014/main" xmlns="" id="{F570E95A-9A57-7F42-A0D4-A9C36B16D13C}"/>
               </a:ext>
             </a:extLst>
           </p:cNvPr>
@@ -2210,7 +2211,7 @@
           <p:cNvPr id="5" name="Text Placeholder 4">
             <a:extLst>
               <a:ext uri="{FF2B5EF4-FFF2-40B4-BE49-F238E27FC236}">
-                <a16:creationId xmlns="" xmlns:a16="http://schemas.microsoft.com/office/drawing/2014/main" id="{B6A72F40-C7A9-CC45-82FB-CCCE1FE08B0B}"/>
+                <a16:creationId xmlns:a16="http://schemas.microsoft.com/office/drawing/2014/main" xmlns="" id="{B6A72F40-C7A9-CC45-82FB-CCCE1FE08B0B}"/>
               </a:ext>
             </a:extLst>
           </p:cNvPr>
@@ -2281,7 +2282,7 @@
           <p:cNvPr id="6" name="Content Placeholder 5">
             <a:extLst>
               <a:ext uri="{FF2B5EF4-FFF2-40B4-BE49-F238E27FC236}">
-                <a16:creationId xmlns="" xmlns:a16="http://schemas.microsoft.com/office/drawing/2014/main" id="{9FDA6D2A-2E9D-714C-B9CB-D0F9D788FCD3}"/>
+                <a16:creationId xmlns:a16="http://schemas.microsoft.com/office/drawing/2014/main" xmlns="" id="{9FDA6D2A-2E9D-714C-B9CB-D0F9D788FCD3}"/>
               </a:ext>
             </a:extLst>
           </p:cNvPr>
@@ -2344,7 +2345,7 @@
           <p:cNvPr id="7" name="Date Placeholder 6">
             <a:extLst>
               <a:ext uri="{FF2B5EF4-FFF2-40B4-BE49-F238E27FC236}">
-                <a16:creationId xmlns="" xmlns:a16="http://schemas.microsoft.com/office/drawing/2014/main" id="{1B7F3C0C-4D75-9C49-9075-FA8B3D33CF9B}"/>
+                <a16:creationId xmlns:a16="http://schemas.microsoft.com/office/drawing/2014/main" xmlns="" id="{1B7F3C0C-4D75-9C49-9075-FA8B3D33CF9B}"/>
               </a:ext>
             </a:extLst>
           </p:cNvPr>
@@ -2362,7 +2363,7 @@
           <a:p>
             <a:fld id="{BE5295ED-3BAF-1140-8495-3D368771D6B1}" type="datetimeFigureOut">
               <a:rPr lang="en-US" smtClean="0"/>
-              <a:t>1/20/20</a:t>
+              <a:t>1/22/20</a:t>
             </a:fld>
             <a:endParaRPr lang="en-US"/>
           </a:p>
@@ -2373,7 +2374,7 @@
           <p:cNvPr id="8" name="Footer Placeholder 7">
             <a:extLst>
               <a:ext uri="{FF2B5EF4-FFF2-40B4-BE49-F238E27FC236}">
-                <a16:creationId xmlns="" xmlns:a16="http://schemas.microsoft.com/office/drawing/2014/main" id="{9788C8FA-359A-5447-AA0E-98D16ECCC92D}"/>
+                <a16:creationId xmlns:a16="http://schemas.microsoft.com/office/drawing/2014/main" xmlns="" id="{9788C8FA-359A-5447-AA0E-98D16ECCC92D}"/>
               </a:ext>
             </a:extLst>
           </p:cNvPr>
@@ -2398,7 +2399,7 @@
           <p:cNvPr id="9" name="Slide Number Placeholder 8">
             <a:extLst>
               <a:ext uri="{FF2B5EF4-FFF2-40B4-BE49-F238E27FC236}">
-                <a16:creationId xmlns="" xmlns:a16="http://schemas.microsoft.com/office/drawing/2014/main" id="{3D69C8CD-0DF6-4E4C-A412-31B03845FA24}"/>
+                <a16:creationId xmlns:a16="http://schemas.microsoft.com/office/drawing/2014/main" xmlns="" id="{3D69C8CD-0DF6-4E4C-A412-31B03845FA24}"/>
               </a:ext>
             </a:extLst>
           </p:cNvPr>
@@ -2457,7 +2458,7 @@
           <p:cNvPr id="2" name="Title 1">
             <a:extLst>
               <a:ext uri="{FF2B5EF4-FFF2-40B4-BE49-F238E27FC236}">
-                <a16:creationId xmlns="" xmlns:a16="http://schemas.microsoft.com/office/drawing/2014/main" id="{13C48C8E-A743-0B4F-AB6E-AB828F1218C8}"/>
+                <a16:creationId xmlns:a16="http://schemas.microsoft.com/office/drawing/2014/main" xmlns="" id="{13C48C8E-A743-0B4F-AB6E-AB828F1218C8}"/>
               </a:ext>
             </a:extLst>
           </p:cNvPr>
@@ -2486,7 +2487,7 @@
           <p:cNvPr id="3" name="Date Placeholder 2">
             <a:extLst>
               <a:ext uri="{FF2B5EF4-FFF2-40B4-BE49-F238E27FC236}">
-                <a16:creationId xmlns="" xmlns:a16="http://schemas.microsoft.com/office/drawing/2014/main" id="{70FAB17F-6D86-B147-9346-A9B5242FC803}"/>
+                <a16:creationId xmlns:a16="http://schemas.microsoft.com/office/drawing/2014/main" xmlns="" id="{70FAB17F-6D86-B147-9346-A9B5242FC803}"/>
               </a:ext>
             </a:extLst>
           </p:cNvPr>
@@ -2504,7 +2505,7 @@
           <a:p>
             <a:fld id="{BE5295ED-3BAF-1140-8495-3D368771D6B1}" type="datetimeFigureOut">
               <a:rPr lang="en-US" smtClean="0"/>
-              <a:t>1/20/20</a:t>
+              <a:t>1/22/20</a:t>
             </a:fld>
             <a:endParaRPr lang="en-US"/>
           </a:p>
@@ -2515,7 +2516,7 @@
           <p:cNvPr id="4" name="Footer Placeholder 3">
             <a:extLst>
               <a:ext uri="{FF2B5EF4-FFF2-40B4-BE49-F238E27FC236}">
-                <a16:creationId xmlns="" xmlns:a16="http://schemas.microsoft.com/office/drawing/2014/main" id="{4B8A6F49-DCD7-7B4B-8496-2547B2A81C83}"/>
+                <a16:creationId xmlns:a16="http://schemas.microsoft.com/office/drawing/2014/main" xmlns="" id="{4B8A6F49-DCD7-7B4B-8496-2547B2A81C83}"/>
               </a:ext>
             </a:extLst>
           </p:cNvPr>
@@ -2540,7 +2541,7 @@
           <p:cNvPr id="5" name="Slide Number Placeholder 4">
             <a:extLst>
               <a:ext uri="{FF2B5EF4-FFF2-40B4-BE49-F238E27FC236}">
-                <a16:creationId xmlns="" xmlns:a16="http://schemas.microsoft.com/office/drawing/2014/main" id="{D4D1F89D-8541-BB4B-A145-D0DC66605C91}"/>
+                <a16:creationId xmlns:a16="http://schemas.microsoft.com/office/drawing/2014/main" xmlns="" id="{D4D1F89D-8541-BB4B-A145-D0DC66605C91}"/>
               </a:ext>
             </a:extLst>
           </p:cNvPr>
@@ -2599,7 +2600,7 @@
           <p:cNvPr id="2" name="Date Placeholder 1">
             <a:extLst>
               <a:ext uri="{FF2B5EF4-FFF2-40B4-BE49-F238E27FC236}">
-                <a16:creationId xmlns="" xmlns:a16="http://schemas.microsoft.com/office/drawing/2014/main" id="{AD68AA44-A589-744E-AB85-5B6ED8E7D8C0}"/>
+                <a16:creationId xmlns:a16="http://schemas.microsoft.com/office/drawing/2014/main" xmlns="" id="{AD68AA44-A589-744E-AB85-5B6ED8E7D8C0}"/>
               </a:ext>
             </a:extLst>
           </p:cNvPr>
@@ -2617,7 +2618,7 @@
           <a:p>
             <a:fld id="{BE5295ED-3BAF-1140-8495-3D368771D6B1}" type="datetimeFigureOut">
               <a:rPr lang="en-US" smtClean="0"/>
-              <a:t>1/20/20</a:t>
+              <a:t>1/22/20</a:t>
             </a:fld>
             <a:endParaRPr lang="en-US"/>
           </a:p>
@@ -2628,7 +2629,7 @@
           <p:cNvPr id="3" name="Footer Placeholder 2">
             <a:extLst>
               <a:ext uri="{FF2B5EF4-FFF2-40B4-BE49-F238E27FC236}">
-                <a16:creationId xmlns="" xmlns:a16="http://schemas.microsoft.com/office/drawing/2014/main" id="{1CA0E6D3-947A-FA4D-8626-2883D14EFE8D}"/>
+                <a16:creationId xmlns:a16="http://schemas.microsoft.com/office/drawing/2014/main" xmlns="" id="{1CA0E6D3-947A-FA4D-8626-2883D14EFE8D}"/>
               </a:ext>
             </a:extLst>
           </p:cNvPr>
@@ -2653,7 +2654,7 @@
           <p:cNvPr id="4" name="Slide Number Placeholder 3">
             <a:extLst>
               <a:ext uri="{FF2B5EF4-FFF2-40B4-BE49-F238E27FC236}">
-                <a16:creationId xmlns="" xmlns:a16="http://schemas.microsoft.com/office/drawing/2014/main" id="{5BF0953F-E6D0-2240-B174-03015D0856A8}"/>
+                <a16:creationId xmlns:a16="http://schemas.microsoft.com/office/drawing/2014/main" xmlns="" id="{5BF0953F-E6D0-2240-B174-03015D0856A8}"/>
               </a:ext>
             </a:extLst>
           </p:cNvPr>
@@ -2712,7 +2713,7 @@
           <p:cNvPr id="2" name="Title 1">
             <a:extLst>
               <a:ext uri="{FF2B5EF4-FFF2-40B4-BE49-F238E27FC236}">
-                <a16:creationId xmlns="" xmlns:a16="http://schemas.microsoft.com/office/drawing/2014/main" id="{26FFD677-FF02-3E4E-8E32-44D146E24D90}"/>
+                <a16:creationId xmlns:a16="http://schemas.microsoft.com/office/drawing/2014/main" xmlns="" id="{26FFD677-FF02-3E4E-8E32-44D146E24D90}"/>
               </a:ext>
             </a:extLst>
           </p:cNvPr>
@@ -2750,7 +2751,7 @@
           <p:cNvPr id="3" name="Content Placeholder 2">
             <a:extLst>
               <a:ext uri="{FF2B5EF4-FFF2-40B4-BE49-F238E27FC236}">
-                <a16:creationId xmlns="" xmlns:a16="http://schemas.microsoft.com/office/drawing/2014/main" id="{9942170F-E10D-1348-86CE-8E869B806F9B}"/>
+                <a16:creationId xmlns:a16="http://schemas.microsoft.com/office/drawing/2014/main" xmlns="" id="{9942170F-E10D-1348-86CE-8E869B806F9B}"/>
               </a:ext>
             </a:extLst>
           </p:cNvPr>
@@ -2841,7 +2842,7 @@
           <p:cNvPr id="4" name="Text Placeholder 3">
             <a:extLst>
               <a:ext uri="{FF2B5EF4-FFF2-40B4-BE49-F238E27FC236}">
-                <a16:creationId xmlns="" xmlns:a16="http://schemas.microsoft.com/office/drawing/2014/main" id="{80772D86-2794-394C-A208-2D3E234A3A20}"/>
+                <a16:creationId xmlns:a16="http://schemas.microsoft.com/office/drawing/2014/main" xmlns="" id="{80772D86-2794-394C-A208-2D3E234A3A20}"/>
               </a:ext>
             </a:extLst>
           </p:cNvPr>
@@ -2912,7 +2913,7 @@
           <p:cNvPr id="5" name="Date Placeholder 4">
             <a:extLst>
               <a:ext uri="{FF2B5EF4-FFF2-40B4-BE49-F238E27FC236}">
-                <a16:creationId xmlns="" xmlns:a16="http://schemas.microsoft.com/office/drawing/2014/main" id="{B5314D31-901A-D944-B06D-3D8106F2A2BC}"/>
+                <a16:creationId xmlns:a16="http://schemas.microsoft.com/office/drawing/2014/main" xmlns="" id="{B5314D31-901A-D944-B06D-3D8106F2A2BC}"/>
               </a:ext>
             </a:extLst>
           </p:cNvPr>
@@ -2930,7 +2931,7 @@
           <a:p>
             <a:fld id="{BE5295ED-3BAF-1140-8495-3D368771D6B1}" type="datetimeFigureOut">
               <a:rPr lang="en-US" smtClean="0"/>
-              <a:t>1/20/20</a:t>
+              <a:t>1/22/20</a:t>
             </a:fld>
             <a:endParaRPr lang="en-US"/>
           </a:p>
@@ -2941,7 +2942,7 @@
           <p:cNvPr id="6" name="Footer Placeholder 5">
             <a:extLst>
               <a:ext uri="{FF2B5EF4-FFF2-40B4-BE49-F238E27FC236}">
-                <a16:creationId xmlns="" xmlns:a16="http://schemas.microsoft.com/office/drawing/2014/main" id="{BFFC6519-9D04-AC45-BB37-9DD413CC741D}"/>
+                <a16:creationId xmlns:a16="http://schemas.microsoft.com/office/drawing/2014/main" xmlns="" id="{BFFC6519-9D04-AC45-BB37-9DD413CC741D}"/>
               </a:ext>
             </a:extLst>
           </p:cNvPr>
@@ -2966,7 +2967,7 @@
           <p:cNvPr id="7" name="Slide Number Placeholder 6">
             <a:extLst>
               <a:ext uri="{FF2B5EF4-FFF2-40B4-BE49-F238E27FC236}">
-                <a16:creationId xmlns="" xmlns:a16="http://schemas.microsoft.com/office/drawing/2014/main" id="{856ACFF3-3C93-FA41-80F3-4708944F9A8C}"/>
+                <a16:creationId xmlns:a16="http://schemas.microsoft.com/office/drawing/2014/main" xmlns="" id="{856ACFF3-3C93-FA41-80F3-4708944F9A8C}"/>
               </a:ext>
             </a:extLst>
           </p:cNvPr>
@@ -3025,7 +3026,7 @@
           <p:cNvPr id="2" name="Title 1">
             <a:extLst>
               <a:ext uri="{FF2B5EF4-FFF2-40B4-BE49-F238E27FC236}">
-                <a16:creationId xmlns="" xmlns:a16="http://schemas.microsoft.com/office/drawing/2014/main" id="{52F7D6A8-4C7A-ED44-A821-97E76FB58748}"/>
+                <a16:creationId xmlns:a16="http://schemas.microsoft.com/office/drawing/2014/main" xmlns="" id="{52F7D6A8-4C7A-ED44-A821-97E76FB58748}"/>
               </a:ext>
             </a:extLst>
           </p:cNvPr>
@@ -3063,7 +3064,7 @@
           <p:cNvPr id="3" name="Picture Placeholder 2">
             <a:extLst>
               <a:ext uri="{FF2B5EF4-FFF2-40B4-BE49-F238E27FC236}">
-                <a16:creationId xmlns="" xmlns:a16="http://schemas.microsoft.com/office/drawing/2014/main" id="{FFA0AABB-AB65-FB40-8DCA-227F017E16C5}"/>
+                <a16:creationId xmlns:a16="http://schemas.microsoft.com/office/drawing/2014/main" xmlns="" id="{FFA0AABB-AB65-FB40-8DCA-227F017E16C5}"/>
               </a:ext>
             </a:extLst>
           </p:cNvPr>
@@ -3134,7 +3135,7 @@
           <p:cNvPr id="4" name="Text Placeholder 3">
             <a:extLst>
               <a:ext uri="{FF2B5EF4-FFF2-40B4-BE49-F238E27FC236}">
-                <a16:creationId xmlns="" xmlns:a16="http://schemas.microsoft.com/office/drawing/2014/main" id="{67AC3EE9-FB8F-F642-BB10-A468CFF85E6A}"/>
+                <a16:creationId xmlns:a16="http://schemas.microsoft.com/office/drawing/2014/main" xmlns="" id="{67AC3EE9-FB8F-F642-BB10-A468CFF85E6A}"/>
               </a:ext>
             </a:extLst>
           </p:cNvPr>
@@ -3205,7 +3206,7 @@
           <p:cNvPr id="5" name="Date Placeholder 4">
             <a:extLst>
               <a:ext uri="{FF2B5EF4-FFF2-40B4-BE49-F238E27FC236}">
-                <a16:creationId xmlns="" xmlns:a16="http://schemas.microsoft.com/office/drawing/2014/main" id="{0A0EC8A2-C616-8B40-8C9C-A15442358393}"/>
+                <a16:creationId xmlns:a16="http://schemas.microsoft.com/office/drawing/2014/main" xmlns="" id="{0A0EC8A2-C616-8B40-8C9C-A15442358393}"/>
               </a:ext>
             </a:extLst>
           </p:cNvPr>
@@ -3223,7 +3224,7 @@
           <a:p>
             <a:fld id="{BE5295ED-3BAF-1140-8495-3D368771D6B1}" type="datetimeFigureOut">
               <a:rPr lang="en-US" smtClean="0"/>
-              <a:t>1/20/20</a:t>
+              <a:t>1/22/20</a:t>
             </a:fld>
             <a:endParaRPr lang="en-US"/>
           </a:p>
@@ -3234,7 +3235,7 @@
           <p:cNvPr id="6" name="Footer Placeholder 5">
             <a:extLst>
               <a:ext uri="{FF2B5EF4-FFF2-40B4-BE49-F238E27FC236}">
-                <a16:creationId xmlns="" xmlns:a16="http://schemas.microsoft.com/office/drawing/2014/main" id="{AA229EC7-73FC-4D43-8916-C76404AC37DC}"/>
+                <a16:creationId xmlns:a16="http://schemas.microsoft.com/office/drawing/2014/main" xmlns="" id="{AA229EC7-73FC-4D43-8916-C76404AC37DC}"/>
               </a:ext>
             </a:extLst>
           </p:cNvPr>
@@ -3259,7 +3260,7 @@
           <p:cNvPr id="7" name="Slide Number Placeholder 6">
             <a:extLst>
               <a:ext uri="{FF2B5EF4-FFF2-40B4-BE49-F238E27FC236}">
-                <a16:creationId xmlns="" xmlns:a16="http://schemas.microsoft.com/office/drawing/2014/main" id="{D84430E4-67BB-3342-B2B8-DFBE758CFA59}"/>
+                <a16:creationId xmlns:a16="http://schemas.microsoft.com/office/drawing/2014/main" xmlns="" id="{D84430E4-67BB-3342-B2B8-DFBE758CFA59}"/>
               </a:ext>
             </a:extLst>
           </p:cNvPr>
@@ -3323,7 +3324,7 @@
           <p:cNvPr id="2" name="Title Placeholder 1">
             <a:extLst>
               <a:ext uri="{FF2B5EF4-FFF2-40B4-BE49-F238E27FC236}">
-                <a16:creationId xmlns="" xmlns:a16="http://schemas.microsoft.com/office/drawing/2014/main" id="{ED530927-E202-4648-95ED-A701F648A289}"/>
+                <a16:creationId xmlns:a16="http://schemas.microsoft.com/office/drawing/2014/main" xmlns="" id="{ED530927-E202-4648-95ED-A701F648A289}"/>
               </a:ext>
             </a:extLst>
           </p:cNvPr>
@@ -3362,7 +3363,7 @@
           <p:cNvPr id="3" name="Text Placeholder 2">
             <a:extLst>
               <a:ext uri="{FF2B5EF4-FFF2-40B4-BE49-F238E27FC236}">
-                <a16:creationId xmlns="" xmlns:a16="http://schemas.microsoft.com/office/drawing/2014/main" id="{F00E1E3E-B2FE-5A47-8C43-849DE842741B}"/>
+                <a16:creationId xmlns:a16="http://schemas.microsoft.com/office/drawing/2014/main" xmlns="" id="{F00E1E3E-B2FE-5A47-8C43-849DE842741B}"/>
               </a:ext>
             </a:extLst>
           </p:cNvPr>
@@ -3429,7 +3430,7 @@
           <p:cNvPr id="4" name="Date Placeholder 3">
             <a:extLst>
               <a:ext uri="{FF2B5EF4-FFF2-40B4-BE49-F238E27FC236}">
-                <a16:creationId xmlns="" xmlns:a16="http://schemas.microsoft.com/office/drawing/2014/main" id="{A51822C1-C9FC-554F-B744-0FF8DD0A61C0}"/>
+                <a16:creationId xmlns:a16="http://schemas.microsoft.com/office/drawing/2014/main" xmlns="" id="{A51822C1-C9FC-554F-B744-0FF8DD0A61C0}"/>
               </a:ext>
             </a:extLst>
           </p:cNvPr>
@@ -3465,7 +3466,7 @@
           <a:p>
             <a:fld id="{BE5295ED-3BAF-1140-8495-3D368771D6B1}" type="datetimeFigureOut">
               <a:rPr lang="en-US" smtClean="0"/>
-              <a:t>1/20/20</a:t>
+              <a:t>1/22/20</a:t>
             </a:fld>
             <a:endParaRPr lang="en-US"/>
           </a:p>
@@ -3476,7 +3477,7 @@
           <p:cNvPr id="5" name="Footer Placeholder 4">
             <a:extLst>
               <a:ext uri="{FF2B5EF4-FFF2-40B4-BE49-F238E27FC236}">
-                <a16:creationId xmlns="" xmlns:a16="http://schemas.microsoft.com/office/drawing/2014/main" id="{AA4916E3-9D5B-B647-A5DA-A5B78525EFFB}"/>
+                <a16:creationId xmlns:a16="http://schemas.microsoft.com/office/drawing/2014/main" xmlns="" id="{AA4916E3-9D5B-B647-A5DA-A5B78525EFFB}"/>
               </a:ext>
             </a:extLst>
           </p:cNvPr>
@@ -3519,7 +3520,7 @@
           <p:cNvPr id="6" name="Slide Number Placeholder 5">
             <a:extLst>
               <a:ext uri="{FF2B5EF4-FFF2-40B4-BE49-F238E27FC236}">
-                <a16:creationId xmlns="" xmlns:a16="http://schemas.microsoft.com/office/drawing/2014/main" id="{11872E83-B77B-9647-AE80-95985B60F4F0}"/>
+                <a16:creationId xmlns:a16="http://schemas.microsoft.com/office/drawing/2014/main" xmlns="" id="{11872E83-B77B-9647-AE80-95985B60F4F0}"/>
               </a:ext>
             </a:extLst>
           </p:cNvPr>
@@ -3566,7 +3567,7 @@
           <p:cNvPr id="7" name="Picture 6">
             <a:extLst>
               <a:ext uri="{FF2B5EF4-FFF2-40B4-BE49-F238E27FC236}">
-                <a16:creationId xmlns="" xmlns:a16="http://schemas.microsoft.com/office/drawing/2014/main" id="{F0F46825-E66D-B247-B71A-C48424207597}"/>
+                <a16:creationId xmlns:a16="http://schemas.microsoft.com/office/drawing/2014/main" xmlns="" id="{F0F46825-E66D-B247-B71A-C48424207597}"/>
               </a:ext>
             </a:extLst>
           </p:cNvPr>
@@ -3917,7 +3918,7 @@
           <p:cNvPr id="2" name="Title 1">
             <a:extLst>
               <a:ext uri="{FF2B5EF4-FFF2-40B4-BE49-F238E27FC236}">
-                <a16:creationId xmlns="" xmlns:a16="http://schemas.microsoft.com/office/drawing/2014/main" id="{DDB4A5C5-CE37-5241-A9FF-85F98EF1E91E}"/>
+                <a16:creationId xmlns:a16="http://schemas.microsoft.com/office/drawing/2014/main" xmlns="" id="{DDB4A5C5-CE37-5241-A9FF-85F98EF1E91E}"/>
               </a:ext>
             </a:extLst>
           </p:cNvPr>
@@ -3971,7 +3972,7 @@
           <p:cNvPr id="3" name="Subtitle 2">
             <a:extLst>
               <a:ext uri="{FF2B5EF4-FFF2-40B4-BE49-F238E27FC236}">
-                <a16:creationId xmlns="" xmlns:a16="http://schemas.microsoft.com/office/drawing/2014/main" id="{5EF75859-F09F-414F-8571-4D3854CD3C44}"/>
+                <a16:creationId xmlns:a16="http://schemas.microsoft.com/office/drawing/2014/main" xmlns="" id="{5EF75859-F09F-414F-8571-4D3854CD3C44}"/>
               </a:ext>
             </a:extLst>
           </p:cNvPr>
@@ -4008,7 +4009,7 @@
           <p:cNvPr id="5" name="Rectangle 4">
             <a:extLst>
               <a:ext uri="{FF2B5EF4-FFF2-40B4-BE49-F238E27FC236}">
-                <a16:creationId xmlns="" xmlns:a16="http://schemas.microsoft.com/office/drawing/2014/main" id="{39D37F11-0EC0-C645-ADE9-CE8BFDF0B2D4}"/>
+                <a16:creationId xmlns:a16="http://schemas.microsoft.com/office/drawing/2014/main" xmlns="" id="{39D37F11-0EC0-C645-ADE9-CE8BFDF0B2D4}"/>
               </a:ext>
             </a:extLst>
           </p:cNvPr>
@@ -4974,15 +4975,7 @@
             </a:r>
             <a:r>
               <a:rPr lang="en-US" dirty="0"/>
-              <a:t>see compressed pdf </a:t>
-            </a:r>
-            <a:r>
-              <a:rPr lang="en-US" dirty="0"/>
-              <a:t>kleinberg-common-running-times.7z</a:t>
-            </a:r>
-            <a:r>
-              <a:rPr lang="en-US" dirty="0"/>
-              <a:t> in Canvas course files </a:t>
+              <a:t>see compressed pdf kleinberg-common-running-times.7z in Canvas course files </a:t>
             </a:r>
             <a:r>
               <a:rPr lang="en-US" dirty="0" smtClean="0"/>
@@ -5225,6 +5218,108 @@
     <p:extLst>
       <p:ext uri="{BB962C8B-B14F-4D97-AF65-F5344CB8AC3E}">
         <p14:creationId xmlns:p14="http://schemas.microsoft.com/office/powerpoint/2010/main" val="421582279"/>
+      </p:ext>
+    </p:extLst>
+  </p:cSld>
+  <p:clrMapOvr>
+    <a:masterClrMapping/>
+  </p:clrMapOvr>
+</p:sld>
+</file>
+
+<file path=ppt/slides/slide8.xml><?xml version="1.0" encoding="utf-8"?>
+<p:sld xmlns:a="http://schemas.openxmlformats.org/drawingml/2006/main" xmlns:r="http://schemas.openxmlformats.org/officeDocument/2006/relationships" xmlns:p="http://schemas.openxmlformats.org/presentationml/2006/main">
+  <p:cSld>
+    <p:spTree>
+      <p:nvGrpSpPr>
+        <p:cNvPr id="1" name=""/>
+        <p:cNvGrpSpPr/>
+        <p:nvPr/>
+      </p:nvGrpSpPr>
+      <p:grpSpPr>
+        <a:xfrm>
+          <a:off x="0" y="0"/>
+          <a:ext cx="0" cy="0"/>
+          <a:chOff x="0" y="0"/>
+          <a:chExt cx="0" cy="0"/>
+        </a:xfrm>
+      </p:grpSpPr>
+      <p:sp>
+        <p:nvSpPr>
+          <p:cNvPr id="2" name="Title 1"/>
+          <p:cNvSpPr>
+            <a:spLocks noGrp="1"/>
+          </p:cNvSpPr>
+          <p:nvPr>
+            <p:ph type="title"/>
+          </p:nvPr>
+        </p:nvSpPr>
+        <p:spPr/>
+        <p:txBody>
+          <a:bodyPr/>
+          <a:lstStyle/>
+          <a:p>
+            <a:r>
+              <a:rPr lang="en-US" dirty="0" smtClean="0"/>
+              <a:t>Why this course, why now?</a:t>
+            </a:r>
+            <a:endParaRPr lang="en-US" dirty="0"/>
+          </a:p>
+        </p:txBody>
+      </p:sp>
+      <p:sp>
+        <p:nvSpPr>
+          <p:cNvPr id="3" name="Content Placeholder 2"/>
+          <p:cNvSpPr>
+            <a:spLocks noGrp="1"/>
+          </p:cNvSpPr>
+          <p:nvPr>
+            <p:ph idx="1"/>
+          </p:nvPr>
+        </p:nvSpPr>
+        <p:spPr/>
+        <p:txBody>
+          <a:bodyPr>
+            <a:normAutofit fontScale="92500"/>
+          </a:bodyPr>
+          <a:lstStyle/>
+          <a:p>
+            <a:r>
+              <a:rPr lang="en-US" dirty="0" smtClean="0"/>
+              <a:t>At least for the moment, many of the people interviewing you will be programmers, pretending to be data scientists</a:t>
+            </a:r>
+          </a:p>
+          <a:p>
+            <a:r>
+              <a:rPr lang="en-US" dirty="0" smtClean="0"/>
+              <a:t>What do they know? Programming, data structures, and algorithms</a:t>
+            </a:r>
+          </a:p>
+          <a:p>
+            <a:r>
+              <a:rPr lang="en-US" dirty="0" smtClean="0"/>
+              <a:t>Being able to organize data within a machine or cross machines is a key skill for a data scientist</a:t>
+            </a:r>
+          </a:p>
+          <a:p>
+            <a:r>
+              <a:rPr lang="en-US" dirty="0" smtClean="0"/>
+              <a:t>The larger the data, the more critical it is to understand how to measure algorithm performance and how to design efficient solutions</a:t>
+            </a:r>
+          </a:p>
+          <a:p>
+            <a:r>
+              <a:rPr lang="en-US" dirty="0" smtClean="0"/>
+              <a:t>Optimally, this course would be much earlier, but the timing is good for your interviewing and was only spot we could jam this course in</a:t>
+            </a:r>
+            <a:endParaRPr lang="en-US" dirty="0"/>
+          </a:p>
+        </p:txBody>
+      </p:sp>
+    </p:spTree>
+    <p:extLst>
+      <p:ext uri="{BB962C8B-B14F-4D97-AF65-F5344CB8AC3E}">
+        <p14:creationId xmlns:p14="http://schemas.microsoft.com/office/powerpoint/2010/main" val="283662686"/>
       </p:ext>
     </p:extLst>
   </p:cSld>

--- a/notes/welcome.pptx
+++ b/notes/welcome.pptx
@@ -5,10 +5,10 @@
     <p:sldMasterId id="2147483672" r:id="rId1"/>
   </p:sldMasterIdLst>
   <p:notesMasterIdLst>
-    <p:notesMasterId r:id="rId10"/>
+    <p:notesMasterId r:id="rId11"/>
   </p:notesMasterIdLst>
   <p:handoutMasterIdLst>
-    <p:handoutMasterId r:id="rId11"/>
+    <p:handoutMasterId r:id="rId12"/>
   </p:handoutMasterIdLst>
   <p:sldIdLst>
     <p:sldId id="256" r:id="rId2"/>
@@ -19,6 +19,7 @@
     <p:sldId id="292" r:id="rId7"/>
     <p:sldId id="293" r:id="rId8"/>
     <p:sldId id="295" r:id="rId9"/>
+    <p:sldId id="296" r:id="rId10"/>
   </p:sldIdLst>
   <p:sldSz cx="12192000" cy="6858000"/>
   <p:notesSz cx="9144000" cy="6858000"/>
@@ -213,7 +214,7 @@
           <a:p>
             <a:fld id="{8A1B613A-EFF1-404F-BEE8-EFAE84A4E5E2}" type="datetimeFigureOut">
               <a:rPr lang="en-US" smtClean="0"/>
-              <a:t>1/22/20</a:t>
+              <a:t>1/24/20</a:t>
             </a:fld>
             <a:endParaRPr lang="en-US"/>
           </a:p>
@@ -378,7 +379,7 @@
           <a:p>
             <a:fld id="{690847EA-AC25-3D4E-89E1-FD3F6A9702B6}" type="datetimeFigureOut">
               <a:rPr lang="en-US" smtClean="0"/>
-              <a:t>1/22/20</a:t>
+              <a:t>1/24/20</a:t>
             </a:fld>
             <a:endParaRPr lang="en-US"/>
           </a:p>
@@ -667,7 +668,7 @@
           <p:cNvPr id="2" name="Title 1">
             <a:extLst>
               <a:ext uri="{FF2B5EF4-FFF2-40B4-BE49-F238E27FC236}">
-                <a16:creationId xmlns:a16="http://schemas.microsoft.com/office/drawing/2014/main" xmlns="" id="{FCECE00E-B2E2-4D43-8A21-E17BBDC017E1}"/>
+                <a16:creationId xmlns:a16="http://schemas.microsoft.com/office/drawing/2014/main" id="{FCECE00E-B2E2-4D43-8A21-E17BBDC017E1}"/>
               </a:ext>
             </a:extLst>
           </p:cNvPr>
@@ -693,10 +694,9 @@
           </a:lstStyle>
           <a:p>
             <a:r>
-              <a:rPr lang="en-US" smtClean="0"/>
+              <a:rPr lang="en-US"/>
               <a:t>Click to edit Master title style</a:t>
             </a:r>
-            <a:endParaRPr lang="en-US"/>
           </a:p>
         </p:txBody>
       </p:sp>
@@ -705,7 +705,7 @@
           <p:cNvPr id="3" name="Subtitle 2">
             <a:extLst>
               <a:ext uri="{FF2B5EF4-FFF2-40B4-BE49-F238E27FC236}">
-                <a16:creationId xmlns:a16="http://schemas.microsoft.com/office/drawing/2014/main" xmlns="" id="{0C4C7E7C-3478-264C-BF00-D75996D63509}"/>
+                <a16:creationId xmlns:a16="http://schemas.microsoft.com/office/drawing/2014/main" id="{0C4C7E7C-3478-264C-BF00-D75996D63509}"/>
               </a:ext>
             </a:extLst>
           </p:cNvPr>
@@ -764,10 +764,9 @@
           </a:lstStyle>
           <a:p>
             <a:r>
-              <a:rPr lang="en-US" smtClean="0"/>
+              <a:rPr lang="en-US"/>
               <a:t>Click to edit Master subtitle style</a:t>
             </a:r>
-            <a:endParaRPr lang="en-US"/>
           </a:p>
         </p:txBody>
       </p:sp>
@@ -776,7 +775,7 @@
           <p:cNvPr id="4" name="Date Placeholder 3">
             <a:extLst>
               <a:ext uri="{FF2B5EF4-FFF2-40B4-BE49-F238E27FC236}">
-                <a16:creationId xmlns:a16="http://schemas.microsoft.com/office/drawing/2014/main" xmlns="" id="{64E1EB94-602A-4843-8753-4DB51430704B}"/>
+                <a16:creationId xmlns:a16="http://schemas.microsoft.com/office/drawing/2014/main" id="{64E1EB94-602A-4843-8753-4DB51430704B}"/>
               </a:ext>
             </a:extLst>
           </p:cNvPr>
@@ -794,7 +793,7 @@
           <a:p>
             <a:fld id="{BE5295ED-3BAF-1140-8495-3D368771D6B1}" type="datetimeFigureOut">
               <a:rPr lang="en-US" smtClean="0"/>
-              <a:t>1/22/20</a:t>
+              <a:t>1/24/20</a:t>
             </a:fld>
             <a:endParaRPr lang="en-US"/>
           </a:p>
@@ -805,7 +804,7 @@
           <p:cNvPr id="5" name="Footer Placeholder 4">
             <a:extLst>
               <a:ext uri="{FF2B5EF4-FFF2-40B4-BE49-F238E27FC236}">
-                <a16:creationId xmlns:a16="http://schemas.microsoft.com/office/drawing/2014/main" xmlns="" id="{FF136E26-0E46-B848-BBFC-A0D2BFA17F33}"/>
+                <a16:creationId xmlns:a16="http://schemas.microsoft.com/office/drawing/2014/main" id="{FF136E26-0E46-B848-BBFC-A0D2BFA17F33}"/>
               </a:ext>
             </a:extLst>
           </p:cNvPr>
@@ -830,7 +829,7 @@
           <p:cNvPr id="6" name="Slide Number Placeholder 5">
             <a:extLst>
               <a:ext uri="{FF2B5EF4-FFF2-40B4-BE49-F238E27FC236}">
-                <a16:creationId xmlns:a16="http://schemas.microsoft.com/office/drawing/2014/main" xmlns="" id="{CEAD4217-442E-6C4A-8D0F-CADFE9EACB6D}"/>
+                <a16:creationId xmlns:a16="http://schemas.microsoft.com/office/drawing/2014/main" id="{CEAD4217-442E-6C4A-8D0F-CADFE9EACB6D}"/>
               </a:ext>
             </a:extLst>
           </p:cNvPr>
@@ -889,7 +888,7 @@
           <p:cNvPr id="2" name="Title 1">
             <a:extLst>
               <a:ext uri="{FF2B5EF4-FFF2-40B4-BE49-F238E27FC236}">
-                <a16:creationId xmlns:a16="http://schemas.microsoft.com/office/drawing/2014/main" xmlns="" id="{F416C72F-B1B5-6442-B3EF-170DEDF83067}"/>
+                <a16:creationId xmlns:a16="http://schemas.microsoft.com/office/drawing/2014/main" id="{F416C72F-B1B5-6442-B3EF-170DEDF83067}"/>
               </a:ext>
             </a:extLst>
           </p:cNvPr>
@@ -906,10 +905,9 @@
           <a:lstStyle/>
           <a:p>
             <a:r>
-              <a:rPr lang="en-US" smtClean="0"/>
+              <a:rPr lang="en-US"/>
               <a:t>Click to edit Master title style</a:t>
             </a:r>
-            <a:endParaRPr lang="en-US"/>
           </a:p>
         </p:txBody>
       </p:sp>
@@ -918,7 +916,7 @@
           <p:cNvPr id="3" name="Vertical Text Placeholder 2">
             <a:extLst>
               <a:ext uri="{FF2B5EF4-FFF2-40B4-BE49-F238E27FC236}">
-                <a16:creationId xmlns:a16="http://schemas.microsoft.com/office/drawing/2014/main" xmlns="" id="{19182C6A-7EA1-C840-86BB-65DF578F4F4B}"/>
+                <a16:creationId xmlns:a16="http://schemas.microsoft.com/office/drawing/2014/main" id="{19182C6A-7EA1-C840-86BB-65DF578F4F4B}"/>
               </a:ext>
             </a:extLst>
           </p:cNvPr>
@@ -936,38 +934,37 @@
           <a:p>
             <a:pPr lvl="0"/>
             <a:r>
-              <a:rPr lang="en-US" smtClean="0"/>
+              <a:rPr lang="en-US"/>
               <a:t>Click to edit Master text styles</a:t>
             </a:r>
           </a:p>
           <a:p>
             <a:pPr lvl="1"/>
             <a:r>
-              <a:rPr lang="en-US" smtClean="0"/>
+              <a:rPr lang="en-US"/>
               <a:t>Second level</a:t>
             </a:r>
           </a:p>
           <a:p>
             <a:pPr lvl="2"/>
             <a:r>
-              <a:rPr lang="en-US" smtClean="0"/>
+              <a:rPr lang="en-US"/>
               <a:t>Third level</a:t>
             </a:r>
           </a:p>
           <a:p>
             <a:pPr lvl="3"/>
             <a:r>
-              <a:rPr lang="en-US" smtClean="0"/>
+              <a:rPr lang="en-US"/>
               <a:t>Fourth level</a:t>
             </a:r>
           </a:p>
           <a:p>
             <a:pPr lvl="4"/>
             <a:r>
-              <a:rPr lang="en-US" smtClean="0"/>
+              <a:rPr lang="en-US"/>
               <a:t>Fifth level</a:t>
             </a:r>
-            <a:endParaRPr lang="en-US"/>
           </a:p>
         </p:txBody>
       </p:sp>
@@ -976,7 +973,7 @@
           <p:cNvPr id="4" name="Date Placeholder 3">
             <a:extLst>
               <a:ext uri="{FF2B5EF4-FFF2-40B4-BE49-F238E27FC236}">
-                <a16:creationId xmlns:a16="http://schemas.microsoft.com/office/drawing/2014/main" xmlns="" id="{DBCD3C4B-E6D4-B140-8126-90FD013DE38A}"/>
+                <a16:creationId xmlns:a16="http://schemas.microsoft.com/office/drawing/2014/main" id="{DBCD3C4B-E6D4-B140-8126-90FD013DE38A}"/>
               </a:ext>
             </a:extLst>
           </p:cNvPr>
@@ -994,7 +991,7 @@
           <a:p>
             <a:fld id="{BE5295ED-3BAF-1140-8495-3D368771D6B1}" type="datetimeFigureOut">
               <a:rPr lang="en-US" smtClean="0"/>
-              <a:t>1/22/20</a:t>
+              <a:t>1/24/20</a:t>
             </a:fld>
             <a:endParaRPr lang="en-US"/>
           </a:p>
@@ -1005,7 +1002,7 @@
           <p:cNvPr id="5" name="Footer Placeholder 4">
             <a:extLst>
               <a:ext uri="{FF2B5EF4-FFF2-40B4-BE49-F238E27FC236}">
-                <a16:creationId xmlns:a16="http://schemas.microsoft.com/office/drawing/2014/main" xmlns="" id="{E26FD8A5-25AB-2742-9333-F1864AA98C6D}"/>
+                <a16:creationId xmlns:a16="http://schemas.microsoft.com/office/drawing/2014/main" id="{E26FD8A5-25AB-2742-9333-F1864AA98C6D}"/>
               </a:ext>
             </a:extLst>
           </p:cNvPr>
@@ -1030,7 +1027,7 @@
           <p:cNvPr id="6" name="Slide Number Placeholder 5">
             <a:extLst>
               <a:ext uri="{FF2B5EF4-FFF2-40B4-BE49-F238E27FC236}">
-                <a16:creationId xmlns:a16="http://schemas.microsoft.com/office/drawing/2014/main" xmlns="" id="{B4FFBFCA-F2F7-544E-BB46-A887273990B8}"/>
+                <a16:creationId xmlns:a16="http://schemas.microsoft.com/office/drawing/2014/main" id="{B4FFBFCA-F2F7-544E-BB46-A887273990B8}"/>
               </a:ext>
             </a:extLst>
           </p:cNvPr>
@@ -1089,7 +1086,7 @@
           <p:cNvPr id="2" name="Vertical Title 1">
             <a:extLst>
               <a:ext uri="{FF2B5EF4-FFF2-40B4-BE49-F238E27FC236}">
-                <a16:creationId xmlns:a16="http://schemas.microsoft.com/office/drawing/2014/main" xmlns="" id="{A54E5286-71CD-184D-922F-2C587370C871}"/>
+                <a16:creationId xmlns:a16="http://schemas.microsoft.com/office/drawing/2014/main" id="{A54E5286-71CD-184D-922F-2C587370C871}"/>
               </a:ext>
             </a:extLst>
           </p:cNvPr>
@@ -1111,10 +1108,9 @@
           <a:lstStyle/>
           <a:p>
             <a:r>
-              <a:rPr lang="en-US" smtClean="0"/>
+              <a:rPr lang="en-US"/>
               <a:t>Click to edit Master title style</a:t>
             </a:r>
-            <a:endParaRPr lang="en-US"/>
           </a:p>
         </p:txBody>
       </p:sp>
@@ -1123,7 +1119,7 @@
           <p:cNvPr id="3" name="Vertical Text Placeholder 2">
             <a:extLst>
               <a:ext uri="{FF2B5EF4-FFF2-40B4-BE49-F238E27FC236}">
-                <a16:creationId xmlns:a16="http://schemas.microsoft.com/office/drawing/2014/main" xmlns="" id="{8E6C93D7-83D1-8740-A256-2B405524A089}"/>
+                <a16:creationId xmlns:a16="http://schemas.microsoft.com/office/drawing/2014/main" id="{8E6C93D7-83D1-8740-A256-2B405524A089}"/>
               </a:ext>
             </a:extLst>
           </p:cNvPr>
@@ -1146,38 +1142,37 @@
           <a:p>
             <a:pPr lvl="0"/>
             <a:r>
-              <a:rPr lang="en-US" smtClean="0"/>
+              <a:rPr lang="en-US"/>
               <a:t>Click to edit Master text styles</a:t>
             </a:r>
           </a:p>
           <a:p>
             <a:pPr lvl="1"/>
             <a:r>
-              <a:rPr lang="en-US" smtClean="0"/>
+              <a:rPr lang="en-US"/>
               <a:t>Second level</a:t>
             </a:r>
           </a:p>
           <a:p>
             <a:pPr lvl="2"/>
             <a:r>
-              <a:rPr lang="en-US" smtClean="0"/>
+              <a:rPr lang="en-US"/>
               <a:t>Third level</a:t>
             </a:r>
           </a:p>
           <a:p>
             <a:pPr lvl="3"/>
             <a:r>
-              <a:rPr lang="en-US" smtClean="0"/>
+              <a:rPr lang="en-US"/>
               <a:t>Fourth level</a:t>
             </a:r>
           </a:p>
           <a:p>
             <a:pPr lvl="4"/>
             <a:r>
-              <a:rPr lang="en-US" smtClean="0"/>
+              <a:rPr lang="en-US"/>
               <a:t>Fifth level</a:t>
             </a:r>
-            <a:endParaRPr lang="en-US"/>
           </a:p>
         </p:txBody>
       </p:sp>
@@ -1186,7 +1181,7 @@
           <p:cNvPr id="4" name="Date Placeholder 3">
             <a:extLst>
               <a:ext uri="{FF2B5EF4-FFF2-40B4-BE49-F238E27FC236}">
-                <a16:creationId xmlns:a16="http://schemas.microsoft.com/office/drawing/2014/main" xmlns="" id="{C7CCB8DC-90E9-1D49-B70B-5103FBBD3972}"/>
+                <a16:creationId xmlns:a16="http://schemas.microsoft.com/office/drawing/2014/main" id="{C7CCB8DC-90E9-1D49-B70B-5103FBBD3972}"/>
               </a:ext>
             </a:extLst>
           </p:cNvPr>
@@ -1204,7 +1199,7 @@
           <a:p>
             <a:fld id="{BE5295ED-3BAF-1140-8495-3D368771D6B1}" type="datetimeFigureOut">
               <a:rPr lang="en-US" smtClean="0"/>
-              <a:t>1/22/20</a:t>
+              <a:t>1/24/20</a:t>
             </a:fld>
             <a:endParaRPr lang="en-US"/>
           </a:p>
@@ -1215,7 +1210,7 @@
           <p:cNvPr id="5" name="Footer Placeholder 4">
             <a:extLst>
               <a:ext uri="{FF2B5EF4-FFF2-40B4-BE49-F238E27FC236}">
-                <a16:creationId xmlns:a16="http://schemas.microsoft.com/office/drawing/2014/main" xmlns="" id="{0997D847-8768-9843-9B66-E6B3989BA3D2}"/>
+                <a16:creationId xmlns:a16="http://schemas.microsoft.com/office/drawing/2014/main" id="{0997D847-8768-9843-9B66-E6B3989BA3D2}"/>
               </a:ext>
             </a:extLst>
           </p:cNvPr>
@@ -1240,7 +1235,7 @@
           <p:cNvPr id="6" name="Slide Number Placeholder 5">
             <a:extLst>
               <a:ext uri="{FF2B5EF4-FFF2-40B4-BE49-F238E27FC236}">
-                <a16:creationId xmlns:a16="http://schemas.microsoft.com/office/drawing/2014/main" xmlns="" id="{8E82CB94-E0A6-3E47-9F30-8DEB64C2027C}"/>
+                <a16:creationId xmlns:a16="http://schemas.microsoft.com/office/drawing/2014/main" id="{8E82CB94-E0A6-3E47-9F30-8DEB64C2027C}"/>
               </a:ext>
             </a:extLst>
           </p:cNvPr>
@@ -1299,7 +1294,7 @@
           <p:cNvPr id="2" name="Title 1">
             <a:extLst>
               <a:ext uri="{FF2B5EF4-FFF2-40B4-BE49-F238E27FC236}">
-                <a16:creationId xmlns:a16="http://schemas.microsoft.com/office/drawing/2014/main" xmlns="" id="{B8842375-E5EF-4D4E-AFD0-A94090E7DB29}"/>
+                <a16:creationId xmlns:a16="http://schemas.microsoft.com/office/drawing/2014/main" id="{B8842375-E5EF-4D4E-AFD0-A94090E7DB29}"/>
               </a:ext>
             </a:extLst>
           </p:cNvPr>
@@ -1316,10 +1311,9 @@
           <a:lstStyle/>
           <a:p>
             <a:r>
-              <a:rPr lang="en-US" smtClean="0"/>
+              <a:rPr lang="en-US"/>
               <a:t>Click to edit Master title style</a:t>
             </a:r>
-            <a:endParaRPr lang="en-US"/>
           </a:p>
         </p:txBody>
       </p:sp>
@@ -1328,7 +1322,7 @@
           <p:cNvPr id="3" name="Content Placeholder 2">
             <a:extLst>
               <a:ext uri="{FF2B5EF4-FFF2-40B4-BE49-F238E27FC236}">
-                <a16:creationId xmlns:a16="http://schemas.microsoft.com/office/drawing/2014/main" xmlns="" id="{F366F610-FF9B-2A4B-8E35-314B0D78D9D8}"/>
+                <a16:creationId xmlns:a16="http://schemas.microsoft.com/office/drawing/2014/main" id="{F366F610-FF9B-2A4B-8E35-314B0D78D9D8}"/>
               </a:ext>
             </a:extLst>
           </p:cNvPr>
@@ -1346,38 +1340,37 @@
           <a:p>
             <a:pPr lvl="0"/>
             <a:r>
-              <a:rPr lang="en-US" smtClean="0"/>
+              <a:rPr lang="en-US"/>
               <a:t>Click to edit Master text styles</a:t>
             </a:r>
           </a:p>
           <a:p>
             <a:pPr lvl="1"/>
             <a:r>
-              <a:rPr lang="en-US" smtClean="0"/>
+              <a:rPr lang="en-US"/>
               <a:t>Second level</a:t>
             </a:r>
           </a:p>
           <a:p>
             <a:pPr lvl="2"/>
             <a:r>
-              <a:rPr lang="en-US" smtClean="0"/>
+              <a:rPr lang="en-US"/>
               <a:t>Third level</a:t>
             </a:r>
           </a:p>
           <a:p>
             <a:pPr lvl="3"/>
             <a:r>
-              <a:rPr lang="en-US" smtClean="0"/>
+              <a:rPr lang="en-US"/>
               <a:t>Fourth level</a:t>
             </a:r>
           </a:p>
           <a:p>
             <a:pPr lvl="4"/>
             <a:r>
-              <a:rPr lang="en-US" smtClean="0"/>
+              <a:rPr lang="en-US"/>
               <a:t>Fifth level</a:t>
             </a:r>
-            <a:endParaRPr lang="en-US"/>
           </a:p>
         </p:txBody>
       </p:sp>
@@ -1386,7 +1379,7 @@
           <p:cNvPr id="4" name="Date Placeholder 3">
             <a:extLst>
               <a:ext uri="{FF2B5EF4-FFF2-40B4-BE49-F238E27FC236}">
-                <a16:creationId xmlns:a16="http://schemas.microsoft.com/office/drawing/2014/main" xmlns="" id="{1561E808-F7D2-E84B-8CD4-83F18272EA72}"/>
+                <a16:creationId xmlns:a16="http://schemas.microsoft.com/office/drawing/2014/main" id="{1561E808-F7D2-E84B-8CD4-83F18272EA72}"/>
               </a:ext>
             </a:extLst>
           </p:cNvPr>
@@ -1404,7 +1397,7 @@
           <a:p>
             <a:fld id="{BE5295ED-3BAF-1140-8495-3D368771D6B1}" type="datetimeFigureOut">
               <a:rPr lang="en-US" smtClean="0"/>
-              <a:t>1/22/20</a:t>
+              <a:t>1/24/20</a:t>
             </a:fld>
             <a:endParaRPr lang="en-US"/>
           </a:p>
@@ -1415,7 +1408,7 @@
           <p:cNvPr id="5" name="Footer Placeholder 4">
             <a:extLst>
               <a:ext uri="{FF2B5EF4-FFF2-40B4-BE49-F238E27FC236}">
-                <a16:creationId xmlns:a16="http://schemas.microsoft.com/office/drawing/2014/main" xmlns="" id="{7B3AD9A1-B1EC-984E-A23E-0ECF6F652482}"/>
+                <a16:creationId xmlns:a16="http://schemas.microsoft.com/office/drawing/2014/main" id="{7B3AD9A1-B1EC-984E-A23E-0ECF6F652482}"/>
               </a:ext>
             </a:extLst>
           </p:cNvPr>
@@ -1440,7 +1433,7 @@
           <p:cNvPr id="6" name="Slide Number Placeholder 5">
             <a:extLst>
               <a:ext uri="{FF2B5EF4-FFF2-40B4-BE49-F238E27FC236}">
-                <a16:creationId xmlns:a16="http://schemas.microsoft.com/office/drawing/2014/main" xmlns="" id="{01BFD94D-9604-2A43-AADF-14B0876B6EBB}"/>
+                <a16:creationId xmlns:a16="http://schemas.microsoft.com/office/drawing/2014/main" id="{01BFD94D-9604-2A43-AADF-14B0876B6EBB}"/>
               </a:ext>
             </a:extLst>
           </p:cNvPr>
@@ -1499,7 +1492,7 @@
           <p:cNvPr id="2" name="Title 1">
             <a:extLst>
               <a:ext uri="{FF2B5EF4-FFF2-40B4-BE49-F238E27FC236}">
-                <a16:creationId xmlns:a16="http://schemas.microsoft.com/office/drawing/2014/main" xmlns="" id="{771589AC-2242-B445-BBEA-95D500596EE6}"/>
+                <a16:creationId xmlns:a16="http://schemas.microsoft.com/office/drawing/2014/main" id="{771589AC-2242-B445-BBEA-95D500596EE6}"/>
               </a:ext>
             </a:extLst>
           </p:cNvPr>
@@ -1525,10 +1518,9 @@
           </a:lstStyle>
           <a:p>
             <a:r>
-              <a:rPr lang="en-US" smtClean="0"/>
+              <a:rPr lang="en-US"/>
               <a:t>Click to edit Master title style</a:t>
             </a:r>
-            <a:endParaRPr lang="en-US"/>
           </a:p>
         </p:txBody>
       </p:sp>
@@ -1537,7 +1529,7 @@
           <p:cNvPr id="3" name="Text Placeholder 2">
             <a:extLst>
               <a:ext uri="{FF2B5EF4-FFF2-40B4-BE49-F238E27FC236}">
-                <a16:creationId xmlns:a16="http://schemas.microsoft.com/office/drawing/2014/main" xmlns="" id="{255D194C-D171-4B45-BA38-8D16CD1C3449}"/>
+                <a16:creationId xmlns:a16="http://schemas.microsoft.com/office/drawing/2014/main" id="{255D194C-D171-4B45-BA38-8D16CD1C3449}"/>
               </a:ext>
             </a:extLst>
           </p:cNvPr>
@@ -1651,7 +1643,7 @@
           <a:p>
             <a:pPr lvl="0"/>
             <a:r>
-              <a:rPr lang="en-US" smtClean="0"/>
+              <a:rPr lang="en-US"/>
               <a:t>Click to edit Master text styles</a:t>
             </a:r>
           </a:p>
@@ -1662,7 +1654,7 @@
           <p:cNvPr id="4" name="Date Placeholder 3">
             <a:extLst>
               <a:ext uri="{FF2B5EF4-FFF2-40B4-BE49-F238E27FC236}">
-                <a16:creationId xmlns:a16="http://schemas.microsoft.com/office/drawing/2014/main" xmlns="" id="{68A38244-2F9E-AB4A-B300-488462389FF9}"/>
+                <a16:creationId xmlns:a16="http://schemas.microsoft.com/office/drawing/2014/main" id="{68A38244-2F9E-AB4A-B300-488462389FF9}"/>
               </a:ext>
             </a:extLst>
           </p:cNvPr>
@@ -1680,7 +1672,7 @@
           <a:p>
             <a:fld id="{BE5295ED-3BAF-1140-8495-3D368771D6B1}" type="datetimeFigureOut">
               <a:rPr lang="en-US" smtClean="0"/>
-              <a:t>1/22/20</a:t>
+              <a:t>1/24/20</a:t>
             </a:fld>
             <a:endParaRPr lang="en-US"/>
           </a:p>
@@ -1691,7 +1683,7 @@
           <p:cNvPr id="5" name="Footer Placeholder 4">
             <a:extLst>
               <a:ext uri="{FF2B5EF4-FFF2-40B4-BE49-F238E27FC236}">
-                <a16:creationId xmlns:a16="http://schemas.microsoft.com/office/drawing/2014/main" xmlns="" id="{B33A7B5A-1475-C94F-AD18-1726D2BA89C2}"/>
+                <a16:creationId xmlns:a16="http://schemas.microsoft.com/office/drawing/2014/main" id="{B33A7B5A-1475-C94F-AD18-1726D2BA89C2}"/>
               </a:ext>
             </a:extLst>
           </p:cNvPr>
@@ -1716,7 +1708,7 @@
           <p:cNvPr id="6" name="Slide Number Placeholder 5">
             <a:extLst>
               <a:ext uri="{FF2B5EF4-FFF2-40B4-BE49-F238E27FC236}">
-                <a16:creationId xmlns:a16="http://schemas.microsoft.com/office/drawing/2014/main" xmlns="" id="{8069DDF6-CCE5-3946-8A72-14D318AB4D22}"/>
+                <a16:creationId xmlns:a16="http://schemas.microsoft.com/office/drawing/2014/main" id="{8069DDF6-CCE5-3946-8A72-14D318AB4D22}"/>
               </a:ext>
             </a:extLst>
           </p:cNvPr>
@@ -1775,7 +1767,7 @@
           <p:cNvPr id="2" name="Title 1">
             <a:extLst>
               <a:ext uri="{FF2B5EF4-FFF2-40B4-BE49-F238E27FC236}">
-                <a16:creationId xmlns:a16="http://schemas.microsoft.com/office/drawing/2014/main" xmlns="" id="{AC1D2791-2196-8F4F-AD62-59B19A8810A3}"/>
+                <a16:creationId xmlns:a16="http://schemas.microsoft.com/office/drawing/2014/main" id="{AC1D2791-2196-8F4F-AD62-59B19A8810A3}"/>
               </a:ext>
             </a:extLst>
           </p:cNvPr>
@@ -1792,10 +1784,9 @@
           <a:lstStyle/>
           <a:p>
             <a:r>
-              <a:rPr lang="en-US" smtClean="0"/>
+              <a:rPr lang="en-US"/>
               <a:t>Click to edit Master title style</a:t>
             </a:r>
-            <a:endParaRPr lang="en-US"/>
           </a:p>
         </p:txBody>
       </p:sp>
@@ -1804,7 +1795,7 @@
           <p:cNvPr id="3" name="Content Placeholder 2">
             <a:extLst>
               <a:ext uri="{FF2B5EF4-FFF2-40B4-BE49-F238E27FC236}">
-                <a16:creationId xmlns:a16="http://schemas.microsoft.com/office/drawing/2014/main" xmlns="" id="{3962F23A-0A28-6141-B0BF-D7B92C213877}"/>
+                <a16:creationId xmlns:a16="http://schemas.microsoft.com/office/drawing/2014/main" id="{3962F23A-0A28-6141-B0BF-D7B92C213877}"/>
               </a:ext>
             </a:extLst>
           </p:cNvPr>
@@ -1827,38 +1818,37 @@
           <a:p>
             <a:pPr lvl="0"/>
             <a:r>
-              <a:rPr lang="en-US" smtClean="0"/>
+              <a:rPr lang="en-US"/>
               <a:t>Click to edit Master text styles</a:t>
             </a:r>
           </a:p>
           <a:p>
             <a:pPr lvl="1"/>
             <a:r>
-              <a:rPr lang="en-US" smtClean="0"/>
+              <a:rPr lang="en-US"/>
               <a:t>Second level</a:t>
             </a:r>
           </a:p>
           <a:p>
             <a:pPr lvl="2"/>
             <a:r>
-              <a:rPr lang="en-US" smtClean="0"/>
+              <a:rPr lang="en-US"/>
               <a:t>Third level</a:t>
             </a:r>
           </a:p>
           <a:p>
             <a:pPr lvl="3"/>
             <a:r>
-              <a:rPr lang="en-US" smtClean="0"/>
+              <a:rPr lang="en-US"/>
               <a:t>Fourth level</a:t>
             </a:r>
           </a:p>
           <a:p>
             <a:pPr lvl="4"/>
             <a:r>
-              <a:rPr lang="en-US" smtClean="0"/>
+              <a:rPr lang="en-US"/>
               <a:t>Fifth level</a:t>
             </a:r>
-            <a:endParaRPr lang="en-US"/>
           </a:p>
         </p:txBody>
       </p:sp>
@@ -1867,7 +1857,7 @@
           <p:cNvPr id="4" name="Content Placeholder 3">
             <a:extLst>
               <a:ext uri="{FF2B5EF4-FFF2-40B4-BE49-F238E27FC236}">
-                <a16:creationId xmlns:a16="http://schemas.microsoft.com/office/drawing/2014/main" xmlns="" id="{C36DF3E7-529D-1C40-B815-3C505F4D107E}"/>
+                <a16:creationId xmlns:a16="http://schemas.microsoft.com/office/drawing/2014/main" id="{C36DF3E7-529D-1C40-B815-3C505F4D107E}"/>
               </a:ext>
             </a:extLst>
           </p:cNvPr>
@@ -1890,38 +1880,37 @@
           <a:p>
             <a:pPr lvl="0"/>
             <a:r>
-              <a:rPr lang="en-US" smtClean="0"/>
+              <a:rPr lang="en-US"/>
               <a:t>Click to edit Master text styles</a:t>
             </a:r>
           </a:p>
           <a:p>
             <a:pPr lvl="1"/>
             <a:r>
-              <a:rPr lang="en-US" smtClean="0"/>
+              <a:rPr lang="en-US"/>
               <a:t>Second level</a:t>
             </a:r>
           </a:p>
           <a:p>
             <a:pPr lvl="2"/>
             <a:r>
-              <a:rPr lang="en-US" smtClean="0"/>
+              <a:rPr lang="en-US"/>
               <a:t>Third level</a:t>
             </a:r>
           </a:p>
           <a:p>
             <a:pPr lvl="3"/>
             <a:r>
-              <a:rPr lang="en-US" smtClean="0"/>
+              <a:rPr lang="en-US"/>
               <a:t>Fourth level</a:t>
             </a:r>
           </a:p>
           <a:p>
             <a:pPr lvl="4"/>
             <a:r>
-              <a:rPr lang="en-US" smtClean="0"/>
+              <a:rPr lang="en-US"/>
               <a:t>Fifth level</a:t>
             </a:r>
-            <a:endParaRPr lang="en-US"/>
           </a:p>
         </p:txBody>
       </p:sp>
@@ -1930,7 +1919,7 @@
           <p:cNvPr id="5" name="Date Placeholder 4">
             <a:extLst>
               <a:ext uri="{FF2B5EF4-FFF2-40B4-BE49-F238E27FC236}">
-                <a16:creationId xmlns:a16="http://schemas.microsoft.com/office/drawing/2014/main" xmlns="" id="{ECFEE966-F172-8C42-A9F6-013C2A368C90}"/>
+                <a16:creationId xmlns:a16="http://schemas.microsoft.com/office/drawing/2014/main" id="{ECFEE966-F172-8C42-A9F6-013C2A368C90}"/>
               </a:ext>
             </a:extLst>
           </p:cNvPr>
@@ -1948,7 +1937,7 @@
           <a:p>
             <a:fld id="{BE5295ED-3BAF-1140-8495-3D368771D6B1}" type="datetimeFigureOut">
               <a:rPr lang="en-US" smtClean="0"/>
-              <a:t>1/22/20</a:t>
+              <a:t>1/24/20</a:t>
             </a:fld>
             <a:endParaRPr lang="en-US"/>
           </a:p>
@@ -1959,7 +1948,7 @@
           <p:cNvPr id="6" name="Footer Placeholder 5">
             <a:extLst>
               <a:ext uri="{FF2B5EF4-FFF2-40B4-BE49-F238E27FC236}">
-                <a16:creationId xmlns:a16="http://schemas.microsoft.com/office/drawing/2014/main" xmlns="" id="{54FDED73-DCFA-6648-B65F-CBEDB1D3556B}"/>
+                <a16:creationId xmlns:a16="http://schemas.microsoft.com/office/drawing/2014/main" id="{54FDED73-DCFA-6648-B65F-CBEDB1D3556B}"/>
               </a:ext>
             </a:extLst>
           </p:cNvPr>
@@ -1984,7 +1973,7 @@
           <p:cNvPr id="7" name="Slide Number Placeholder 6">
             <a:extLst>
               <a:ext uri="{FF2B5EF4-FFF2-40B4-BE49-F238E27FC236}">
-                <a16:creationId xmlns:a16="http://schemas.microsoft.com/office/drawing/2014/main" xmlns="" id="{F3D072AD-ADC5-2943-B36C-F14AE6555C55}"/>
+                <a16:creationId xmlns:a16="http://schemas.microsoft.com/office/drawing/2014/main" id="{F3D072AD-ADC5-2943-B36C-F14AE6555C55}"/>
               </a:ext>
             </a:extLst>
           </p:cNvPr>
@@ -2043,7 +2032,7 @@
           <p:cNvPr id="2" name="Title 1">
             <a:extLst>
               <a:ext uri="{FF2B5EF4-FFF2-40B4-BE49-F238E27FC236}">
-                <a16:creationId xmlns:a16="http://schemas.microsoft.com/office/drawing/2014/main" xmlns="" id="{478E3FB4-66D6-9040-98CF-3DE68ABAAB18}"/>
+                <a16:creationId xmlns:a16="http://schemas.microsoft.com/office/drawing/2014/main" id="{478E3FB4-66D6-9040-98CF-3DE68ABAAB18}"/>
               </a:ext>
             </a:extLst>
           </p:cNvPr>
@@ -2065,10 +2054,9 @@
           <a:lstStyle/>
           <a:p>
             <a:r>
-              <a:rPr lang="en-US" smtClean="0"/>
+              <a:rPr lang="en-US"/>
               <a:t>Click to edit Master title style</a:t>
             </a:r>
-            <a:endParaRPr lang="en-US"/>
           </a:p>
         </p:txBody>
       </p:sp>
@@ -2077,7 +2065,7 @@
           <p:cNvPr id="3" name="Text Placeholder 2">
             <a:extLst>
               <a:ext uri="{FF2B5EF4-FFF2-40B4-BE49-F238E27FC236}">
-                <a16:creationId xmlns:a16="http://schemas.microsoft.com/office/drawing/2014/main" xmlns="" id="{C3B9CBA2-D589-E342-B02C-AFD0528E353B}"/>
+                <a16:creationId xmlns:a16="http://schemas.microsoft.com/office/drawing/2014/main" id="{C3B9CBA2-D589-E342-B02C-AFD0528E353B}"/>
               </a:ext>
             </a:extLst>
           </p:cNvPr>
@@ -2137,7 +2125,7 @@
           <a:p>
             <a:pPr lvl="0"/>
             <a:r>
-              <a:rPr lang="en-US" smtClean="0"/>
+              <a:rPr lang="en-US"/>
               <a:t>Click to edit Master text styles</a:t>
             </a:r>
           </a:p>
@@ -2148,7 +2136,7 @@
           <p:cNvPr id="4" name="Content Placeholder 3">
             <a:extLst>
               <a:ext uri="{FF2B5EF4-FFF2-40B4-BE49-F238E27FC236}">
-                <a16:creationId xmlns:a16="http://schemas.microsoft.com/office/drawing/2014/main" xmlns="" id="{F570E95A-9A57-7F42-A0D4-A9C36B16D13C}"/>
+                <a16:creationId xmlns:a16="http://schemas.microsoft.com/office/drawing/2014/main" id="{F570E95A-9A57-7F42-A0D4-A9C36B16D13C}"/>
               </a:ext>
             </a:extLst>
           </p:cNvPr>
@@ -2171,38 +2159,37 @@
           <a:p>
             <a:pPr lvl="0"/>
             <a:r>
-              <a:rPr lang="en-US" smtClean="0"/>
+              <a:rPr lang="en-US"/>
               <a:t>Click to edit Master text styles</a:t>
             </a:r>
           </a:p>
           <a:p>
             <a:pPr lvl="1"/>
             <a:r>
-              <a:rPr lang="en-US" smtClean="0"/>
+              <a:rPr lang="en-US"/>
               <a:t>Second level</a:t>
             </a:r>
           </a:p>
           <a:p>
             <a:pPr lvl="2"/>
             <a:r>
-              <a:rPr lang="en-US" smtClean="0"/>
+              <a:rPr lang="en-US"/>
               <a:t>Third level</a:t>
             </a:r>
           </a:p>
           <a:p>
             <a:pPr lvl="3"/>
             <a:r>
-              <a:rPr lang="en-US" smtClean="0"/>
+              <a:rPr lang="en-US"/>
               <a:t>Fourth level</a:t>
             </a:r>
           </a:p>
           <a:p>
             <a:pPr lvl="4"/>
             <a:r>
-              <a:rPr lang="en-US" smtClean="0"/>
+              <a:rPr lang="en-US"/>
               <a:t>Fifth level</a:t>
             </a:r>
-            <a:endParaRPr lang="en-US"/>
           </a:p>
         </p:txBody>
       </p:sp>
@@ -2211,7 +2198,7 @@
           <p:cNvPr id="5" name="Text Placeholder 4">
             <a:extLst>
               <a:ext uri="{FF2B5EF4-FFF2-40B4-BE49-F238E27FC236}">
-                <a16:creationId xmlns:a16="http://schemas.microsoft.com/office/drawing/2014/main" xmlns="" id="{B6A72F40-C7A9-CC45-82FB-CCCE1FE08B0B}"/>
+                <a16:creationId xmlns:a16="http://schemas.microsoft.com/office/drawing/2014/main" id="{B6A72F40-C7A9-CC45-82FB-CCCE1FE08B0B}"/>
               </a:ext>
             </a:extLst>
           </p:cNvPr>
@@ -2271,7 +2258,7 @@
           <a:p>
             <a:pPr lvl="0"/>
             <a:r>
-              <a:rPr lang="en-US" smtClean="0"/>
+              <a:rPr lang="en-US"/>
               <a:t>Click to edit Master text styles</a:t>
             </a:r>
           </a:p>
@@ -2282,7 +2269,7 @@
           <p:cNvPr id="6" name="Content Placeholder 5">
             <a:extLst>
               <a:ext uri="{FF2B5EF4-FFF2-40B4-BE49-F238E27FC236}">
-                <a16:creationId xmlns:a16="http://schemas.microsoft.com/office/drawing/2014/main" xmlns="" id="{9FDA6D2A-2E9D-714C-B9CB-D0F9D788FCD3}"/>
+                <a16:creationId xmlns:a16="http://schemas.microsoft.com/office/drawing/2014/main" id="{9FDA6D2A-2E9D-714C-B9CB-D0F9D788FCD3}"/>
               </a:ext>
             </a:extLst>
           </p:cNvPr>
@@ -2305,38 +2292,37 @@
           <a:p>
             <a:pPr lvl="0"/>
             <a:r>
-              <a:rPr lang="en-US" smtClean="0"/>
+              <a:rPr lang="en-US"/>
               <a:t>Click to edit Master text styles</a:t>
             </a:r>
           </a:p>
           <a:p>
             <a:pPr lvl="1"/>
             <a:r>
-              <a:rPr lang="en-US" smtClean="0"/>
+              <a:rPr lang="en-US"/>
               <a:t>Second level</a:t>
             </a:r>
           </a:p>
           <a:p>
             <a:pPr lvl="2"/>
             <a:r>
-              <a:rPr lang="en-US" smtClean="0"/>
+              <a:rPr lang="en-US"/>
               <a:t>Third level</a:t>
             </a:r>
           </a:p>
           <a:p>
             <a:pPr lvl="3"/>
             <a:r>
-              <a:rPr lang="en-US" smtClean="0"/>
+              <a:rPr lang="en-US"/>
               <a:t>Fourth level</a:t>
             </a:r>
           </a:p>
           <a:p>
             <a:pPr lvl="4"/>
             <a:r>
-              <a:rPr lang="en-US" smtClean="0"/>
+              <a:rPr lang="en-US"/>
               <a:t>Fifth level</a:t>
             </a:r>
-            <a:endParaRPr lang="en-US"/>
           </a:p>
         </p:txBody>
       </p:sp>
@@ -2345,7 +2331,7 @@
           <p:cNvPr id="7" name="Date Placeholder 6">
             <a:extLst>
               <a:ext uri="{FF2B5EF4-FFF2-40B4-BE49-F238E27FC236}">
-                <a16:creationId xmlns:a16="http://schemas.microsoft.com/office/drawing/2014/main" xmlns="" id="{1B7F3C0C-4D75-9C49-9075-FA8B3D33CF9B}"/>
+                <a16:creationId xmlns:a16="http://schemas.microsoft.com/office/drawing/2014/main" id="{1B7F3C0C-4D75-9C49-9075-FA8B3D33CF9B}"/>
               </a:ext>
             </a:extLst>
           </p:cNvPr>
@@ -2363,7 +2349,7 @@
           <a:p>
             <a:fld id="{BE5295ED-3BAF-1140-8495-3D368771D6B1}" type="datetimeFigureOut">
               <a:rPr lang="en-US" smtClean="0"/>
-              <a:t>1/22/20</a:t>
+              <a:t>1/24/20</a:t>
             </a:fld>
             <a:endParaRPr lang="en-US"/>
           </a:p>
@@ -2374,7 +2360,7 @@
           <p:cNvPr id="8" name="Footer Placeholder 7">
             <a:extLst>
               <a:ext uri="{FF2B5EF4-FFF2-40B4-BE49-F238E27FC236}">
-                <a16:creationId xmlns:a16="http://schemas.microsoft.com/office/drawing/2014/main" xmlns="" id="{9788C8FA-359A-5447-AA0E-98D16ECCC92D}"/>
+                <a16:creationId xmlns:a16="http://schemas.microsoft.com/office/drawing/2014/main" id="{9788C8FA-359A-5447-AA0E-98D16ECCC92D}"/>
               </a:ext>
             </a:extLst>
           </p:cNvPr>
@@ -2399,7 +2385,7 @@
           <p:cNvPr id="9" name="Slide Number Placeholder 8">
             <a:extLst>
               <a:ext uri="{FF2B5EF4-FFF2-40B4-BE49-F238E27FC236}">
-                <a16:creationId xmlns:a16="http://schemas.microsoft.com/office/drawing/2014/main" xmlns="" id="{3D69C8CD-0DF6-4E4C-A412-31B03845FA24}"/>
+                <a16:creationId xmlns:a16="http://schemas.microsoft.com/office/drawing/2014/main" id="{3D69C8CD-0DF6-4E4C-A412-31B03845FA24}"/>
               </a:ext>
             </a:extLst>
           </p:cNvPr>
@@ -2458,7 +2444,7 @@
           <p:cNvPr id="2" name="Title 1">
             <a:extLst>
               <a:ext uri="{FF2B5EF4-FFF2-40B4-BE49-F238E27FC236}">
-                <a16:creationId xmlns:a16="http://schemas.microsoft.com/office/drawing/2014/main" xmlns="" id="{13C48C8E-A743-0B4F-AB6E-AB828F1218C8}"/>
+                <a16:creationId xmlns:a16="http://schemas.microsoft.com/office/drawing/2014/main" id="{13C48C8E-A743-0B4F-AB6E-AB828F1218C8}"/>
               </a:ext>
             </a:extLst>
           </p:cNvPr>
@@ -2475,10 +2461,9 @@
           <a:lstStyle/>
           <a:p>
             <a:r>
-              <a:rPr lang="en-US" smtClean="0"/>
+              <a:rPr lang="en-US"/>
               <a:t>Click to edit Master title style</a:t>
             </a:r>
-            <a:endParaRPr lang="en-US"/>
           </a:p>
         </p:txBody>
       </p:sp>
@@ -2487,7 +2472,7 @@
           <p:cNvPr id="3" name="Date Placeholder 2">
             <a:extLst>
               <a:ext uri="{FF2B5EF4-FFF2-40B4-BE49-F238E27FC236}">
-                <a16:creationId xmlns:a16="http://schemas.microsoft.com/office/drawing/2014/main" xmlns="" id="{70FAB17F-6D86-B147-9346-A9B5242FC803}"/>
+                <a16:creationId xmlns:a16="http://schemas.microsoft.com/office/drawing/2014/main" id="{70FAB17F-6D86-B147-9346-A9B5242FC803}"/>
               </a:ext>
             </a:extLst>
           </p:cNvPr>
@@ -2505,7 +2490,7 @@
           <a:p>
             <a:fld id="{BE5295ED-3BAF-1140-8495-3D368771D6B1}" type="datetimeFigureOut">
               <a:rPr lang="en-US" smtClean="0"/>
-              <a:t>1/22/20</a:t>
+              <a:t>1/24/20</a:t>
             </a:fld>
             <a:endParaRPr lang="en-US"/>
           </a:p>
@@ -2516,7 +2501,7 @@
           <p:cNvPr id="4" name="Footer Placeholder 3">
             <a:extLst>
               <a:ext uri="{FF2B5EF4-FFF2-40B4-BE49-F238E27FC236}">
-                <a16:creationId xmlns:a16="http://schemas.microsoft.com/office/drawing/2014/main" xmlns="" id="{4B8A6F49-DCD7-7B4B-8496-2547B2A81C83}"/>
+                <a16:creationId xmlns:a16="http://schemas.microsoft.com/office/drawing/2014/main" id="{4B8A6F49-DCD7-7B4B-8496-2547B2A81C83}"/>
               </a:ext>
             </a:extLst>
           </p:cNvPr>
@@ -2541,7 +2526,7 @@
           <p:cNvPr id="5" name="Slide Number Placeholder 4">
             <a:extLst>
               <a:ext uri="{FF2B5EF4-FFF2-40B4-BE49-F238E27FC236}">
-                <a16:creationId xmlns:a16="http://schemas.microsoft.com/office/drawing/2014/main" xmlns="" id="{D4D1F89D-8541-BB4B-A145-D0DC66605C91}"/>
+                <a16:creationId xmlns:a16="http://schemas.microsoft.com/office/drawing/2014/main" id="{D4D1F89D-8541-BB4B-A145-D0DC66605C91}"/>
               </a:ext>
             </a:extLst>
           </p:cNvPr>
@@ -2600,7 +2585,7 @@
           <p:cNvPr id="2" name="Date Placeholder 1">
             <a:extLst>
               <a:ext uri="{FF2B5EF4-FFF2-40B4-BE49-F238E27FC236}">
-                <a16:creationId xmlns:a16="http://schemas.microsoft.com/office/drawing/2014/main" xmlns="" id="{AD68AA44-A589-744E-AB85-5B6ED8E7D8C0}"/>
+                <a16:creationId xmlns:a16="http://schemas.microsoft.com/office/drawing/2014/main" id="{AD68AA44-A589-744E-AB85-5B6ED8E7D8C0}"/>
               </a:ext>
             </a:extLst>
           </p:cNvPr>
@@ -2618,7 +2603,7 @@
           <a:p>
             <a:fld id="{BE5295ED-3BAF-1140-8495-3D368771D6B1}" type="datetimeFigureOut">
               <a:rPr lang="en-US" smtClean="0"/>
-              <a:t>1/22/20</a:t>
+              <a:t>1/24/20</a:t>
             </a:fld>
             <a:endParaRPr lang="en-US"/>
           </a:p>
@@ -2629,7 +2614,7 @@
           <p:cNvPr id="3" name="Footer Placeholder 2">
             <a:extLst>
               <a:ext uri="{FF2B5EF4-FFF2-40B4-BE49-F238E27FC236}">
-                <a16:creationId xmlns:a16="http://schemas.microsoft.com/office/drawing/2014/main" xmlns="" id="{1CA0E6D3-947A-FA4D-8626-2883D14EFE8D}"/>
+                <a16:creationId xmlns:a16="http://schemas.microsoft.com/office/drawing/2014/main" id="{1CA0E6D3-947A-FA4D-8626-2883D14EFE8D}"/>
               </a:ext>
             </a:extLst>
           </p:cNvPr>
@@ -2654,7 +2639,7 @@
           <p:cNvPr id="4" name="Slide Number Placeholder 3">
             <a:extLst>
               <a:ext uri="{FF2B5EF4-FFF2-40B4-BE49-F238E27FC236}">
-                <a16:creationId xmlns:a16="http://schemas.microsoft.com/office/drawing/2014/main" xmlns="" id="{5BF0953F-E6D0-2240-B174-03015D0856A8}"/>
+                <a16:creationId xmlns:a16="http://schemas.microsoft.com/office/drawing/2014/main" id="{5BF0953F-E6D0-2240-B174-03015D0856A8}"/>
               </a:ext>
             </a:extLst>
           </p:cNvPr>
@@ -2713,7 +2698,7 @@
           <p:cNvPr id="2" name="Title 1">
             <a:extLst>
               <a:ext uri="{FF2B5EF4-FFF2-40B4-BE49-F238E27FC236}">
-                <a16:creationId xmlns:a16="http://schemas.microsoft.com/office/drawing/2014/main" xmlns="" id="{26FFD677-FF02-3E4E-8E32-44D146E24D90}"/>
+                <a16:creationId xmlns:a16="http://schemas.microsoft.com/office/drawing/2014/main" id="{26FFD677-FF02-3E4E-8E32-44D146E24D90}"/>
               </a:ext>
             </a:extLst>
           </p:cNvPr>
@@ -2739,10 +2724,9 @@
           </a:lstStyle>
           <a:p>
             <a:r>
-              <a:rPr lang="en-US" smtClean="0"/>
+              <a:rPr lang="en-US"/>
               <a:t>Click to edit Master title style</a:t>
             </a:r>
-            <a:endParaRPr lang="en-US"/>
           </a:p>
         </p:txBody>
       </p:sp>
@@ -2751,7 +2735,7 @@
           <p:cNvPr id="3" name="Content Placeholder 2">
             <a:extLst>
               <a:ext uri="{FF2B5EF4-FFF2-40B4-BE49-F238E27FC236}">
-                <a16:creationId xmlns:a16="http://schemas.microsoft.com/office/drawing/2014/main" xmlns="" id="{9942170F-E10D-1348-86CE-8E869B806F9B}"/>
+                <a16:creationId xmlns:a16="http://schemas.microsoft.com/office/drawing/2014/main" id="{9942170F-E10D-1348-86CE-8E869B806F9B}"/>
               </a:ext>
             </a:extLst>
           </p:cNvPr>
@@ -2802,38 +2786,37 @@
           <a:p>
             <a:pPr lvl="0"/>
             <a:r>
-              <a:rPr lang="en-US" smtClean="0"/>
+              <a:rPr lang="en-US"/>
               <a:t>Click to edit Master text styles</a:t>
             </a:r>
           </a:p>
           <a:p>
             <a:pPr lvl="1"/>
             <a:r>
-              <a:rPr lang="en-US" smtClean="0"/>
+              <a:rPr lang="en-US"/>
               <a:t>Second level</a:t>
             </a:r>
           </a:p>
           <a:p>
             <a:pPr lvl="2"/>
             <a:r>
-              <a:rPr lang="en-US" smtClean="0"/>
+              <a:rPr lang="en-US"/>
               <a:t>Third level</a:t>
             </a:r>
           </a:p>
           <a:p>
             <a:pPr lvl="3"/>
             <a:r>
-              <a:rPr lang="en-US" smtClean="0"/>
+              <a:rPr lang="en-US"/>
               <a:t>Fourth level</a:t>
             </a:r>
           </a:p>
           <a:p>
             <a:pPr lvl="4"/>
             <a:r>
-              <a:rPr lang="en-US" smtClean="0"/>
+              <a:rPr lang="en-US"/>
               <a:t>Fifth level</a:t>
             </a:r>
-            <a:endParaRPr lang="en-US"/>
           </a:p>
         </p:txBody>
       </p:sp>
@@ -2842,7 +2825,7 @@
           <p:cNvPr id="4" name="Text Placeholder 3">
             <a:extLst>
               <a:ext uri="{FF2B5EF4-FFF2-40B4-BE49-F238E27FC236}">
-                <a16:creationId xmlns:a16="http://schemas.microsoft.com/office/drawing/2014/main" xmlns="" id="{80772D86-2794-394C-A208-2D3E234A3A20}"/>
+                <a16:creationId xmlns:a16="http://schemas.microsoft.com/office/drawing/2014/main" id="{80772D86-2794-394C-A208-2D3E234A3A20}"/>
               </a:ext>
             </a:extLst>
           </p:cNvPr>
@@ -2902,7 +2885,7 @@
           <a:p>
             <a:pPr lvl="0"/>
             <a:r>
-              <a:rPr lang="en-US" smtClean="0"/>
+              <a:rPr lang="en-US"/>
               <a:t>Click to edit Master text styles</a:t>
             </a:r>
           </a:p>
@@ -2913,7 +2896,7 @@
           <p:cNvPr id="5" name="Date Placeholder 4">
             <a:extLst>
               <a:ext uri="{FF2B5EF4-FFF2-40B4-BE49-F238E27FC236}">
-                <a16:creationId xmlns:a16="http://schemas.microsoft.com/office/drawing/2014/main" xmlns="" id="{B5314D31-901A-D944-B06D-3D8106F2A2BC}"/>
+                <a16:creationId xmlns:a16="http://schemas.microsoft.com/office/drawing/2014/main" id="{B5314D31-901A-D944-B06D-3D8106F2A2BC}"/>
               </a:ext>
             </a:extLst>
           </p:cNvPr>
@@ -2931,7 +2914,7 @@
           <a:p>
             <a:fld id="{BE5295ED-3BAF-1140-8495-3D368771D6B1}" type="datetimeFigureOut">
               <a:rPr lang="en-US" smtClean="0"/>
-              <a:t>1/22/20</a:t>
+              <a:t>1/24/20</a:t>
             </a:fld>
             <a:endParaRPr lang="en-US"/>
           </a:p>
@@ -2942,7 +2925,7 @@
           <p:cNvPr id="6" name="Footer Placeholder 5">
             <a:extLst>
               <a:ext uri="{FF2B5EF4-FFF2-40B4-BE49-F238E27FC236}">
-                <a16:creationId xmlns:a16="http://schemas.microsoft.com/office/drawing/2014/main" xmlns="" id="{BFFC6519-9D04-AC45-BB37-9DD413CC741D}"/>
+                <a16:creationId xmlns:a16="http://schemas.microsoft.com/office/drawing/2014/main" id="{BFFC6519-9D04-AC45-BB37-9DD413CC741D}"/>
               </a:ext>
             </a:extLst>
           </p:cNvPr>
@@ -2967,7 +2950,7 @@
           <p:cNvPr id="7" name="Slide Number Placeholder 6">
             <a:extLst>
               <a:ext uri="{FF2B5EF4-FFF2-40B4-BE49-F238E27FC236}">
-                <a16:creationId xmlns:a16="http://schemas.microsoft.com/office/drawing/2014/main" xmlns="" id="{856ACFF3-3C93-FA41-80F3-4708944F9A8C}"/>
+                <a16:creationId xmlns:a16="http://schemas.microsoft.com/office/drawing/2014/main" id="{856ACFF3-3C93-FA41-80F3-4708944F9A8C}"/>
               </a:ext>
             </a:extLst>
           </p:cNvPr>
@@ -3026,7 +3009,7 @@
           <p:cNvPr id="2" name="Title 1">
             <a:extLst>
               <a:ext uri="{FF2B5EF4-FFF2-40B4-BE49-F238E27FC236}">
-                <a16:creationId xmlns:a16="http://schemas.microsoft.com/office/drawing/2014/main" xmlns="" id="{52F7D6A8-4C7A-ED44-A821-97E76FB58748}"/>
+                <a16:creationId xmlns:a16="http://schemas.microsoft.com/office/drawing/2014/main" id="{52F7D6A8-4C7A-ED44-A821-97E76FB58748}"/>
               </a:ext>
             </a:extLst>
           </p:cNvPr>
@@ -3052,10 +3035,9 @@
           </a:lstStyle>
           <a:p>
             <a:r>
-              <a:rPr lang="en-US" smtClean="0"/>
+              <a:rPr lang="en-US"/>
               <a:t>Click to edit Master title style</a:t>
             </a:r>
-            <a:endParaRPr lang="en-US"/>
           </a:p>
         </p:txBody>
       </p:sp>
@@ -3064,7 +3046,7 @@
           <p:cNvPr id="3" name="Picture Placeholder 2">
             <a:extLst>
               <a:ext uri="{FF2B5EF4-FFF2-40B4-BE49-F238E27FC236}">
-                <a16:creationId xmlns:a16="http://schemas.microsoft.com/office/drawing/2014/main" xmlns="" id="{FFA0AABB-AB65-FB40-8DCA-227F017E16C5}"/>
+                <a16:creationId xmlns:a16="http://schemas.microsoft.com/office/drawing/2014/main" id="{FFA0AABB-AB65-FB40-8DCA-227F017E16C5}"/>
               </a:ext>
             </a:extLst>
           </p:cNvPr>
@@ -3123,10 +3105,9 @@
           </a:lstStyle>
           <a:p>
             <a:r>
-              <a:rPr lang="en-US" smtClean="0"/>
+              <a:rPr lang="en-US"/>
               <a:t>Drag picture to placeholder or click icon to add</a:t>
             </a:r>
-            <a:endParaRPr lang="en-US"/>
           </a:p>
         </p:txBody>
       </p:sp>
@@ -3135,7 +3116,7 @@
           <p:cNvPr id="4" name="Text Placeholder 3">
             <a:extLst>
               <a:ext uri="{FF2B5EF4-FFF2-40B4-BE49-F238E27FC236}">
-                <a16:creationId xmlns:a16="http://schemas.microsoft.com/office/drawing/2014/main" xmlns="" id="{67AC3EE9-FB8F-F642-BB10-A468CFF85E6A}"/>
+                <a16:creationId xmlns:a16="http://schemas.microsoft.com/office/drawing/2014/main" id="{67AC3EE9-FB8F-F642-BB10-A468CFF85E6A}"/>
               </a:ext>
             </a:extLst>
           </p:cNvPr>
@@ -3195,7 +3176,7 @@
           <a:p>
             <a:pPr lvl="0"/>
             <a:r>
-              <a:rPr lang="en-US" smtClean="0"/>
+              <a:rPr lang="en-US"/>
               <a:t>Click to edit Master text styles</a:t>
             </a:r>
           </a:p>
@@ -3206,7 +3187,7 @@
           <p:cNvPr id="5" name="Date Placeholder 4">
             <a:extLst>
               <a:ext uri="{FF2B5EF4-FFF2-40B4-BE49-F238E27FC236}">
-                <a16:creationId xmlns:a16="http://schemas.microsoft.com/office/drawing/2014/main" xmlns="" id="{0A0EC8A2-C616-8B40-8C9C-A15442358393}"/>
+                <a16:creationId xmlns:a16="http://schemas.microsoft.com/office/drawing/2014/main" id="{0A0EC8A2-C616-8B40-8C9C-A15442358393}"/>
               </a:ext>
             </a:extLst>
           </p:cNvPr>
@@ -3224,7 +3205,7 @@
           <a:p>
             <a:fld id="{BE5295ED-3BAF-1140-8495-3D368771D6B1}" type="datetimeFigureOut">
               <a:rPr lang="en-US" smtClean="0"/>
-              <a:t>1/22/20</a:t>
+              <a:t>1/24/20</a:t>
             </a:fld>
             <a:endParaRPr lang="en-US"/>
           </a:p>
@@ -3235,7 +3216,7 @@
           <p:cNvPr id="6" name="Footer Placeholder 5">
             <a:extLst>
               <a:ext uri="{FF2B5EF4-FFF2-40B4-BE49-F238E27FC236}">
-                <a16:creationId xmlns:a16="http://schemas.microsoft.com/office/drawing/2014/main" xmlns="" id="{AA229EC7-73FC-4D43-8916-C76404AC37DC}"/>
+                <a16:creationId xmlns:a16="http://schemas.microsoft.com/office/drawing/2014/main" id="{AA229EC7-73FC-4D43-8916-C76404AC37DC}"/>
               </a:ext>
             </a:extLst>
           </p:cNvPr>
@@ -3260,7 +3241,7 @@
           <p:cNvPr id="7" name="Slide Number Placeholder 6">
             <a:extLst>
               <a:ext uri="{FF2B5EF4-FFF2-40B4-BE49-F238E27FC236}">
-                <a16:creationId xmlns:a16="http://schemas.microsoft.com/office/drawing/2014/main" xmlns="" id="{D84430E4-67BB-3342-B2B8-DFBE758CFA59}"/>
+                <a16:creationId xmlns:a16="http://schemas.microsoft.com/office/drawing/2014/main" id="{D84430E4-67BB-3342-B2B8-DFBE758CFA59}"/>
               </a:ext>
             </a:extLst>
           </p:cNvPr>
@@ -3324,7 +3305,7 @@
           <p:cNvPr id="2" name="Title Placeholder 1">
             <a:extLst>
               <a:ext uri="{FF2B5EF4-FFF2-40B4-BE49-F238E27FC236}">
-                <a16:creationId xmlns:a16="http://schemas.microsoft.com/office/drawing/2014/main" xmlns="" id="{ED530927-E202-4648-95ED-A701F648A289}"/>
+                <a16:creationId xmlns:a16="http://schemas.microsoft.com/office/drawing/2014/main" id="{ED530927-E202-4648-95ED-A701F648A289}"/>
               </a:ext>
             </a:extLst>
           </p:cNvPr>
@@ -3351,10 +3332,9 @@
           <a:lstStyle/>
           <a:p>
             <a:r>
-              <a:rPr lang="en-US" smtClean="0"/>
+              <a:rPr lang="en-US"/>
               <a:t>Click to edit Master title style</a:t>
             </a:r>
-            <a:endParaRPr lang="en-US"/>
           </a:p>
         </p:txBody>
       </p:sp>
@@ -3363,7 +3343,7 @@
           <p:cNvPr id="3" name="Text Placeholder 2">
             <a:extLst>
               <a:ext uri="{FF2B5EF4-FFF2-40B4-BE49-F238E27FC236}">
-                <a16:creationId xmlns:a16="http://schemas.microsoft.com/office/drawing/2014/main" xmlns="" id="{F00E1E3E-B2FE-5A47-8C43-849DE842741B}"/>
+                <a16:creationId xmlns:a16="http://schemas.microsoft.com/office/drawing/2014/main" id="{F00E1E3E-B2FE-5A47-8C43-849DE842741B}"/>
               </a:ext>
             </a:extLst>
           </p:cNvPr>
@@ -3430,7 +3410,7 @@
           <p:cNvPr id="4" name="Date Placeholder 3">
             <a:extLst>
               <a:ext uri="{FF2B5EF4-FFF2-40B4-BE49-F238E27FC236}">
-                <a16:creationId xmlns:a16="http://schemas.microsoft.com/office/drawing/2014/main" xmlns="" id="{A51822C1-C9FC-554F-B744-0FF8DD0A61C0}"/>
+                <a16:creationId xmlns:a16="http://schemas.microsoft.com/office/drawing/2014/main" id="{A51822C1-C9FC-554F-B744-0FF8DD0A61C0}"/>
               </a:ext>
             </a:extLst>
           </p:cNvPr>
@@ -3466,7 +3446,7 @@
           <a:p>
             <a:fld id="{BE5295ED-3BAF-1140-8495-3D368771D6B1}" type="datetimeFigureOut">
               <a:rPr lang="en-US" smtClean="0"/>
-              <a:t>1/22/20</a:t>
+              <a:t>1/24/20</a:t>
             </a:fld>
             <a:endParaRPr lang="en-US"/>
           </a:p>
@@ -3477,7 +3457,7 @@
           <p:cNvPr id="5" name="Footer Placeholder 4">
             <a:extLst>
               <a:ext uri="{FF2B5EF4-FFF2-40B4-BE49-F238E27FC236}">
-                <a16:creationId xmlns:a16="http://schemas.microsoft.com/office/drawing/2014/main" xmlns="" id="{AA4916E3-9D5B-B647-A5DA-A5B78525EFFB}"/>
+                <a16:creationId xmlns:a16="http://schemas.microsoft.com/office/drawing/2014/main" id="{AA4916E3-9D5B-B647-A5DA-A5B78525EFFB}"/>
               </a:ext>
             </a:extLst>
           </p:cNvPr>
@@ -3520,7 +3500,7 @@
           <p:cNvPr id="6" name="Slide Number Placeholder 5">
             <a:extLst>
               <a:ext uri="{FF2B5EF4-FFF2-40B4-BE49-F238E27FC236}">
-                <a16:creationId xmlns:a16="http://schemas.microsoft.com/office/drawing/2014/main" xmlns="" id="{11872E83-B77B-9647-AE80-95985B60F4F0}"/>
+                <a16:creationId xmlns:a16="http://schemas.microsoft.com/office/drawing/2014/main" id="{11872E83-B77B-9647-AE80-95985B60F4F0}"/>
               </a:ext>
             </a:extLst>
           </p:cNvPr>
@@ -3567,7 +3547,7 @@
           <p:cNvPr id="7" name="Picture 6">
             <a:extLst>
               <a:ext uri="{FF2B5EF4-FFF2-40B4-BE49-F238E27FC236}">
-                <a16:creationId xmlns:a16="http://schemas.microsoft.com/office/drawing/2014/main" xmlns="" id="{F0F46825-E66D-B247-B71A-C48424207597}"/>
+                <a16:creationId xmlns:a16="http://schemas.microsoft.com/office/drawing/2014/main" id="{F0F46825-E66D-B247-B71A-C48424207597}"/>
               </a:ext>
             </a:extLst>
           </p:cNvPr>
@@ -3918,7 +3898,7 @@
           <p:cNvPr id="2" name="Title 1">
             <a:extLst>
               <a:ext uri="{FF2B5EF4-FFF2-40B4-BE49-F238E27FC236}">
-                <a16:creationId xmlns:a16="http://schemas.microsoft.com/office/drawing/2014/main" xmlns="" id="{DDB4A5C5-CE37-5241-A9FF-85F98EF1E91E}"/>
+                <a16:creationId xmlns:a16="http://schemas.microsoft.com/office/drawing/2014/main" id="{DDB4A5C5-CE37-5241-A9FF-85F98EF1E91E}"/>
               </a:ext>
             </a:extLst>
           </p:cNvPr>
@@ -3938,29 +3918,21 @@
           <a:p>
             <a:pPr algn="l"/>
             <a:r>
-              <a:rPr lang="en-US" b="1" dirty="0" smtClean="0"/>
+              <a:rPr lang="en-US" b="1" dirty="0"/>
               <a:t>Welcome to</a:t>
             </a:r>
             <a:br>
-              <a:rPr lang="en-US" b="1" dirty="0" smtClean="0"/>
+              <a:rPr lang="en-US" b="1" dirty="0"/>
             </a:br>
             <a:r>
-              <a:rPr lang="en-US" b="1" dirty="0" smtClean="0"/>
-              <a:t>Data </a:t>
-            </a:r>
-            <a:r>
               <a:rPr lang="en-US" b="1" dirty="0"/>
-              <a:t>S</a:t>
-            </a:r>
-            <a:r>
-              <a:rPr lang="en-US" b="1" dirty="0" smtClean="0"/>
-              <a:t>tructures &amp;</a:t>
+              <a:t>Data Structures &amp;</a:t>
             </a:r>
             <a:br>
-              <a:rPr lang="en-US" b="1" dirty="0" smtClean="0"/>
+              <a:rPr lang="en-US" b="1" dirty="0"/>
             </a:br>
             <a:r>
-              <a:rPr lang="en-US" b="1" dirty="0" smtClean="0"/>
+              <a:rPr lang="en-US" b="1" dirty="0"/>
               <a:t>Algorithms</a:t>
             </a:r>
             <a:endParaRPr lang="en-US" dirty="0"/>
@@ -3972,7 +3944,7 @@
           <p:cNvPr id="3" name="Subtitle 2">
             <a:extLst>
               <a:ext uri="{FF2B5EF4-FFF2-40B4-BE49-F238E27FC236}">
-                <a16:creationId xmlns:a16="http://schemas.microsoft.com/office/drawing/2014/main" xmlns="" id="{5EF75859-F09F-414F-8571-4D3854CD3C44}"/>
+                <a16:creationId xmlns:a16="http://schemas.microsoft.com/office/drawing/2014/main" id="{5EF75859-F09F-414F-8571-4D3854CD3C44}"/>
               </a:ext>
             </a:extLst>
           </p:cNvPr>
@@ -3997,10 +3969,9 @@
           <a:p>
             <a:pPr algn="l"/>
             <a:r>
-              <a:rPr lang="en-US" dirty="0" smtClean="0"/>
+              <a:rPr lang="en-US" dirty="0"/>
               <a:t>Or, how to pass technical interviews given by programmers</a:t>
             </a:r>
-            <a:endParaRPr lang="en-US" dirty="0"/>
           </a:p>
         </p:txBody>
       </p:sp>
@@ -4009,7 +3980,7 @@
           <p:cNvPr id="5" name="Rectangle 4">
             <a:extLst>
               <a:ext uri="{FF2B5EF4-FFF2-40B4-BE49-F238E27FC236}">
-                <a16:creationId xmlns:a16="http://schemas.microsoft.com/office/drawing/2014/main" xmlns="" id="{39D37F11-0EC0-C645-ADE9-CE8BFDF0B2D4}"/>
+                <a16:creationId xmlns:a16="http://schemas.microsoft.com/office/drawing/2014/main" id="{39D37F11-0EC0-C645-ADE9-CE8BFDF0B2D4}"/>
               </a:ext>
             </a:extLst>
           </p:cNvPr>
@@ -4098,10 +4069,9 @@
           <a:lstStyle/>
           <a:p>
             <a:r>
-              <a:rPr lang="en-US" dirty="0" smtClean="0"/>
+              <a:rPr lang="en-US" dirty="0"/>
               <a:t>Course contents</a:t>
             </a:r>
-            <a:endParaRPr lang="en-US" dirty="0"/>
           </a:p>
         </p:txBody>
       </p:sp>
@@ -4121,65 +4091,65 @@
           <a:lstStyle/>
           <a:p>
             <a:r>
-              <a:rPr lang="en-US" dirty="0" smtClean="0"/>
+              <a:rPr lang="en-US" dirty="0"/>
               <a:t>A formula for problem-solving simple algorithm problems</a:t>
             </a:r>
           </a:p>
           <a:p>
             <a:r>
-              <a:rPr lang="en-US" dirty="0" smtClean="0"/>
+              <a:rPr lang="en-US" dirty="0"/>
               <a:t>How to read code</a:t>
             </a:r>
           </a:p>
           <a:p>
             <a:r>
-              <a:rPr lang="en-US" dirty="0" smtClean="0"/>
+              <a:rPr lang="en-US" dirty="0"/>
               <a:t>Core data structures, a unifying perspective</a:t>
             </a:r>
           </a:p>
           <a:p>
             <a:r>
-              <a:rPr lang="en-US" dirty="0" smtClean="0"/>
+              <a:rPr lang="en-US" dirty="0"/>
               <a:t>Algorithm complexity analysis</a:t>
             </a:r>
           </a:p>
           <a:p>
             <a:r>
-              <a:rPr lang="en-US" dirty="0" smtClean="0"/>
+              <a:rPr lang="en-US" dirty="0"/>
               <a:t>“</a:t>
             </a:r>
             <a:r>
-              <a:rPr lang="en-US" i="1" dirty="0" smtClean="0"/>
+              <a:rPr lang="en-US" i="1" dirty="0"/>
               <a:t>So much recursion!</a:t>
             </a:r>
             <a:r>
-              <a:rPr lang="en-US" dirty="0" smtClean="0"/>
+              <a:rPr lang="en-US" dirty="0"/>
               <a:t>” </a:t>
             </a:r>
             <a:r>
-              <a:rPr lang="mr-IN" dirty="0" smtClean="0"/>
+              <a:rPr lang="mr-IN" dirty="0"/>
               <a:t>–</a:t>
             </a:r>
             <a:r>
-              <a:rPr lang="en-US" dirty="0" smtClean="0"/>
+              <a:rPr lang="en-US" dirty="0"/>
               <a:t> MSDS2019 student comment</a:t>
             </a:r>
           </a:p>
           <a:p>
             <a:r>
-              <a:rPr lang="en-US" dirty="0" smtClean="0"/>
+              <a:rPr lang="en-US" dirty="0"/>
               <a:t>Walking and searching data structures</a:t>
             </a:r>
           </a:p>
           <a:p>
             <a:r>
-              <a:rPr lang="en-US" dirty="0" smtClean="0"/>
+              <a:rPr lang="en-US" dirty="0"/>
               <a:t>Sorting (with all of my dirty tricks)</a:t>
             </a:r>
           </a:p>
           <a:p>
             <a:r>
-              <a:rPr lang="en-US" dirty="0" smtClean="0"/>
+              <a:rPr lang="en-US" dirty="0"/>
               <a:t>Graphs and graph algorithms</a:t>
             </a:r>
           </a:p>
@@ -4210,7 +4180,7 @@
           <a:lstStyle/>
           <a:p>
             <a:r>
-              <a:rPr lang="en-US" sz="2400" smtClean="0">
+              <a:rPr lang="en-US" sz="2400">
                 <a:hlinkClick r:id="rId2"/>
               </a:rPr>
               <a:t>https</a:t>
@@ -4276,10 +4246,9 @@
           <a:lstStyle/>
           <a:p>
             <a:r>
-              <a:rPr lang="en-US" dirty="0" smtClean="0"/>
+              <a:rPr lang="en-US" dirty="0"/>
               <a:t>Course projects</a:t>
             </a:r>
-            <a:endParaRPr lang="en-US" dirty="0"/>
           </a:p>
         </p:txBody>
       </p:sp>
@@ -4306,133 +4275,121 @@
           <a:lstStyle/>
           <a:p>
             <a:r>
-              <a:rPr lang="en-US" dirty="0" smtClean="0"/>
+              <a:rPr lang="en-US" dirty="0"/>
               <a:t>Convert </a:t>
             </a:r>
             <a:r>
-              <a:rPr lang="en-US" dirty="0" err="1" smtClean="0"/>
+              <a:rPr lang="en-US" dirty="0" err="1"/>
               <a:t>htable</a:t>
             </a:r>
             <a:r>
-              <a:rPr lang="en-US" dirty="0" smtClean="0"/>
+              <a:rPr lang="en-US" dirty="0"/>
               <a:t> project to object-oriented version (8%)</a:t>
             </a:r>
           </a:p>
           <a:p>
             <a:pPr lvl="1"/>
             <a:r>
-              <a:rPr lang="en-US" dirty="0" smtClean="0"/>
+              <a:rPr lang="en-US" dirty="0"/>
               <a:t>With some extensions</a:t>
             </a:r>
           </a:p>
           <a:p>
             <a:pPr lvl="1"/>
             <a:r>
-              <a:rPr lang="mr-IN" dirty="0" smtClean="0"/>
+              <a:rPr lang="mr-IN" dirty="0"/>
               <a:t>…</a:t>
             </a:r>
             <a:r>
-              <a:rPr lang="en-US" dirty="0" smtClean="0"/>
+              <a:rPr lang="en-US" dirty="0"/>
               <a:t>and using somebody else’s code from two years ago!</a:t>
             </a:r>
           </a:p>
           <a:p>
             <a:pPr lvl="1"/>
             <a:r>
-              <a:rPr lang="en-US" dirty="0" smtClean="0"/>
+              <a:rPr lang="en-US" dirty="0"/>
               <a:t>hint: it’s </a:t>
             </a:r>
             <a:r>
-              <a:rPr lang="en-US" dirty="0" err="1" smtClean="0"/>
+              <a:rPr lang="en-US" dirty="0" err="1"/>
               <a:t>kinda</a:t>
             </a:r>
             <a:r>
-              <a:rPr lang="en-US" dirty="0" smtClean="0"/>
+              <a:rPr lang="en-US" dirty="0"/>
               <a:t> stinky code. ha!</a:t>
             </a:r>
           </a:p>
           <a:p>
             <a:r>
-              <a:rPr lang="en-US" dirty="0" err="1" smtClean="0"/>
+              <a:rPr lang="en-US" dirty="0" err="1"/>
               <a:t>kmeans</a:t>
             </a:r>
             <a:r>
-              <a:rPr lang="en-US" dirty="0" smtClean="0"/>
+              <a:rPr lang="en-US" dirty="0"/>
               <a:t> clustering, </a:t>
             </a:r>
             <a:r>
-              <a:rPr lang="en-US" dirty="0" err="1" smtClean="0"/>
+              <a:rPr lang="en-US" dirty="0" err="1"/>
               <a:t>kmeans</a:t>
             </a:r>
             <a:r>
-              <a:rPr lang="en-US" dirty="0" smtClean="0"/>
+              <a:rPr lang="en-US" dirty="0"/>
               <a:t>++ initial point selection (20%)</a:t>
             </a:r>
           </a:p>
           <a:p>
             <a:pPr lvl="1"/>
             <a:r>
-              <a:rPr lang="en-US" dirty="0" smtClean="0"/>
+              <a:rPr lang="en-US" dirty="0"/>
               <a:t>Spectral clustering using </a:t>
             </a:r>
             <a:r>
-              <a:rPr lang="en-US" dirty="0" err="1" smtClean="0"/>
+              <a:rPr lang="en-US" dirty="0" err="1"/>
               <a:t>Breiman’s</a:t>
             </a:r>
             <a:r>
-              <a:rPr lang="en-US" dirty="0" smtClean="0"/>
+              <a:rPr lang="en-US" dirty="0"/>
               <a:t> unsupervised learning trick for RFs</a:t>
             </a:r>
           </a:p>
           <a:p>
             <a:pPr lvl="1"/>
             <a:r>
-              <a:rPr lang="en-US" dirty="0" smtClean="0"/>
+              <a:rPr lang="en-US" dirty="0"/>
               <a:t>Image compression applications</a:t>
             </a:r>
           </a:p>
           <a:p>
             <a:r>
               <a:rPr lang="en-US" dirty="0"/>
-              <a:t>Feature importance and </a:t>
-            </a:r>
-            <a:r>
-              <a:rPr lang="en-US" dirty="0" smtClean="0"/>
-              <a:t>selection (22%)</a:t>
+              <a:t>Feature importance and selection (22%)</a:t>
             </a:r>
           </a:p>
           <a:p>
             <a:pPr lvl="1"/>
             <a:r>
               <a:rPr lang="en-US" dirty="0"/>
-              <a:t>P</a:t>
-            </a:r>
-            <a:r>
-              <a:rPr lang="en-US" dirty="0" smtClean="0"/>
-              <a:t>ermutation and drop column</a:t>
+              <a:t>Permutation and drop column</a:t>
             </a:r>
           </a:p>
           <a:p>
             <a:pPr lvl="1"/>
             <a:r>
               <a:rPr lang="en-US" dirty="0"/>
-              <a:t>A</a:t>
-            </a:r>
-            <a:r>
-              <a:rPr lang="en-US" dirty="0" smtClean="0"/>
-              <a:t>utomatic feature selection</a:t>
-            </a:r>
-          </a:p>
-          <a:p>
-            <a:r>
-              <a:rPr lang="en-US" dirty="0" smtClean="0"/>
+              <a:t>Automatic feature selection</a:t>
+            </a:r>
+          </a:p>
+          <a:p>
+            <a:r>
+              <a:rPr lang="en-US" dirty="0"/>
               <a:t>Work as hard or as little as you want (I give no unit tests)</a:t>
             </a:r>
           </a:p>
           <a:p>
             <a:pPr lvl="1"/>
             <a:r>
-              <a:rPr lang="en-US" dirty="0" smtClean="0"/>
+              <a:rPr lang="en-US" dirty="0"/>
               <a:t>grader will assign check -, check, check+ based upon your reports</a:t>
             </a:r>
           </a:p>
@@ -4473,22 +4430,10 @@
           </a:p>
           <a:p>
             <a:r>
-              <a:rPr lang="en-US" sz="1400" dirty="0" smtClean="0">
-                <a:hlinkClick r:id="rId2"/>
-              </a:rPr>
-              <a:t>https</a:t>
-            </a:r>
-            <a:r>
               <a:rPr lang="en-US" sz="1400" dirty="0">
                 <a:hlinkClick r:id="rId2"/>
               </a:rPr>
-              <a:t>://</a:t>
-            </a:r>
-            <a:r>
-              <a:rPr lang="en-US" sz="1400" dirty="0" smtClean="0">
-                <a:hlinkClick r:id="rId2"/>
-              </a:rPr>
-              <a:t>github.com/parrt/msds689/blob/master/projects/kmeans/kmeans.md</a:t>
+              <a:t>https://github.com/parrt/msds689/blob/master/projects/kmeans/kmeans.md</a:t>
             </a:r>
             <a:endParaRPr lang="en-US" sz="1400" dirty="0">
               <a:hlinkClick r:id="rId3"/>
@@ -4496,16 +4441,10 @@
           </a:p>
           <a:p>
             <a:r>
-              <a:rPr lang="en-US" sz="1400" dirty="0" smtClean="0">
-                <a:hlinkClick r:id="rId3"/>
-              </a:rPr>
-              <a:t>https</a:t>
-            </a:r>
-            <a:r>
               <a:rPr lang="en-US" sz="1400" dirty="0">
                 <a:hlinkClick r:id="rId3"/>
               </a:rPr>
-              <a:t>://github.com/parrt/msds689/blob/master/projects/featimp/featimp.md</a:t>
+              <a:t>https://github.com/parrt/msds689/blob/master/projects/featimp/featimp.md</a:t>
             </a:r>
             <a:endParaRPr lang="en-US" sz="1400" dirty="0"/>
           </a:p>
@@ -4557,10 +4496,9 @@
           <a:lstStyle/>
           <a:p>
             <a:r>
-              <a:rPr lang="en-US" dirty="0" smtClean="0"/>
+              <a:rPr lang="en-US" dirty="0"/>
               <a:t>Student evaluation</a:t>
             </a:r>
-            <a:endParaRPr lang="en-US" dirty="0"/>
           </a:p>
         </p:txBody>
       </p:sp>
@@ -4617,14 +4555,13 @@
           <a:lstStyle/>
           <a:p>
             <a:r>
-              <a:rPr lang="en-US" dirty="0" smtClean="0"/>
+              <a:rPr lang="en-US" dirty="0"/>
               <a:t>last day </a:t>
             </a:r>
             <a:r>
-              <a:rPr lang="en-US" smtClean="0"/>
+              <a:rPr lang="en-US"/>
               <a:t>of class</a:t>
             </a:r>
-            <a:endParaRPr lang="en-US"/>
           </a:p>
         </p:txBody>
       </p:sp>
@@ -4690,20 +4627,19 @@
               <a:t>P</a:t>
             </a:r>
             <a:r>
-              <a:rPr lang="en-US" i="1" smtClean="0"/>
+              <a:rPr lang="en-US" i="1"/>
               <a:t>lease </a:t>
             </a:r>
             <a:r>
-              <a:rPr lang="en-US" i="1" dirty="0" smtClean="0"/>
+              <a:rPr lang="en-US" i="1" dirty="0"/>
               <a:t>note grader will take at least a week</a:t>
             </a:r>
           </a:p>
           <a:p>
             <a:r>
-              <a:rPr lang="en-US" i="1" dirty="0" smtClean="0"/>
+              <a:rPr lang="en-US" i="1" dirty="0"/>
               <a:t>to grade projects, but I’ll grade exams quickly</a:t>
             </a:r>
-            <a:endParaRPr lang="en-US" i="1" dirty="0"/>
           </a:p>
         </p:txBody>
       </p:sp>
@@ -4753,10 +4689,9 @@
           <a:lstStyle/>
           <a:p>
             <a:r>
-              <a:rPr lang="en-US" dirty="0" smtClean="0"/>
+              <a:rPr lang="en-US" dirty="0"/>
               <a:t>Extra things you can do</a:t>
             </a:r>
-            <a:endParaRPr lang="en-US" dirty="0"/>
           </a:p>
         </p:txBody>
       </p:sp>
@@ -4788,26 +4723,20 @@
               <a:rPr lang="en-US" sz="2000" dirty="0">
                 <a:hlinkClick r:id="rId2"/>
               </a:rPr>
-              <a:t>https://</a:t>
-            </a:r>
-            <a:r>
-              <a:rPr lang="en-US" sz="2000" dirty="0" smtClean="0">
-                <a:hlinkClick r:id="rId2"/>
-              </a:rPr>
-              <a:t>github.com/parrt/msds689/blob/master/labs/quiz-oo.ipynb</a:t>
-            </a:r>
-            <a:r>
-              <a:rPr lang="en-US" sz="2000" dirty="0" smtClean="0"/>
+              <a:t>https://github.com/parrt/msds689/blob/master/labs/quiz-oo.ipynb</a:t>
+            </a:r>
+            <a:r>
+              <a:rPr lang="en-US" sz="2000" dirty="0"/>
               <a:t> </a:t>
             </a:r>
           </a:p>
           <a:p>
             <a:r>
-              <a:rPr lang="en-US" dirty="0" err="1" smtClean="0"/>
+              <a:rPr lang="en-US" dirty="0" err="1"/>
               <a:t>LeetCode</a:t>
             </a:r>
             <a:r>
-              <a:rPr lang="en-US" dirty="0" smtClean="0"/>
+              <a:rPr lang="en-US" dirty="0"/>
               <a:t> algorithm and data structures challenges. e.g., </a:t>
             </a:r>
             <a:r>
@@ -4896,10 +4825,9 @@
           <a:lstStyle/>
           <a:p>
             <a:r>
-              <a:rPr lang="en-US" dirty="0" smtClean="0"/>
+              <a:rPr lang="en-US" dirty="0"/>
               <a:t>Resources</a:t>
             </a:r>
-            <a:endParaRPr lang="en-US" dirty="0"/>
           </a:p>
         </p:txBody>
       </p:sp>
@@ -4919,24 +4847,14 @@
           <a:lstStyle/>
           <a:p>
             <a:r>
-              <a:rPr lang="en-US" dirty="0" smtClean="0"/>
-              <a:t>A </a:t>
-            </a:r>
-            <a:r>
-              <a:rPr lang="en-US" dirty="0"/>
-              <a:t>great free book on </a:t>
+              <a:rPr lang="en-US" dirty="0"/>
+              <a:t>A great free book on </a:t>
             </a:r>
             <a:r>
               <a:rPr lang="en-US" dirty="0">
                 <a:hlinkClick r:id="rId2"/>
               </a:rPr>
-              <a:t>algorithms by Jeff </a:t>
-            </a:r>
-            <a:r>
-              <a:rPr lang="en-US" dirty="0" smtClean="0">
-                <a:hlinkClick r:id="rId2"/>
-              </a:rPr>
-              <a:t>Erickson</a:t>
+              <a:t>algorithms by Jeff Erickson</a:t>
             </a:r>
             <a:endParaRPr lang="en-US" dirty="0"/>
           </a:p>
@@ -4955,11 +4873,7 @@
             </a:r>
             <a:r>
               <a:rPr lang="en-US" i="1" dirty="0"/>
-              <a:t>Algorithm </a:t>
-            </a:r>
-            <a:r>
-              <a:rPr lang="en-US" i="1" dirty="0" smtClean="0"/>
-              <a:t>Design</a:t>
+              <a:t>Algorithm Design</a:t>
             </a:r>
             <a:endParaRPr lang="en-US" dirty="0"/>
           </a:p>
@@ -4967,19 +4881,7 @@
             <a:pPr lvl="1"/>
             <a:r>
               <a:rPr lang="en-US" dirty="0"/>
-              <a:t>P</a:t>
-            </a:r>
-            <a:r>
-              <a:rPr lang="en-US" dirty="0" smtClean="0"/>
-              <a:t>lease </a:t>
-            </a:r>
-            <a:r>
-              <a:rPr lang="en-US" dirty="0"/>
-              <a:t>see compressed pdf kleinberg-common-running-times.7z in Canvas course files </a:t>
-            </a:r>
-            <a:r>
-              <a:rPr lang="en-US" dirty="0" smtClean="0"/>
-              <a:t>area (do not post material publicly please)</a:t>
+              <a:t>Please see compressed pdf kleinberg-common-running-times.7z in Canvas course files area (do not post material publicly please)</a:t>
             </a:r>
           </a:p>
           <a:p>
@@ -5011,33 +4913,23 @@
               <a:rPr lang="en-US" dirty="0">
                 <a:hlinkClick r:id="rId5"/>
               </a:rPr>
-              <a:t>Shikhar </a:t>
-            </a:r>
-            <a:r>
-              <a:rPr lang="en-US" dirty="0" smtClean="0">
-                <a:hlinkClick r:id="rId5"/>
-              </a:rPr>
-              <a:t>Gupta</a:t>
+              <a:t>Shikhar Gupta</a:t>
             </a:r>
             <a:endParaRPr lang="en-US" dirty="0"/>
           </a:p>
           <a:p>
             <a:r>
-              <a:rPr lang="en-US" dirty="0" smtClean="0">
+              <a:rPr lang="en-US" dirty="0">
                 <a:hlinkClick r:id="rId6"/>
               </a:rPr>
               <a:t>10 steps to solving a programming problem</a:t>
             </a:r>
-            <a:endParaRPr lang="en-US" dirty="0" smtClean="0"/>
-          </a:p>
-          <a:p>
-            <a:r>
-              <a:rPr lang="en-US" dirty="0" smtClean="0"/>
-              <a:t>A review</a:t>
-            </a:r>
-            <a:r>
-              <a:rPr lang="en-US" dirty="0"/>
-              <a:t> </a:t>
+            <a:endParaRPr lang="en-US" dirty="0"/>
+          </a:p>
+          <a:p>
+            <a:r>
+              <a:rPr lang="en-US" dirty="0"/>
+              <a:t>A review </a:t>
             </a:r>
             <a:r>
               <a:rPr lang="en-US" dirty="0">
@@ -5105,7 +4997,7 @@
           <a:lstStyle/>
           <a:p>
             <a:r>
-              <a:rPr lang="en-US" dirty="0" err="1" smtClean="0"/>
+              <a:rPr lang="en-US" dirty="0" err="1"/>
               <a:t>Administrivia</a:t>
             </a:r>
             <a:endParaRPr lang="en-US" dirty="0"/>
@@ -5128,60 +5020,42 @@
           <a:lstStyle/>
           <a:p>
             <a:r>
-              <a:rPr lang="en-US" dirty="0" smtClean="0"/>
+              <a:rPr lang="en-US" dirty="0"/>
               <a:t>The usual academic honesty rules will be enforced; in projects, reports, exams or any other artifact; </a:t>
             </a:r>
             <a:r>
               <a:rPr lang="en-US" dirty="0">
                 <a:hlinkClick r:id="rId2"/>
               </a:rPr>
-              <a:t>Honor </a:t>
-            </a:r>
-            <a:r>
-              <a:rPr lang="en-US" dirty="0" smtClean="0">
-                <a:hlinkClick r:id="rId2"/>
-              </a:rPr>
-              <a:t>Code</a:t>
-            </a:r>
-            <a:endParaRPr lang="en-US" dirty="0" smtClean="0"/>
+              <a:t>Honor Code</a:t>
+            </a:r>
+            <a:endParaRPr lang="en-US" dirty="0"/>
           </a:p>
           <a:p>
             <a:pPr lvl="1"/>
             <a:r>
-              <a:rPr lang="en-US" dirty="0" smtClean="0"/>
+              <a:rPr lang="en-US" dirty="0"/>
               <a:t>Do not represent another person’s work as your own</a:t>
             </a:r>
           </a:p>
           <a:p>
             <a:pPr lvl="1"/>
             <a:r>
-              <a:rPr lang="en-US" dirty="0" smtClean="0"/>
+              <a:rPr lang="en-US" dirty="0"/>
               <a:t>Don’t leave your laptop unattended/unlocked; others can take a picture of your code or simply use a USB key quickly</a:t>
             </a:r>
           </a:p>
           <a:p>
             <a:r>
-              <a:rPr lang="en-US" dirty="0" smtClean="0"/>
-              <a:t>Students </a:t>
-            </a:r>
-            <a:r>
-              <a:rPr lang="en-US" dirty="0"/>
-              <a:t>with </a:t>
-            </a:r>
-            <a:r>
-              <a:rPr lang="en-US" dirty="0" smtClean="0"/>
-              <a:t>Disabilities</a:t>
+              <a:rPr lang="en-US" dirty="0"/>
+              <a:t>Students with Disabilities</a:t>
             </a:r>
           </a:p>
           <a:p>
             <a:pPr lvl="1"/>
             <a:r>
-              <a:rPr lang="en-US" dirty="0" smtClean="0"/>
-              <a:t>If </a:t>
-            </a:r>
-            <a:r>
-              <a:rPr lang="en-US" dirty="0"/>
-              <a:t>you are a student with a disability or disabling condition, or if you think you may have a disability, please contact USF </a:t>
+              <a:rPr lang="en-US" dirty="0"/>
+              <a:t>If you are a student with a disability or disabling condition, or if you think you may have a disability, please contact USF </a:t>
             </a:r>
             <a:r>
               <a:rPr lang="en-US" dirty="0">
@@ -5191,17 +5065,13 @@
             </a:r>
             <a:r>
               <a:rPr lang="en-US" dirty="0"/>
-              <a:t> (SDS) for information about accommodations</a:t>
-            </a:r>
-            <a:r>
-              <a:rPr lang="en-US" dirty="0" smtClean="0"/>
-              <a:t>.</a:t>
+              <a:t> (SDS) for information about accommodations.</a:t>
             </a:r>
           </a:p>
           <a:p>
             <a:pPr lvl="1"/>
             <a:r>
-              <a:rPr lang="en-US" dirty="0" smtClean="0"/>
+              <a:rPr lang="en-US" dirty="0"/>
               <a:t>More details on the course syllabus: </a:t>
             </a:r>
             <a:r>
@@ -5260,10 +5130,9 @@
           <a:lstStyle/>
           <a:p>
             <a:r>
-              <a:rPr lang="en-US" dirty="0" smtClean="0"/>
+              <a:rPr lang="en-US" dirty="0"/>
               <a:t>Why this course, why now?</a:t>
             </a:r>
-            <a:endParaRPr lang="en-US" dirty="0"/>
           </a:p>
         </p:txBody>
       </p:sp>
@@ -5285,34 +5154,33 @@
           <a:lstStyle/>
           <a:p>
             <a:r>
-              <a:rPr lang="en-US" dirty="0" smtClean="0"/>
+              <a:rPr lang="en-US" dirty="0"/>
               <a:t>At least for the moment, many of the people interviewing you will be programmers, pretending to be data scientists</a:t>
             </a:r>
           </a:p>
           <a:p>
             <a:r>
-              <a:rPr lang="en-US" dirty="0" smtClean="0"/>
+              <a:rPr lang="en-US" dirty="0"/>
               <a:t>What do they know? Programming, data structures, and algorithms</a:t>
             </a:r>
           </a:p>
           <a:p>
             <a:r>
-              <a:rPr lang="en-US" dirty="0" smtClean="0"/>
+              <a:rPr lang="en-US" dirty="0"/>
               <a:t>Being able to organize data within a machine or cross machines is a key skill for a data scientist</a:t>
             </a:r>
           </a:p>
           <a:p>
             <a:r>
-              <a:rPr lang="en-US" dirty="0" smtClean="0"/>
+              <a:rPr lang="en-US" dirty="0"/>
               <a:t>The larger the data, the more critical it is to understand how to measure algorithm performance and how to design efficient solutions</a:t>
             </a:r>
           </a:p>
           <a:p>
             <a:r>
-              <a:rPr lang="en-US" dirty="0" smtClean="0"/>
+              <a:rPr lang="en-US" dirty="0"/>
               <a:t>Optimally, this course would be much earlier, but the timing is good for your interviewing and was only spot we could jam this course in</a:t>
             </a:r>
-            <a:endParaRPr lang="en-US" dirty="0"/>
           </a:p>
         </p:txBody>
       </p:sp>
@@ -5320,6 +5188,132 @@
     <p:extLst>
       <p:ext uri="{BB962C8B-B14F-4D97-AF65-F5344CB8AC3E}">
         <p14:creationId xmlns:p14="http://schemas.microsoft.com/office/powerpoint/2010/main" val="283662686"/>
+      </p:ext>
+    </p:extLst>
+  </p:cSld>
+  <p:clrMapOvr>
+    <a:masterClrMapping/>
+  </p:clrMapOvr>
+</p:sld>
+</file>
+
+<file path=ppt/slides/slide9.xml><?xml version="1.0" encoding="utf-8"?>
+<p:sld xmlns:a="http://schemas.openxmlformats.org/drawingml/2006/main" xmlns:r="http://schemas.openxmlformats.org/officeDocument/2006/relationships" xmlns:p="http://schemas.openxmlformats.org/presentationml/2006/main">
+  <p:cSld>
+    <p:spTree>
+      <p:nvGrpSpPr>
+        <p:cNvPr id="1" name=""/>
+        <p:cNvGrpSpPr/>
+        <p:nvPr/>
+      </p:nvGrpSpPr>
+      <p:grpSpPr>
+        <a:xfrm>
+          <a:off x="0" y="0"/>
+          <a:ext cx="0" cy="0"/>
+          <a:chOff x="0" y="0"/>
+          <a:chExt cx="0" cy="0"/>
+        </a:xfrm>
+      </p:grpSpPr>
+      <p:sp>
+        <p:nvSpPr>
+          <p:cNvPr id="2" name="Title 1">
+            <a:extLst>
+              <a:ext uri="{FF2B5EF4-FFF2-40B4-BE49-F238E27FC236}">
+                <a16:creationId xmlns:a16="http://schemas.microsoft.com/office/drawing/2014/main" id="{9BBBCF96-25AA-2749-8534-EA1EB2BC8095}"/>
+              </a:ext>
+            </a:extLst>
+          </p:cNvPr>
+          <p:cNvSpPr>
+            <a:spLocks noGrp="1"/>
+          </p:cNvSpPr>
+          <p:nvPr>
+            <p:ph type="title"/>
+          </p:nvPr>
+        </p:nvSpPr>
+        <p:spPr/>
+        <p:txBody>
+          <a:bodyPr/>
+          <a:lstStyle/>
+          <a:p>
+            <a:r>
+              <a:rPr lang="en-US" dirty="0"/>
+              <a:t>How to get a job</a:t>
+            </a:r>
+          </a:p>
+        </p:txBody>
+      </p:sp>
+      <p:sp>
+        <p:nvSpPr>
+          <p:cNvPr id="3" name="Content Placeholder 2">
+            <a:extLst>
+              <a:ext uri="{FF2B5EF4-FFF2-40B4-BE49-F238E27FC236}">
+                <a16:creationId xmlns:a16="http://schemas.microsoft.com/office/drawing/2014/main" id="{CDCEDE7F-D038-AC4C-A6AA-55B52F04C47A}"/>
+              </a:ext>
+            </a:extLst>
+          </p:cNvPr>
+          <p:cNvSpPr>
+            <a:spLocks noGrp="1"/>
+          </p:cNvSpPr>
+          <p:nvPr>
+            <p:ph idx="1"/>
+          </p:nvPr>
+        </p:nvSpPr>
+        <p:spPr/>
+        <p:txBody>
+          <a:bodyPr/>
+          <a:lstStyle/>
+          <a:p>
+            <a:pPr marL="514350" indent="-514350">
+              <a:buFont typeface="+mj-lt"/>
+              <a:buAutoNum type="arabicPeriod"/>
+            </a:pPr>
+            <a:r>
+              <a:rPr lang="en-US" dirty="0"/>
+              <a:t>Be accomplished, be interesting</a:t>
+            </a:r>
+          </a:p>
+          <a:p>
+            <a:pPr marL="514350" indent="-514350">
+              <a:buFont typeface="+mj-lt"/>
+              <a:buAutoNum type="arabicPeriod"/>
+            </a:pPr>
+            <a:r>
+              <a:rPr lang="en-US" dirty="0"/>
+              <a:t>Know lots of people</a:t>
+            </a:r>
+          </a:p>
+          <a:p>
+            <a:pPr marL="514350" indent="-514350">
+              <a:buFont typeface="+mj-lt"/>
+              <a:buAutoNum type="arabicPeriod"/>
+            </a:pPr>
+            <a:r>
+              <a:rPr lang="en-US" dirty="0"/>
+              <a:t>Mine social network looking for job</a:t>
+            </a:r>
+          </a:p>
+          <a:p>
+            <a:endParaRPr lang="en-US" dirty="0"/>
+          </a:p>
+          <a:p>
+            <a:r>
+              <a:rPr lang="en-US" dirty="0"/>
+              <a:t>When then fails or simultaneously</a:t>
+            </a:r>
+          </a:p>
+          <a:p>
+            <a:pPr lvl="1"/>
+            <a:r>
+              <a:rPr lang="en-US"/>
+              <a:t>Cold apply to jobs via the web</a:t>
+            </a:r>
+          </a:p>
+        </p:txBody>
+      </p:sp>
+    </p:spTree>
+    <p:extLst>
+      <p:ext uri="{BB962C8B-B14F-4D97-AF65-F5344CB8AC3E}">
+        <p14:creationId xmlns:p14="http://schemas.microsoft.com/office/powerpoint/2010/main" val="852383661"/>
       </p:ext>
     </p:extLst>
   </p:cSld>

--- a/notes/welcome.pptx
+++ b/notes/welcome.pptx
@@ -4480,58 +4480,58 @@
           <a:chExt cx="0" cy="0"/>
         </a:xfrm>
       </p:grpSpPr>
-      <p:sp>
-        <p:nvSpPr>
-          <p:cNvPr id="2" name="Title 1"/>
-          <p:cNvSpPr>
-            <a:spLocks noGrp="1"/>
-          </p:cNvSpPr>
-          <p:nvPr>
-            <p:ph type="title"/>
-          </p:nvPr>
-        </p:nvSpPr>
-        <p:spPr/>
-        <p:txBody>
-          <a:bodyPr/>
-          <a:lstStyle/>
-          <a:p>
-            <a:r>
-              <a:rPr lang="en-US" dirty="0"/>
-              <a:t>Student evaluation</a:t>
-            </a:r>
-          </a:p>
-        </p:txBody>
-      </p:sp>
       <p:pic>
         <p:nvPicPr>
-          <p:cNvPr id="5" name="Picture 4"/>
+          <p:cNvPr id="4" name="Picture 3">
+            <a:extLst>
+              <a:ext uri="{FF2B5EF4-FFF2-40B4-BE49-F238E27FC236}">
+                <a16:creationId xmlns:a16="http://schemas.microsoft.com/office/drawing/2014/main" id="{17023D84-3920-3344-9752-2E37EDA84660}"/>
+              </a:ext>
+            </a:extLst>
+          </p:cNvPr>
           <p:cNvPicPr>
             <a:picLocks noChangeAspect="1"/>
           </p:cNvPicPr>
           <p:nvPr/>
         </p:nvPicPr>
         <p:blipFill>
-          <a:blip r:embed="rId2">
-            <a:extLst>
-              <a:ext uri="{28A0092B-C50C-407E-A947-70E740481C1C}">
-                <a14:useLocalDpi xmlns:a14="http://schemas.microsoft.com/office/drawing/2010/main" val="0"/>
-              </a:ext>
-            </a:extLst>
-          </a:blip>
+          <a:blip r:embed="rId2"/>
           <a:stretch>
             <a:fillRect/>
           </a:stretch>
         </p:blipFill>
         <p:spPr>
           <a:xfrm>
-            <a:off x="909129" y="1833022"/>
-            <a:ext cx="10678009" cy="3847931"/>
+            <a:off x="838199" y="1595495"/>
+            <a:ext cx="10916681" cy="4035949"/>
           </a:xfrm>
           <a:prstGeom prst="rect">
             <a:avLst/>
           </a:prstGeom>
         </p:spPr>
       </p:pic>
+      <p:sp>
+        <p:nvSpPr>
+          <p:cNvPr id="2" name="Title 1"/>
+          <p:cNvSpPr>
+            <a:spLocks noGrp="1"/>
+          </p:cNvSpPr>
+          <p:nvPr>
+            <p:ph type="title"/>
+          </p:nvPr>
+        </p:nvSpPr>
+        <p:spPr/>
+        <p:txBody>
+          <a:bodyPr/>
+          <a:lstStyle/>
+          <a:p>
+            <a:r>
+              <a:rPr lang="en-US" dirty="0"/>
+              <a:t>Student evaluation</a:t>
+            </a:r>
+          </a:p>
+        </p:txBody>
+      </p:sp>
       <p:sp>
         <p:nvSpPr>
           <p:cNvPr id="6" name="TextBox 5"/>
@@ -4569,14 +4569,15 @@
         <p:nvCxnSpPr>
           <p:cNvPr id="8" name="Straight Arrow Connector 7"/>
           <p:cNvCxnSpPr>
+            <a:cxnSpLocks/>
             <a:stCxn id="6" idx="3"/>
           </p:cNvCxnSpPr>
           <p:nvPr/>
         </p:nvCxnSpPr>
         <p:spPr>
           <a:xfrm flipV="1">
-            <a:off x="6894252" y="5437762"/>
-            <a:ext cx="926786" cy="690504"/>
+            <a:off x="6894252" y="5340485"/>
+            <a:ext cx="1092157" cy="787781"/>
           </a:xfrm>
           <a:prstGeom prst="straightConnector1">
             <a:avLst/>

--- a/notes/welcome.pptx
+++ b/notes/welcome.pptx
@@ -214,7 +214,7 @@
           <a:p>
             <a:fld id="{8A1B613A-EFF1-404F-BEE8-EFAE84A4E5E2}" type="datetimeFigureOut">
               <a:rPr lang="en-US" smtClean="0"/>
-              <a:t>1/24/20</a:t>
+              <a:t>3/23/21</a:t>
             </a:fld>
             <a:endParaRPr lang="en-US"/>
           </a:p>
@@ -379,7 +379,7 @@
           <a:p>
             <a:fld id="{690847EA-AC25-3D4E-89E1-FD3F6A9702B6}" type="datetimeFigureOut">
               <a:rPr lang="en-US" smtClean="0"/>
-              <a:t>1/24/20</a:t>
+              <a:t>3/23/21</a:t>
             </a:fld>
             <a:endParaRPr lang="en-US"/>
           </a:p>
@@ -793,7 +793,7 @@
           <a:p>
             <a:fld id="{BE5295ED-3BAF-1140-8495-3D368771D6B1}" type="datetimeFigureOut">
               <a:rPr lang="en-US" smtClean="0"/>
-              <a:t>1/24/20</a:t>
+              <a:t>3/23/21</a:t>
             </a:fld>
             <a:endParaRPr lang="en-US"/>
           </a:p>
@@ -991,7 +991,7 @@
           <a:p>
             <a:fld id="{BE5295ED-3BAF-1140-8495-3D368771D6B1}" type="datetimeFigureOut">
               <a:rPr lang="en-US" smtClean="0"/>
-              <a:t>1/24/20</a:t>
+              <a:t>3/23/21</a:t>
             </a:fld>
             <a:endParaRPr lang="en-US"/>
           </a:p>
@@ -1199,7 +1199,7 @@
           <a:p>
             <a:fld id="{BE5295ED-3BAF-1140-8495-3D368771D6B1}" type="datetimeFigureOut">
               <a:rPr lang="en-US" smtClean="0"/>
-              <a:t>1/24/20</a:t>
+              <a:t>3/23/21</a:t>
             </a:fld>
             <a:endParaRPr lang="en-US"/>
           </a:p>
@@ -1397,7 +1397,7 @@
           <a:p>
             <a:fld id="{BE5295ED-3BAF-1140-8495-3D368771D6B1}" type="datetimeFigureOut">
               <a:rPr lang="en-US" smtClean="0"/>
-              <a:t>1/24/20</a:t>
+              <a:t>3/23/21</a:t>
             </a:fld>
             <a:endParaRPr lang="en-US"/>
           </a:p>
@@ -1672,7 +1672,7 @@
           <a:p>
             <a:fld id="{BE5295ED-3BAF-1140-8495-3D368771D6B1}" type="datetimeFigureOut">
               <a:rPr lang="en-US" smtClean="0"/>
-              <a:t>1/24/20</a:t>
+              <a:t>3/23/21</a:t>
             </a:fld>
             <a:endParaRPr lang="en-US"/>
           </a:p>
@@ -1937,7 +1937,7 @@
           <a:p>
             <a:fld id="{BE5295ED-3BAF-1140-8495-3D368771D6B1}" type="datetimeFigureOut">
               <a:rPr lang="en-US" smtClean="0"/>
-              <a:t>1/24/20</a:t>
+              <a:t>3/23/21</a:t>
             </a:fld>
             <a:endParaRPr lang="en-US"/>
           </a:p>
@@ -2349,7 +2349,7 @@
           <a:p>
             <a:fld id="{BE5295ED-3BAF-1140-8495-3D368771D6B1}" type="datetimeFigureOut">
               <a:rPr lang="en-US" smtClean="0"/>
-              <a:t>1/24/20</a:t>
+              <a:t>3/23/21</a:t>
             </a:fld>
             <a:endParaRPr lang="en-US"/>
           </a:p>
@@ -2490,7 +2490,7 @@
           <a:p>
             <a:fld id="{BE5295ED-3BAF-1140-8495-3D368771D6B1}" type="datetimeFigureOut">
               <a:rPr lang="en-US" smtClean="0"/>
-              <a:t>1/24/20</a:t>
+              <a:t>3/23/21</a:t>
             </a:fld>
             <a:endParaRPr lang="en-US"/>
           </a:p>
@@ -2603,7 +2603,7 @@
           <a:p>
             <a:fld id="{BE5295ED-3BAF-1140-8495-3D368771D6B1}" type="datetimeFigureOut">
               <a:rPr lang="en-US" smtClean="0"/>
-              <a:t>1/24/20</a:t>
+              <a:t>3/23/21</a:t>
             </a:fld>
             <a:endParaRPr lang="en-US"/>
           </a:p>
@@ -2914,7 +2914,7 @@
           <a:p>
             <a:fld id="{BE5295ED-3BAF-1140-8495-3D368771D6B1}" type="datetimeFigureOut">
               <a:rPr lang="en-US" smtClean="0"/>
-              <a:t>1/24/20</a:t>
+              <a:t>3/23/21</a:t>
             </a:fld>
             <a:endParaRPr lang="en-US"/>
           </a:p>
@@ -3205,7 +3205,7 @@
           <a:p>
             <a:fld id="{BE5295ED-3BAF-1140-8495-3D368771D6B1}" type="datetimeFigureOut">
               <a:rPr lang="en-US" smtClean="0"/>
-              <a:t>1/24/20</a:t>
+              <a:t>3/23/21</a:t>
             </a:fld>
             <a:endParaRPr lang="en-US"/>
           </a:p>
@@ -3446,7 +3446,7 @@
           <a:p>
             <a:fld id="{BE5295ED-3BAF-1140-8495-3D368771D6B1}" type="datetimeFigureOut">
               <a:rPr lang="en-US" smtClean="0"/>
-              <a:t>1/24/20</a:t>
+              <a:t>3/23/21</a:t>
             </a:fld>
             <a:endParaRPr lang="en-US"/>
           </a:p>
@@ -4092,13 +4092,13 @@
           <a:p>
             <a:r>
               <a:rPr lang="en-US" dirty="0"/>
+              <a:t>How to read code</a:t>
+            </a:r>
+          </a:p>
+          <a:p>
+            <a:r>
+              <a:rPr lang="en-US" dirty="0"/>
               <a:t>A formula for problem-solving simple algorithm problems</a:t>
-            </a:r>
-          </a:p>
-          <a:p>
-            <a:r>
-              <a:rPr lang="en-US" dirty="0"/>
-              <a:t>How to read code</a:t>
             </a:r>
           </a:p>
           <a:p>
@@ -4335,7 +4335,7 @@
             </a:r>
             <a:r>
               <a:rPr lang="en-US" dirty="0"/>
-              <a:t>++ initial point selection (20%)</a:t>
+              <a:t>++ initial point selection (17%)</a:t>
             </a:r>
           </a:p>
           <a:p>
@@ -4363,7 +4363,7 @@
           <a:p>
             <a:r>
               <a:rPr lang="en-US" dirty="0"/>
-              <a:t>Feature importance and selection (22%)</a:t>
+              <a:t>Feature importance and selection (20%)</a:t>
             </a:r>
           </a:p>
           <a:p>
@@ -4389,8 +4389,12 @@
           <a:p>
             <a:pPr lvl="1"/>
             <a:r>
-              <a:rPr lang="en-US" dirty="0"/>
-              <a:t>grader will assign check -, check, check+ based upon your reports</a:t>
+              <a:rPr lang="en-US"/>
+              <a:t>I </a:t>
+            </a:r>
+            <a:r>
+              <a:rPr lang="en-US" dirty="0"/>
+              <a:t>will assign check, check-, check-- based upon your reports</a:t>
             </a:r>
           </a:p>
           <a:p>

--- a/notes/welcome.pptx
+++ b/notes/welcome.pptx
@@ -4389,12 +4389,8 @@
           <a:p>
             <a:pPr lvl="1"/>
             <a:r>
-              <a:rPr lang="en-US"/>
-              <a:t>I </a:t>
-            </a:r>
-            <a:r>
-              <a:rPr lang="en-US" dirty="0"/>
-              <a:t>will assign check, check-, check-- based upon your reports</a:t>
+              <a:rPr lang="en-US" dirty="0"/>
+              <a:t>I will assign check, check-, check-- based upon your reports</a:t>
             </a:r>
           </a:p>
           <a:p>
@@ -4486,10 +4482,10 @@
       </p:grpSpPr>
       <p:pic>
         <p:nvPicPr>
-          <p:cNvPr id="4" name="Picture 3">
-            <a:extLst>
-              <a:ext uri="{FF2B5EF4-FFF2-40B4-BE49-F238E27FC236}">
-                <a16:creationId xmlns:a16="http://schemas.microsoft.com/office/drawing/2014/main" id="{17023D84-3920-3344-9752-2E37EDA84660}"/>
+          <p:cNvPr id="3" name="Picture 2">
+            <a:extLst>
+              <a:ext uri="{FF2B5EF4-FFF2-40B4-BE49-F238E27FC236}">
+                <a16:creationId xmlns:a16="http://schemas.microsoft.com/office/drawing/2014/main" id="{704B9ABD-B5D7-234C-BFD3-C439D6FB167F}"/>
               </a:ext>
             </a:extLst>
           </p:cNvPr>
@@ -4506,8 +4502,8 @@
         </p:blipFill>
         <p:spPr>
           <a:xfrm>
-            <a:off x="838199" y="1595495"/>
-            <a:ext cx="10916681" cy="4035949"/>
+            <a:off x="952500" y="1745610"/>
+            <a:ext cx="10287000" cy="3771900"/>
           </a:xfrm>
           <a:prstGeom prst="rect">
             <a:avLst/>
@@ -4629,21 +4625,13 @@
           <a:p>
             <a:r>
               <a:rPr lang="en-US" i="1" dirty="0"/>
-              <a:t>P</a:t>
-            </a:r>
-            <a:r>
-              <a:rPr lang="en-US" i="1"/>
-              <a:t>lease </a:t>
-            </a:r>
+              <a:t>Please note grading will take at least a week</a:t>
+            </a:r>
+          </a:p>
+          <a:p>
             <a:r>
               <a:rPr lang="en-US" i="1" dirty="0"/>
-              <a:t>note grader will take at least a week</a:t>
-            </a:r>
-          </a:p>
-          <a:p>
-            <a:r>
-              <a:rPr lang="en-US" i="1" dirty="0"/>
-              <a:t>to grade projects, but I’ll grade exams quickly</a:t>
+              <a:t>For projects, but I’ll grade exams quickly</a:t>
             </a:r>
           </a:p>
         </p:txBody>
@@ -4934,7 +4922,7 @@
           <a:p>
             <a:r>
               <a:rPr lang="en-US" dirty="0"/>
-              <a:t>A review </a:t>
+              <a:t>Review </a:t>
             </a:r>
             <a:r>
               <a:rPr lang="en-US" dirty="0">
@@ -5077,6 +5065,13 @@
             <a:pPr lvl="1"/>
             <a:r>
               <a:rPr lang="en-US" dirty="0"/>
+              <a:t>If you are sick, please let us know beforehand, not after-the-fact</a:t>
+            </a:r>
+          </a:p>
+          <a:p>
+            <a:pPr lvl="1"/>
+            <a:r>
+              <a:rPr lang="en-US" dirty="0"/>
               <a:t>More details on the course syllabus: </a:t>
             </a:r>
             <a:r>
@@ -5172,7 +5167,7 @@
           <a:p>
             <a:r>
               <a:rPr lang="en-US" dirty="0"/>
-              <a:t>Being able to organize data within a machine or cross machines is a key skill for a data scientist</a:t>
+              <a:t>Being able to organize data within a machine or across machines is a key skill for a data scientist</a:t>
             </a:r>
           </a:p>
           <a:p>
@@ -5184,7 +5179,7 @@
           <a:p>
             <a:r>
               <a:rPr lang="en-US" dirty="0"/>
-              <a:t>Optimally, this course would be much earlier, but the timing is good for your interviewing and was only spot we could jam this course in</a:t>
+              <a:t>Optimally, you'd get this course much earlier, but the timing is good for your interviewing and was only spot we could jam this course in</a:t>
             </a:r>
           </a:p>
         </p:txBody>
@@ -5303,15 +5298,20 @@
           <a:p>
             <a:r>
               <a:rPr lang="en-US" dirty="0"/>
-              <a:t>When then fails or simultaneously</a:t>
+              <a:t>When that fails or simultaneously</a:t>
             </a:r>
           </a:p>
           <a:p>
             <a:pPr lvl="1"/>
             <a:r>
-              <a:rPr lang="en-US"/>
-              <a:t>Cold apply to jobs via the web</a:t>
-            </a:r>
+              <a:rPr lang="en-US" dirty="0"/>
+              <a:t>Cold apply to jobs via </a:t>
+            </a:r>
+            <a:r>
+              <a:rPr lang="en-US"/>
+              <a:t>the web (a lot!)</a:t>
+            </a:r>
+            <a:endParaRPr lang="en-US" dirty="0"/>
           </a:p>
         </p:txBody>
       </p:sp>
